--- a/class presentation.pptx
+++ b/class presentation.pptx
@@ -1,32 +1,127 @@
 
 <file path=ppt/presentation.xml><?xml version="1.0" encoding="utf-8"?>
-<p:presentation xmlns:a="http://schemas.openxmlformats.org/drawingml/2006/main" xmlns:p="http://schemas.openxmlformats.org/presentationml/2006/main" xmlns:r="http://schemas.openxmlformats.org/officeDocument/2006/relationships" xmlns:p14="http://schemas.microsoft.com/office/powerpoint/2010/main" xmlns:p15="http://schemas.microsoft.com/office/powerpoint/2012/main" xmlns:mc="http://schemas.openxmlformats.org/markup-compatibility/2006">
+<p:presentation xmlns:a="http://schemas.openxmlformats.org/drawingml/2006/main" xmlns:r="http://schemas.openxmlformats.org/officeDocument/2006/relationships" xmlns:p="http://schemas.openxmlformats.org/presentationml/2006/main">
   <p:sldMasterIdLst>
-    <p:sldMasterId id="2147483648" r:id="rId2"/>
-    <p:sldMasterId id="2147483661" r:id="rId3"/>
+    <p:sldMasterId id="2147483648" r:id="rId1"/>
+    <p:sldMasterId id="2147483661" r:id="rId2"/>
   </p:sldMasterIdLst>
   <p:sldIdLst>
-    <p:sldId id="256" r:id="rId4"/>
-    <p:sldId id="257" r:id="rId5"/>
-    <p:sldId id="258" r:id="rId6"/>
-    <p:sldId id="259" r:id="rId7"/>
-    <p:sldId id="260" r:id="rId8"/>
-    <p:sldId id="261" r:id="rId9"/>
-    <p:sldId id="262" r:id="rId10"/>
-    <p:sldId id="263" r:id="rId11"/>
-    <p:sldId id="264" r:id="rId12"/>
-    <p:sldId id="265" r:id="rId13"/>
-    <p:sldId id="266" r:id="rId14"/>
-    <p:sldId id="267" r:id="rId15"/>
-    <p:sldId id="268" r:id="rId16"/>
+    <p:sldId id="256" r:id="rId3"/>
+    <p:sldId id="257" r:id="rId4"/>
+    <p:sldId id="258" r:id="rId5"/>
+    <p:sldId id="259" r:id="rId6"/>
+    <p:sldId id="260" r:id="rId7"/>
+    <p:sldId id="261" r:id="rId8"/>
+    <p:sldId id="262" r:id="rId9"/>
+    <p:sldId id="263" r:id="rId10"/>
+    <p:sldId id="264" r:id="rId11"/>
+    <p:sldId id="265" r:id="rId12"/>
+    <p:sldId id="266" r:id="rId13"/>
+    <p:sldId id="267" r:id="rId14"/>
+    <p:sldId id="268" r:id="rId15"/>
   </p:sldIdLst>
   <p:sldSz cx="10080625" cy="7559675"/>
-  <p:notesSz cx="7559675" cy="10691812"/>
+  <p:notesSz cx="7559675" cy="10691813"/>
+  <p:defaultTextStyle>
+    <a:defPPr>
+      <a:defRPr lang="zh-TW"/>
+    </a:defPPr>
+    <a:lvl1pPr marL="0" algn="l" defTabSz="457200" rtl="0" eaLnBrk="1" latinLnBrk="0" hangingPunct="1">
+      <a:defRPr sz="1800" kern="1200">
+        <a:solidFill>
+          <a:schemeClr val="tx1"/>
+        </a:solidFill>
+        <a:latin typeface="+mn-lt"/>
+        <a:ea typeface="+mn-ea"/>
+        <a:cs typeface="+mn-cs"/>
+      </a:defRPr>
+    </a:lvl1pPr>
+    <a:lvl2pPr marL="457200" algn="l" defTabSz="457200" rtl="0" eaLnBrk="1" latinLnBrk="0" hangingPunct="1">
+      <a:defRPr sz="1800" kern="1200">
+        <a:solidFill>
+          <a:schemeClr val="tx1"/>
+        </a:solidFill>
+        <a:latin typeface="+mn-lt"/>
+        <a:ea typeface="+mn-ea"/>
+        <a:cs typeface="+mn-cs"/>
+      </a:defRPr>
+    </a:lvl2pPr>
+    <a:lvl3pPr marL="914400" algn="l" defTabSz="457200" rtl="0" eaLnBrk="1" latinLnBrk="0" hangingPunct="1">
+      <a:defRPr sz="1800" kern="1200">
+        <a:solidFill>
+          <a:schemeClr val="tx1"/>
+        </a:solidFill>
+        <a:latin typeface="+mn-lt"/>
+        <a:ea typeface="+mn-ea"/>
+        <a:cs typeface="+mn-cs"/>
+      </a:defRPr>
+    </a:lvl3pPr>
+    <a:lvl4pPr marL="1371600" algn="l" defTabSz="457200" rtl="0" eaLnBrk="1" latinLnBrk="0" hangingPunct="1">
+      <a:defRPr sz="1800" kern="1200">
+        <a:solidFill>
+          <a:schemeClr val="tx1"/>
+        </a:solidFill>
+        <a:latin typeface="+mn-lt"/>
+        <a:ea typeface="+mn-ea"/>
+        <a:cs typeface="+mn-cs"/>
+      </a:defRPr>
+    </a:lvl4pPr>
+    <a:lvl5pPr marL="1828800" algn="l" defTabSz="457200" rtl="0" eaLnBrk="1" latinLnBrk="0" hangingPunct="1">
+      <a:defRPr sz="1800" kern="1200">
+        <a:solidFill>
+          <a:schemeClr val="tx1"/>
+        </a:solidFill>
+        <a:latin typeface="+mn-lt"/>
+        <a:ea typeface="+mn-ea"/>
+        <a:cs typeface="+mn-cs"/>
+      </a:defRPr>
+    </a:lvl5pPr>
+    <a:lvl6pPr marL="2286000" algn="l" defTabSz="457200" rtl="0" eaLnBrk="1" latinLnBrk="0" hangingPunct="1">
+      <a:defRPr sz="1800" kern="1200">
+        <a:solidFill>
+          <a:schemeClr val="tx1"/>
+        </a:solidFill>
+        <a:latin typeface="+mn-lt"/>
+        <a:ea typeface="+mn-ea"/>
+        <a:cs typeface="+mn-cs"/>
+      </a:defRPr>
+    </a:lvl6pPr>
+    <a:lvl7pPr marL="2743200" algn="l" defTabSz="457200" rtl="0" eaLnBrk="1" latinLnBrk="0" hangingPunct="1">
+      <a:defRPr sz="1800" kern="1200">
+        <a:solidFill>
+          <a:schemeClr val="tx1"/>
+        </a:solidFill>
+        <a:latin typeface="+mn-lt"/>
+        <a:ea typeface="+mn-ea"/>
+        <a:cs typeface="+mn-cs"/>
+      </a:defRPr>
+    </a:lvl7pPr>
+    <a:lvl8pPr marL="3200400" algn="l" defTabSz="457200" rtl="0" eaLnBrk="1" latinLnBrk="0" hangingPunct="1">
+      <a:defRPr sz="1800" kern="1200">
+        <a:solidFill>
+          <a:schemeClr val="tx1"/>
+        </a:solidFill>
+        <a:latin typeface="+mn-lt"/>
+        <a:ea typeface="+mn-ea"/>
+        <a:cs typeface="+mn-cs"/>
+      </a:defRPr>
+    </a:lvl8pPr>
+    <a:lvl9pPr marL="3657600" algn="l" defTabSz="457200" rtl="0" eaLnBrk="1" latinLnBrk="0" hangingPunct="1">
+      <a:defRPr sz="1800" kern="1200">
+        <a:solidFill>
+          <a:schemeClr val="tx1"/>
+        </a:solidFill>
+        <a:latin typeface="+mn-lt"/>
+        <a:ea typeface="+mn-ea"/>
+        <a:cs typeface="+mn-cs"/>
+      </a:defRPr>
+    </a:lvl9pPr>
+  </p:defaultTextStyle>
 </p:presentation>
 </file>
 
 <file path=ppt/slideLayouts/slideLayout1.xml><?xml version="1.0" encoding="utf-8"?>
-<p:sldLayout xmlns:a="http://schemas.openxmlformats.org/drawingml/2006/main" xmlns:p="http://schemas.openxmlformats.org/presentationml/2006/main" xmlns:r="http://schemas.openxmlformats.org/officeDocument/2006/relationships" xmlns:p14="http://schemas.microsoft.com/office/powerpoint/2010/main" xmlns:p15="http://schemas.microsoft.com/office/powerpoint/2012/main" xmlns:mc="http://schemas.openxmlformats.org/markup-compatibility/2006" type="blank" preserve="1">
+<p:sldLayout xmlns:a="http://schemas.openxmlformats.org/drawingml/2006/main" xmlns:r="http://schemas.openxmlformats.org/officeDocument/2006/relationships" xmlns:p="http://schemas.openxmlformats.org/presentationml/2006/main" type="blank" preserve="1">
   <p:cSld name="Blank Slide">
     <p:spTree>
       <p:nvGrpSpPr>
@@ -44,11 +139,14 @@
       </p:grpSpPr>
     </p:spTree>
   </p:cSld>
+  <p:clrMapOvr>
+    <a:masterClrMapping/>
+  </p:clrMapOvr>
 </p:sldLayout>
 </file>
 
 <file path=ppt/slideLayouts/slideLayout10.xml><?xml version="1.0" encoding="utf-8"?>
-<p:sldLayout xmlns:a="http://schemas.openxmlformats.org/drawingml/2006/main" xmlns:p="http://schemas.openxmlformats.org/presentationml/2006/main" xmlns:r="http://schemas.openxmlformats.org/officeDocument/2006/relationships" xmlns:p14="http://schemas.microsoft.com/office/powerpoint/2010/main" xmlns:p15="http://schemas.microsoft.com/office/powerpoint/2012/main" xmlns:mc="http://schemas.openxmlformats.org/markup-compatibility/2006" type="objOverTx" preserve="1">
+<p:sldLayout xmlns:a="http://schemas.openxmlformats.org/drawingml/2006/main" xmlns:r="http://schemas.openxmlformats.org/officeDocument/2006/relationships" xmlns:p="http://schemas.openxmlformats.org/presentationml/2006/main" type="objOverTx" preserve="1">
   <p:cSld name="Title, Content over Content">
     <p:spTree>
       <p:nvGrpSpPr>
@@ -84,15 +182,16 @@
           </a:prstGeom>
         </p:spPr>
         <p:txBody>
-          <a:bodyPr lIns="0" rIns="0" tIns="0" bIns="0" anchor="ctr"/>
-          <a:p>
-            <a:endParaRPr b="0" lang="en-US" sz="8450" spc="-1" strike="noStrike">
-              <a:solidFill>
-                <a:srgbClr val="ffffff"/>
-              </a:solidFill>
-              <a:uFill>
-                <a:solidFill>
-                  <a:srgbClr val="ffffff"/>
+          <a:bodyPr lIns="0" tIns="0" rIns="0" bIns="0" anchor="ctr"/>
+          <a:lstStyle/>
+          <a:p>
+            <a:endParaRPr lang="en-US" sz="8450" b="0" strike="noStrike" spc="-1">
+              <a:solidFill>
+                <a:srgbClr val="FFFFFF"/>
+              </a:solidFill>
+              <a:uFill>
+                <a:solidFill>
+                  <a:srgbClr val="FFFFFF"/>
                 </a:solidFill>
               </a:uFill>
               <a:latin typeface="Arial"/>
@@ -120,15 +219,16 @@
           </a:prstGeom>
         </p:spPr>
         <p:txBody>
-          <a:bodyPr lIns="0" rIns="0" tIns="0" bIns="0"/>
-          <a:p>
-            <a:endParaRPr b="0" lang="en-US" sz="6160" spc="-1" strike="noStrike">
+          <a:bodyPr lIns="0" tIns="0" rIns="0" bIns="0"/>
+          <a:lstStyle/>
+          <a:p>
+            <a:endParaRPr lang="en-US" sz="6160" b="0" strike="noStrike" spc="-1">
               <a:solidFill>
                 <a:srgbClr val="000000"/>
               </a:solidFill>
               <a:uFill>
                 <a:solidFill>
-                  <a:srgbClr val="ffffff"/>
+                  <a:srgbClr val="FFFFFF"/>
                 </a:solidFill>
               </a:uFill>
               <a:latin typeface="Arial"/>
@@ -156,15 +256,16 @@
           </a:prstGeom>
         </p:spPr>
         <p:txBody>
-          <a:bodyPr lIns="0" rIns="0" tIns="0" bIns="0"/>
-          <a:p>
-            <a:endParaRPr b="0" lang="en-US" sz="6160" spc="-1" strike="noStrike">
+          <a:bodyPr lIns="0" tIns="0" rIns="0" bIns="0"/>
+          <a:lstStyle/>
+          <a:p>
+            <a:endParaRPr lang="en-US" sz="6160" b="0" strike="noStrike" spc="-1">
               <a:solidFill>
                 <a:srgbClr val="000000"/>
               </a:solidFill>
               <a:uFill>
                 <a:solidFill>
-                  <a:srgbClr val="ffffff"/>
+                  <a:srgbClr val="FFFFFF"/>
                 </a:solidFill>
               </a:uFill>
               <a:latin typeface="Arial"/>
@@ -174,11 +275,14 @@
       </p:sp>
     </p:spTree>
   </p:cSld>
+  <p:clrMapOvr>
+    <a:masterClrMapping/>
+  </p:clrMapOvr>
 </p:sldLayout>
 </file>
 
 <file path=ppt/slideLayouts/slideLayout11.xml><?xml version="1.0" encoding="utf-8"?>
-<p:sldLayout xmlns:a="http://schemas.openxmlformats.org/drawingml/2006/main" xmlns:p="http://schemas.openxmlformats.org/presentationml/2006/main" xmlns:r="http://schemas.openxmlformats.org/officeDocument/2006/relationships" xmlns:p14="http://schemas.microsoft.com/office/powerpoint/2010/main" xmlns:p15="http://schemas.microsoft.com/office/powerpoint/2012/main" xmlns:mc="http://schemas.openxmlformats.org/markup-compatibility/2006" type="fourObj" preserve="1">
+<p:sldLayout xmlns:a="http://schemas.openxmlformats.org/drawingml/2006/main" xmlns:r="http://schemas.openxmlformats.org/officeDocument/2006/relationships" xmlns:p="http://schemas.openxmlformats.org/presentationml/2006/main" type="fourObj" preserve="1">
   <p:cSld name="Title, 4 Content">
     <p:spTree>
       <p:nvGrpSpPr>
@@ -214,15 +318,16 @@
           </a:prstGeom>
         </p:spPr>
         <p:txBody>
-          <a:bodyPr lIns="0" rIns="0" tIns="0" bIns="0" anchor="ctr"/>
-          <a:p>
-            <a:endParaRPr b="0" lang="en-US" sz="8450" spc="-1" strike="noStrike">
-              <a:solidFill>
-                <a:srgbClr val="ffffff"/>
-              </a:solidFill>
-              <a:uFill>
-                <a:solidFill>
-                  <a:srgbClr val="ffffff"/>
+          <a:bodyPr lIns="0" tIns="0" rIns="0" bIns="0" anchor="ctr"/>
+          <a:lstStyle/>
+          <a:p>
+            <a:endParaRPr lang="en-US" sz="8450" b="0" strike="noStrike" spc="-1">
+              <a:solidFill>
+                <a:srgbClr val="FFFFFF"/>
+              </a:solidFill>
+              <a:uFill>
+                <a:solidFill>
+                  <a:srgbClr val="FFFFFF"/>
                 </a:solidFill>
               </a:uFill>
               <a:latin typeface="Arial"/>
@@ -250,15 +355,16 @@
           </a:prstGeom>
         </p:spPr>
         <p:txBody>
-          <a:bodyPr lIns="0" rIns="0" tIns="0" bIns="0"/>
-          <a:p>
-            <a:endParaRPr b="0" lang="en-US" sz="6160" spc="-1" strike="noStrike">
+          <a:bodyPr lIns="0" tIns="0" rIns="0" bIns="0"/>
+          <a:lstStyle/>
+          <a:p>
+            <a:endParaRPr lang="en-US" sz="6160" b="0" strike="noStrike" spc="-1">
               <a:solidFill>
                 <a:srgbClr val="000000"/>
               </a:solidFill>
               <a:uFill>
                 <a:solidFill>
-                  <a:srgbClr val="ffffff"/>
+                  <a:srgbClr val="FFFFFF"/>
                 </a:solidFill>
               </a:uFill>
               <a:latin typeface="Arial"/>
@@ -286,15 +392,16 @@
           </a:prstGeom>
         </p:spPr>
         <p:txBody>
-          <a:bodyPr lIns="0" rIns="0" tIns="0" bIns="0"/>
-          <a:p>
-            <a:endParaRPr b="0" lang="en-US" sz="6160" spc="-1" strike="noStrike">
+          <a:bodyPr lIns="0" tIns="0" rIns="0" bIns="0"/>
+          <a:lstStyle/>
+          <a:p>
+            <a:endParaRPr lang="en-US" sz="6160" b="0" strike="noStrike" spc="-1">
               <a:solidFill>
                 <a:srgbClr val="000000"/>
               </a:solidFill>
               <a:uFill>
                 <a:solidFill>
-                  <a:srgbClr val="ffffff"/>
+                  <a:srgbClr val="FFFFFF"/>
                 </a:solidFill>
               </a:uFill>
               <a:latin typeface="Arial"/>
@@ -322,15 +429,16 @@
           </a:prstGeom>
         </p:spPr>
         <p:txBody>
-          <a:bodyPr lIns="0" rIns="0" tIns="0" bIns="0"/>
-          <a:p>
-            <a:endParaRPr b="0" lang="en-US" sz="6160" spc="-1" strike="noStrike">
+          <a:bodyPr lIns="0" tIns="0" rIns="0" bIns="0"/>
+          <a:lstStyle/>
+          <a:p>
+            <a:endParaRPr lang="en-US" sz="6160" b="0" strike="noStrike" spc="-1">
               <a:solidFill>
                 <a:srgbClr val="000000"/>
               </a:solidFill>
               <a:uFill>
                 <a:solidFill>
-                  <a:srgbClr val="ffffff"/>
+                  <a:srgbClr val="FFFFFF"/>
                 </a:solidFill>
               </a:uFill>
               <a:latin typeface="Arial"/>
@@ -358,15 +466,16 @@
           </a:prstGeom>
         </p:spPr>
         <p:txBody>
-          <a:bodyPr lIns="0" rIns="0" tIns="0" bIns="0"/>
-          <a:p>
-            <a:endParaRPr b="0" lang="en-US" sz="6160" spc="-1" strike="noStrike">
+          <a:bodyPr lIns="0" tIns="0" rIns="0" bIns="0"/>
+          <a:lstStyle/>
+          <a:p>
+            <a:endParaRPr lang="en-US" sz="6160" b="0" strike="noStrike" spc="-1">
               <a:solidFill>
                 <a:srgbClr val="000000"/>
               </a:solidFill>
               <a:uFill>
                 <a:solidFill>
-                  <a:srgbClr val="ffffff"/>
+                  <a:srgbClr val="FFFFFF"/>
                 </a:solidFill>
               </a:uFill>
               <a:latin typeface="Arial"/>
@@ -376,11 +485,14 @@
       </p:sp>
     </p:spTree>
   </p:cSld>
+  <p:clrMapOvr>
+    <a:masterClrMapping/>
+  </p:clrMapOvr>
 </p:sldLayout>
 </file>
 
 <file path=ppt/slideLayouts/slideLayout12.xml><?xml version="1.0" encoding="utf-8"?>
-<p:sldLayout xmlns:a="http://schemas.openxmlformats.org/drawingml/2006/main" xmlns:p="http://schemas.openxmlformats.org/presentationml/2006/main" xmlns:r="http://schemas.openxmlformats.org/officeDocument/2006/relationships" xmlns:p14="http://schemas.microsoft.com/office/powerpoint/2010/main" xmlns:p15="http://schemas.microsoft.com/office/powerpoint/2012/main" xmlns:mc="http://schemas.openxmlformats.org/markup-compatibility/2006" type="blank" preserve="1">
+<p:sldLayout xmlns:a="http://schemas.openxmlformats.org/drawingml/2006/main" xmlns:r="http://schemas.openxmlformats.org/officeDocument/2006/relationships" xmlns:p="http://schemas.openxmlformats.org/presentationml/2006/main" type="blank" preserve="1">
   <p:cSld name="Title, 6 Content">
     <p:spTree>
       <p:nvGrpSpPr>
@@ -416,15 +528,16 @@
           </a:prstGeom>
         </p:spPr>
         <p:txBody>
-          <a:bodyPr lIns="0" rIns="0" tIns="0" bIns="0" anchor="ctr"/>
-          <a:p>
-            <a:endParaRPr b="0" lang="en-US" sz="8450" spc="-1" strike="noStrike">
-              <a:solidFill>
-                <a:srgbClr val="ffffff"/>
-              </a:solidFill>
-              <a:uFill>
-                <a:solidFill>
-                  <a:srgbClr val="ffffff"/>
+          <a:bodyPr lIns="0" tIns="0" rIns="0" bIns="0" anchor="ctr"/>
+          <a:lstStyle/>
+          <a:p>
+            <a:endParaRPr lang="en-US" sz="8450" b="0" strike="noStrike" spc="-1">
+              <a:solidFill>
+                <a:srgbClr val="FFFFFF"/>
+              </a:solidFill>
+              <a:uFill>
+                <a:solidFill>
+                  <a:srgbClr val="FFFFFF"/>
                 </a:solidFill>
               </a:uFill>
               <a:latin typeface="Arial"/>
@@ -452,15 +565,16 @@
           </a:prstGeom>
         </p:spPr>
         <p:txBody>
-          <a:bodyPr lIns="0" rIns="0" tIns="0" bIns="0"/>
-          <a:p>
-            <a:endParaRPr b="0" lang="en-US" sz="6160" spc="-1" strike="noStrike">
+          <a:bodyPr lIns="0" tIns="0" rIns="0" bIns="0"/>
+          <a:lstStyle/>
+          <a:p>
+            <a:endParaRPr lang="en-US" sz="6160" b="0" strike="noStrike" spc="-1">
               <a:solidFill>
                 <a:srgbClr val="000000"/>
               </a:solidFill>
               <a:uFill>
                 <a:solidFill>
-                  <a:srgbClr val="ffffff"/>
+                  <a:srgbClr val="FFFFFF"/>
                 </a:solidFill>
               </a:uFill>
               <a:latin typeface="Arial"/>
@@ -488,15 +602,16 @@
           </a:prstGeom>
         </p:spPr>
         <p:txBody>
-          <a:bodyPr lIns="0" rIns="0" tIns="0" bIns="0"/>
-          <a:p>
-            <a:endParaRPr b="0" lang="en-US" sz="6160" spc="-1" strike="noStrike">
+          <a:bodyPr lIns="0" tIns="0" rIns="0" bIns="0"/>
+          <a:lstStyle/>
+          <a:p>
+            <a:endParaRPr lang="en-US" sz="6160" b="0" strike="noStrike" spc="-1">
               <a:solidFill>
                 <a:srgbClr val="000000"/>
               </a:solidFill>
               <a:uFill>
                 <a:solidFill>
-                  <a:srgbClr val="ffffff"/>
+                  <a:srgbClr val="FFFFFF"/>
                 </a:solidFill>
               </a:uFill>
               <a:latin typeface="Arial"/>
@@ -506,7 +621,7 @@
       </p:sp>
       <p:pic>
         <p:nvPicPr>
-          <p:cNvPr id="37" name="" descr=""/>
+          <p:cNvPr id="37" name="圖片 36"/>
           <p:cNvPicPr/>
           <p:nvPr/>
         </p:nvPicPr>
@@ -529,12 +644,12 @@
       </p:pic>
       <p:pic>
         <p:nvPicPr>
-          <p:cNvPr id="38" name="" descr=""/>
+          <p:cNvPr id="38" name="圖片 37"/>
           <p:cNvPicPr/>
           <p:nvPr/>
         </p:nvPicPr>
         <p:blipFill>
-          <a:blip r:embed="rId3"/>
+          <a:blip r:embed="rId2"/>
           <a:stretch/>
         </p:blipFill>
         <p:spPr>
@@ -552,11 +667,14 @@
       </p:pic>
     </p:spTree>
   </p:cSld>
+  <p:clrMapOvr>
+    <a:masterClrMapping/>
+  </p:clrMapOvr>
 </p:sldLayout>
 </file>
 
 <file path=ppt/slideLayouts/slideLayout13.xml><?xml version="1.0" encoding="utf-8"?>
-<p:sldLayout xmlns:a="http://schemas.openxmlformats.org/drawingml/2006/main" xmlns:p="http://schemas.openxmlformats.org/presentationml/2006/main" xmlns:r="http://schemas.openxmlformats.org/officeDocument/2006/relationships" xmlns:p14="http://schemas.microsoft.com/office/powerpoint/2010/main" xmlns:p15="http://schemas.microsoft.com/office/powerpoint/2012/main" xmlns:mc="http://schemas.openxmlformats.org/markup-compatibility/2006" type="blank" preserve="1">
+<p:sldLayout xmlns:a="http://schemas.openxmlformats.org/drawingml/2006/main" xmlns:r="http://schemas.openxmlformats.org/officeDocument/2006/relationships" xmlns:p="http://schemas.openxmlformats.org/presentationml/2006/main" type="blank" preserve="1">
   <p:cSld name="Blank Slide">
     <p:spTree>
       <p:nvGrpSpPr>
@@ -574,11 +692,14 @@
       </p:grpSpPr>
     </p:spTree>
   </p:cSld>
+  <p:clrMapOvr>
+    <a:masterClrMapping/>
+  </p:clrMapOvr>
 </p:sldLayout>
 </file>
 
 <file path=ppt/slideLayouts/slideLayout14.xml><?xml version="1.0" encoding="utf-8"?>
-<p:sldLayout xmlns:a="http://schemas.openxmlformats.org/drawingml/2006/main" xmlns:p="http://schemas.openxmlformats.org/presentationml/2006/main" xmlns:r="http://schemas.openxmlformats.org/officeDocument/2006/relationships" xmlns:p14="http://schemas.microsoft.com/office/powerpoint/2010/main" xmlns:p15="http://schemas.microsoft.com/office/powerpoint/2012/main" xmlns:mc="http://schemas.openxmlformats.org/markup-compatibility/2006" type="tx" preserve="1">
+<p:sldLayout xmlns:a="http://schemas.openxmlformats.org/drawingml/2006/main" xmlns:r="http://schemas.openxmlformats.org/officeDocument/2006/relationships" xmlns:p="http://schemas.openxmlformats.org/presentationml/2006/main" type="tx" preserve="1">
   <p:cSld name="Title Slide">
     <p:spTree>
       <p:nvGrpSpPr>
@@ -614,15 +735,16 @@
           </a:prstGeom>
         </p:spPr>
         <p:txBody>
-          <a:bodyPr lIns="0" rIns="0" tIns="0" bIns="0" anchor="ctr"/>
-          <a:p>
-            <a:endParaRPr b="0" lang="en-US" sz="8450" spc="-1" strike="noStrike">
-              <a:solidFill>
-                <a:srgbClr val="ffffff"/>
-              </a:solidFill>
-              <a:uFill>
-                <a:solidFill>
-                  <a:srgbClr val="ffffff"/>
+          <a:bodyPr lIns="0" tIns="0" rIns="0" bIns="0" anchor="ctr"/>
+          <a:lstStyle/>
+          <a:p>
+            <a:endParaRPr lang="en-US" sz="8450" b="0" strike="noStrike" spc="-1">
+              <a:solidFill>
+                <a:srgbClr val="FFFFFF"/>
+              </a:solidFill>
+              <a:uFill>
+                <a:solidFill>
+                  <a:srgbClr val="FFFFFF"/>
                 </a:solidFill>
               </a:uFill>
               <a:latin typeface="Arial"/>
@@ -650,15 +772,16 @@
           </a:prstGeom>
         </p:spPr>
         <p:txBody>
-          <a:bodyPr lIns="0" rIns="0" tIns="0" bIns="0" anchor="ctr"/>
-          <a:p>
-            <a:endParaRPr b="0" lang="en-US" sz="3200" spc="-1" strike="noStrike">
+          <a:bodyPr lIns="0" tIns="0" rIns="0" bIns="0" anchor="ctr"/>
+          <a:lstStyle/>
+          <a:p>
+            <a:endParaRPr lang="en-US" sz="3200" b="0" strike="noStrike" spc="-1">
               <a:solidFill>
                 <a:srgbClr val="000000"/>
               </a:solidFill>
               <a:uFill>
                 <a:solidFill>
-                  <a:srgbClr val="ffffff"/>
+                  <a:srgbClr val="FFFFFF"/>
                 </a:solidFill>
               </a:uFill>
               <a:latin typeface="Arial"/>
@@ -668,11 +791,14 @@
       </p:sp>
     </p:spTree>
   </p:cSld>
+  <p:clrMapOvr>
+    <a:masterClrMapping/>
+  </p:clrMapOvr>
 </p:sldLayout>
 </file>
 
 <file path=ppt/slideLayouts/slideLayout15.xml><?xml version="1.0" encoding="utf-8"?>
-<p:sldLayout xmlns:a="http://schemas.openxmlformats.org/drawingml/2006/main" xmlns:p="http://schemas.openxmlformats.org/presentationml/2006/main" xmlns:r="http://schemas.openxmlformats.org/officeDocument/2006/relationships" xmlns:p14="http://schemas.microsoft.com/office/powerpoint/2010/main" xmlns:p15="http://schemas.microsoft.com/office/powerpoint/2012/main" xmlns:mc="http://schemas.openxmlformats.org/markup-compatibility/2006" type="obj" preserve="1">
+<p:sldLayout xmlns:a="http://schemas.openxmlformats.org/drawingml/2006/main" xmlns:r="http://schemas.openxmlformats.org/officeDocument/2006/relationships" xmlns:p="http://schemas.openxmlformats.org/presentationml/2006/main" type="obj" preserve="1">
   <p:cSld name="Title, Content">
     <p:spTree>
       <p:nvGrpSpPr>
@@ -708,15 +834,16 @@
           </a:prstGeom>
         </p:spPr>
         <p:txBody>
-          <a:bodyPr lIns="0" rIns="0" tIns="0" bIns="0" anchor="ctr"/>
-          <a:p>
-            <a:endParaRPr b="0" lang="en-US" sz="8450" spc="-1" strike="noStrike">
-              <a:solidFill>
-                <a:srgbClr val="ffffff"/>
-              </a:solidFill>
-              <a:uFill>
-                <a:solidFill>
-                  <a:srgbClr val="ffffff"/>
+          <a:bodyPr lIns="0" tIns="0" rIns="0" bIns="0" anchor="ctr"/>
+          <a:lstStyle/>
+          <a:p>
+            <a:endParaRPr lang="en-US" sz="8450" b="0" strike="noStrike" spc="-1">
+              <a:solidFill>
+                <a:srgbClr val="FFFFFF"/>
+              </a:solidFill>
+              <a:uFill>
+                <a:solidFill>
+                  <a:srgbClr val="FFFFFF"/>
                 </a:solidFill>
               </a:uFill>
               <a:latin typeface="Arial"/>
@@ -744,15 +871,16 @@
           </a:prstGeom>
         </p:spPr>
         <p:txBody>
-          <a:bodyPr lIns="0" rIns="0" tIns="0" bIns="0"/>
-          <a:p>
-            <a:endParaRPr b="0" lang="en-US" sz="6160" spc="-1" strike="noStrike">
+          <a:bodyPr lIns="0" tIns="0" rIns="0" bIns="0"/>
+          <a:lstStyle/>
+          <a:p>
+            <a:endParaRPr lang="en-US" sz="6160" b="0" strike="noStrike" spc="-1">
               <a:solidFill>
                 <a:srgbClr val="000000"/>
               </a:solidFill>
               <a:uFill>
                 <a:solidFill>
-                  <a:srgbClr val="ffffff"/>
+                  <a:srgbClr val="FFFFFF"/>
                 </a:solidFill>
               </a:uFill>
               <a:latin typeface="Arial"/>
@@ -762,11 +890,14 @@
       </p:sp>
     </p:spTree>
   </p:cSld>
+  <p:clrMapOvr>
+    <a:masterClrMapping/>
+  </p:clrMapOvr>
 </p:sldLayout>
 </file>
 
 <file path=ppt/slideLayouts/slideLayout16.xml><?xml version="1.0" encoding="utf-8"?>
-<p:sldLayout xmlns:a="http://schemas.openxmlformats.org/drawingml/2006/main" xmlns:p="http://schemas.openxmlformats.org/presentationml/2006/main" xmlns:r="http://schemas.openxmlformats.org/officeDocument/2006/relationships" xmlns:p14="http://schemas.microsoft.com/office/powerpoint/2010/main" xmlns:p15="http://schemas.microsoft.com/office/powerpoint/2012/main" xmlns:mc="http://schemas.openxmlformats.org/markup-compatibility/2006" type="twoObj" preserve="1">
+<p:sldLayout xmlns:a="http://schemas.openxmlformats.org/drawingml/2006/main" xmlns:r="http://schemas.openxmlformats.org/officeDocument/2006/relationships" xmlns:p="http://schemas.openxmlformats.org/presentationml/2006/main" type="twoObj" preserve="1">
   <p:cSld name="Title, 2 Content">
     <p:spTree>
       <p:nvGrpSpPr>
@@ -802,15 +933,16 @@
           </a:prstGeom>
         </p:spPr>
         <p:txBody>
-          <a:bodyPr lIns="0" rIns="0" tIns="0" bIns="0" anchor="ctr"/>
-          <a:p>
-            <a:endParaRPr b="0" lang="en-US" sz="8450" spc="-1" strike="noStrike">
-              <a:solidFill>
-                <a:srgbClr val="ffffff"/>
-              </a:solidFill>
-              <a:uFill>
-                <a:solidFill>
-                  <a:srgbClr val="ffffff"/>
+          <a:bodyPr lIns="0" tIns="0" rIns="0" bIns="0" anchor="ctr"/>
+          <a:lstStyle/>
+          <a:p>
+            <a:endParaRPr lang="en-US" sz="8450" b="0" strike="noStrike" spc="-1">
+              <a:solidFill>
+                <a:srgbClr val="FFFFFF"/>
+              </a:solidFill>
+              <a:uFill>
+                <a:solidFill>
+                  <a:srgbClr val="FFFFFF"/>
                 </a:solidFill>
               </a:uFill>
               <a:latin typeface="Arial"/>
@@ -838,15 +970,16 @@
           </a:prstGeom>
         </p:spPr>
         <p:txBody>
-          <a:bodyPr lIns="0" rIns="0" tIns="0" bIns="0"/>
-          <a:p>
-            <a:endParaRPr b="0" lang="en-US" sz="6160" spc="-1" strike="noStrike">
+          <a:bodyPr lIns="0" tIns="0" rIns="0" bIns="0"/>
+          <a:lstStyle/>
+          <a:p>
+            <a:endParaRPr lang="en-US" sz="6160" b="0" strike="noStrike" spc="-1">
               <a:solidFill>
                 <a:srgbClr val="000000"/>
               </a:solidFill>
               <a:uFill>
                 <a:solidFill>
-                  <a:srgbClr val="ffffff"/>
+                  <a:srgbClr val="FFFFFF"/>
                 </a:solidFill>
               </a:uFill>
               <a:latin typeface="Arial"/>
@@ -874,15 +1007,16 @@
           </a:prstGeom>
         </p:spPr>
         <p:txBody>
-          <a:bodyPr lIns="0" rIns="0" tIns="0" bIns="0"/>
-          <a:p>
-            <a:endParaRPr b="0" lang="en-US" sz="6160" spc="-1" strike="noStrike">
+          <a:bodyPr lIns="0" tIns="0" rIns="0" bIns="0"/>
+          <a:lstStyle/>
+          <a:p>
+            <a:endParaRPr lang="en-US" sz="6160" b="0" strike="noStrike" spc="-1">
               <a:solidFill>
                 <a:srgbClr val="000000"/>
               </a:solidFill>
               <a:uFill>
                 <a:solidFill>
-                  <a:srgbClr val="ffffff"/>
+                  <a:srgbClr val="FFFFFF"/>
                 </a:solidFill>
               </a:uFill>
               <a:latin typeface="Arial"/>
@@ -892,11 +1026,14 @@
       </p:sp>
     </p:spTree>
   </p:cSld>
+  <p:clrMapOvr>
+    <a:masterClrMapping/>
+  </p:clrMapOvr>
 </p:sldLayout>
 </file>
 
 <file path=ppt/slideLayouts/slideLayout17.xml><?xml version="1.0" encoding="utf-8"?>
-<p:sldLayout xmlns:a="http://schemas.openxmlformats.org/drawingml/2006/main" xmlns:p="http://schemas.openxmlformats.org/presentationml/2006/main" xmlns:r="http://schemas.openxmlformats.org/officeDocument/2006/relationships" xmlns:p14="http://schemas.microsoft.com/office/powerpoint/2010/main" xmlns:p15="http://schemas.microsoft.com/office/powerpoint/2012/main" xmlns:mc="http://schemas.openxmlformats.org/markup-compatibility/2006" type="titleOnly" preserve="1">
+<p:sldLayout xmlns:a="http://schemas.openxmlformats.org/drawingml/2006/main" xmlns:r="http://schemas.openxmlformats.org/officeDocument/2006/relationships" xmlns:p="http://schemas.openxmlformats.org/presentationml/2006/main" type="titleOnly" preserve="1">
   <p:cSld name="Title Only">
     <p:spTree>
       <p:nvGrpSpPr>
@@ -932,15 +1069,16 @@
           </a:prstGeom>
         </p:spPr>
         <p:txBody>
-          <a:bodyPr lIns="0" rIns="0" tIns="0" bIns="0" anchor="ctr"/>
-          <a:p>
-            <a:endParaRPr b="0" lang="en-US" sz="8450" spc="-1" strike="noStrike">
-              <a:solidFill>
-                <a:srgbClr val="ffffff"/>
-              </a:solidFill>
-              <a:uFill>
-                <a:solidFill>
-                  <a:srgbClr val="ffffff"/>
+          <a:bodyPr lIns="0" tIns="0" rIns="0" bIns="0" anchor="ctr"/>
+          <a:lstStyle/>
+          <a:p>
+            <a:endParaRPr lang="en-US" sz="8450" b="0" strike="noStrike" spc="-1">
+              <a:solidFill>
+                <a:srgbClr val="FFFFFF"/>
+              </a:solidFill>
+              <a:uFill>
+                <a:solidFill>
+                  <a:srgbClr val="FFFFFF"/>
                 </a:solidFill>
               </a:uFill>
               <a:latin typeface="Arial"/>
@@ -950,11 +1088,14 @@
       </p:sp>
     </p:spTree>
   </p:cSld>
+  <p:clrMapOvr>
+    <a:masterClrMapping/>
+  </p:clrMapOvr>
 </p:sldLayout>
 </file>
 
 <file path=ppt/slideLayouts/slideLayout18.xml><?xml version="1.0" encoding="utf-8"?>
-<p:sldLayout xmlns:a="http://schemas.openxmlformats.org/drawingml/2006/main" xmlns:p="http://schemas.openxmlformats.org/presentationml/2006/main" xmlns:r="http://schemas.openxmlformats.org/officeDocument/2006/relationships" xmlns:p14="http://schemas.microsoft.com/office/powerpoint/2010/main" xmlns:p15="http://schemas.microsoft.com/office/powerpoint/2012/main" xmlns:mc="http://schemas.openxmlformats.org/markup-compatibility/2006" type="objOnly" preserve="1">
+<p:sldLayout xmlns:a="http://schemas.openxmlformats.org/drawingml/2006/main" xmlns:r="http://schemas.openxmlformats.org/officeDocument/2006/relationships" xmlns:p="http://schemas.openxmlformats.org/presentationml/2006/main" type="objOnly" preserve="1">
   <p:cSld name="Centered Text">
     <p:spTree>
       <p:nvGrpSpPr>
@@ -990,15 +1131,16 @@
           </a:prstGeom>
         </p:spPr>
         <p:txBody>
-          <a:bodyPr lIns="0" rIns="0" tIns="0" bIns="0" anchor="ctr"/>
-          <a:p>
-            <a:endParaRPr b="0" lang="en-US" sz="3200" spc="-1" strike="noStrike">
+          <a:bodyPr lIns="0" tIns="0" rIns="0" bIns="0" anchor="ctr"/>
+          <a:lstStyle/>
+          <a:p>
+            <a:endParaRPr lang="en-US" sz="3200" b="0" strike="noStrike" spc="-1">
               <a:solidFill>
                 <a:srgbClr val="000000"/>
               </a:solidFill>
               <a:uFill>
                 <a:solidFill>
-                  <a:srgbClr val="ffffff"/>
+                  <a:srgbClr val="FFFFFF"/>
                 </a:solidFill>
               </a:uFill>
               <a:latin typeface="Arial"/>
@@ -1008,11 +1150,14 @@
       </p:sp>
     </p:spTree>
   </p:cSld>
+  <p:clrMapOvr>
+    <a:masterClrMapping/>
+  </p:clrMapOvr>
 </p:sldLayout>
 </file>
 
 <file path=ppt/slideLayouts/slideLayout19.xml><?xml version="1.0" encoding="utf-8"?>
-<p:sldLayout xmlns:a="http://schemas.openxmlformats.org/drawingml/2006/main" xmlns:p="http://schemas.openxmlformats.org/presentationml/2006/main" xmlns:r="http://schemas.openxmlformats.org/officeDocument/2006/relationships" xmlns:p14="http://schemas.microsoft.com/office/powerpoint/2010/main" xmlns:p15="http://schemas.microsoft.com/office/powerpoint/2012/main" xmlns:mc="http://schemas.openxmlformats.org/markup-compatibility/2006" type="twoObjAndObj" preserve="1">
+<p:sldLayout xmlns:a="http://schemas.openxmlformats.org/drawingml/2006/main" xmlns:r="http://schemas.openxmlformats.org/officeDocument/2006/relationships" xmlns:p="http://schemas.openxmlformats.org/presentationml/2006/main" type="twoObjAndObj" preserve="1">
   <p:cSld name="Title, 2 Content and Content">
     <p:spTree>
       <p:nvGrpSpPr>
@@ -1048,15 +1193,16 @@
           </a:prstGeom>
         </p:spPr>
         <p:txBody>
-          <a:bodyPr lIns="0" rIns="0" tIns="0" bIns="0" anchor="ctr"/>
-          <a:p>
-            <a:endParaRPr b="0" lang="en-US" sz="8450" spc="-1" strike="noStrike">
-              <a:solidFill>
-                <a:srgbClr val="ffffff"/>
-              </a:solidFill>
-              <a:uFill>
-                <a:solidFill>
-                  <a:srgbClr val="ffffff"/>
+          <a:bodyPr lIns="0" tIns="0" rIns="0" bIns="0" anchor="ctr"/>
+          <a:lstStyle/>
+          <a:p>
+            <a:endParaRPr lang="en-US" sz="8450" b="0" strike="noStrike" spc="-1">
+              <a:solidFill>
+                <a:srgbClr val="FFFFFF"/>
+              </a:solidFill>
+              <a:uFill>
+                <a:solidFill>
+                  <a:srgbClr val="FFFFFF"/>
                 </a:solidFill>
               </a:uFill>
               <a:latin typeface="Arial"/>
@@ -1084,15 +1230,16 @@
           </a:prstGeom>
         </p:spPr>
         <p:txBody>
-          <a:bodyPr lIns="0" rIns="0" tIns="0" bIns="0"/>
-          <a:p>
-            <a:endParaRPr b="0" lang="en-US" sz="6160" spc="-1" strike="noStrike">
+          <a:bodyPr lIns="0" tIns="0" rIns="0" bIns="0"/>
+          <a:lstStyle/>
+          <a:p>
+            <a:endParaRPr lang="en-US" sz="6160" b="0" strike="noStrike" spc="-1">
               <a:solidFill>
                 <a:srgbClr val="000000"/>
               </a:solidFill>
               <a:uFill>
                 <a:solidFill>
-                  <a:srgbClr val="ffffff"/>
+                  <a:srgbClr val="FFFFFF"/>
                 </a:solidFill>
               </a:uFill>
               <a:latin typeface="Arial"/>
@@ -1120,15 +1267,16 @@
           </a:prstGeom>
         </p:spPr>
         <p:txBody>
-          <a:bodyPr lIns="0" rIns="0" tIns="0" bIns="0"/>
-          <a:p>
-            <a:endParaRPr b="0" lang="en-US" sz="6160" spc="-1" strike="noStrike">
+          <a:bodyPr lIns="0" tIns="0" rIns="0" bIns="0"/>
+          <a:lstStyle/>
+          <a:p>
+            <a:endParaRPr lang="en-US" sz="6160" b="0" strike="noStrike" spc="-1">
               <a:solidFill>
                 <a:srgbClr val="000000"/>
               </a:solidFill>
               <a:uFill>
                 <a:solidFill>
-                  <a:srgbClr val="ffffff"/>
+                  <a:srgbClr val="FFFFFF"/>
                 </a:solidFill>
               </a:uFill>
               <a:latin typeface="Arial"/>
@@ -1156,15 +1304,16 @@
           </a:prstGeom>
         </p:spPr>
         <p:txBody>
-          <a:bodyPr lIns="0" rIns="0" tIns="0" bIns="0"/>
-          <a:p>
-            <a:endParaRPr b="0" lang="en-US" sz="6160" spc="-1" strike="noStrike">
+          <a:bodyPr lIns="0" tIns="0" rIns="0" bIns="0"/>
+          <a:lstStyle/>
+          <a:p>
+            <a:endParaRPr lang="en-US" sz="6160" b="0" strike="noStrike" spc="-1">
               <a:solidFill>
                 <a:srgbClr val="000000"/>
               </a:solidFill>
               <a:uFill>
                 <a:solidFill>
-                  <a:srgbClr val="ffffff"/>
+                  <a:srgbClr val="FFFFFF"/>
                 </a:solidFill>
               </a:uFill>
               <a:latin typeface="Arial"/>
@@ -1174,11 +1323,14 @@
       </p:sp>
     </p:spTree>
   </p:cSld>
+  <p:clrMapOvr>
+    <a:masterClrMapping/>
+  </p:clrMapOvr>
 </p:sldLayout>
 </file>
 
 <file path=ppt/slideLayouts/slideLayout2.xml><?xml version="1.0" encoding="utf-8"?>
-<p:sldLayout xmlns:a="http://schemas.openxmlformats.org/drawingml/2006/main" xmlns:p="http://schemas.openxmlformats.org/presentationml/2006/main" xmlns:r="http://schemas.openxmlformats.org/officeDocument/2006/relationships" xmlns:p14="http://schemas.microsoft.com/office/powerpoint/2010/main" xmlns:p15="http://schemas.microsoft.com/office/powerpoint/2012/main" xmlns:mc="http://schemas.openxmlformats.org/markup-compatibility/2006" type="tx" preserve="1">
+<p:sldLayout xmlns:a="http://schemas.openxmlformats.org/drawingml/2006/main" xmlns:r="http://schemas.openxmlformats.org/officeDocument/2006/relationships" xmlns:p="http://schemas.openxmlformats.org/presentationml/2006/main" type="tx" preserve="1">
   <p:cSld name="Title Slide">
     <p:spTree>
       <p:nvGrpSpPr>
@@ -1214,15 +1366,16 @@
           </a:prstGeom>
         </p:spPr>
         <p:txBody>
-          <a:bodyPr lIns="0" rIns="0" tIns="0" bIns="0" anchor="ctr"/>
-          <a:p>
-            <a:endParaRPr b="0" lang="en-US" sz="8450" spc="-1" strike="noStrike">
-              <a:solidFill>
-                <a:srgbClr val="ffffff"/>
-              </a:solidFill>
-              <a:uFill>
-                <a:solidFill>
-                  <a:srgbClr val="ffffff"/>
+          <a:bodyPr lIns="0" tIns="0" rIns="0" bIns="0" anchor="ctr"/>
+          <a:lstStyle/>
+          <a:p>
+            <a:endParaRPr lang="en-US" sz="8450" b="0" strike="noStrike" spc="-1">
+              <a:solidFill>
+                <a:srgbClr val="FFFFFF"/>
+              </a:solidFill>
+              <a:uFill>
+                <a:solidFill>
+                  <a:srgbClr val="FFFFFF"/>
                 </a:solidFill>
               </a:uFill>
               <a:latin typeface="Arial"/>
@@ -1250,15 +1403,16 @@
           </a:prstGeom>
         </p:spPr>
         <p:txBody>
-          <a:bodyPr lIns="0" rIns="0" tIns="0" bIns="0" anchor="ctr"/>
-          <a:p>
-            <a:endParaRPr b="0" lang="en-US" sz="3200" spc="-1" strike="noStrike">
+          <a:bodyPr lIns="0" tIns="0" rIns="0" bIns="0" anchor="ctr"/>
+          <a:lstStyle/>
+          <a:p>
+            <a:endParaRPr lang="en-US" sz="3200" b="0" strike="noStrike" spc="-1">
               <a:solidFill>
                 <a:srgbClr val="000000"/>
               </a:solidFill>
               <a:uFill>
                 <a:solidFill>
-                  <a:srgbClr val="ffffff"/>
+                  <a:srgbClr val="FFFFFF"/>
                 </a:solidFill>
               </a:uFill>
               <a:latin typeface="Arial"/>
@@ -1268,11 +1422,14 @@
       </p:sp>
     </p:spTree>
   </p:cSld>
+  <p:clrMapOvr>
+    <a:masterClrMapping/>
+  </p:clrMapOvr>
 </p:sldLayout>
 </file>
 
 <file path=ppt/slideLayouts/slideLayout20.xml><?xml version="1.0" encoding="utf-8"?>
-<p:sldLayout xmlns:a="http://schemas.openxmlformats.org/drawingml/2006/main" xmlns:p="http://schemas.openxmlformats.org/presentationml/2006/main" xmlns:r="http://schemas.openxmlformats.org/officeDocument/2006/relationships" xmlns:p14="http://schemas.microsoft.com/office/powerpoint/2010/main" xmlns:p15="http://schemas.microsoft.com/office/powerpoint/2012/main" xmlns:mc="http://schemas.openxmlformats.org/markup-compatibility/2006" type="objAndTwoObj" preserve="1">
+<p:sldLayout xmlns:a="http://schemas.openxmlformats.org/drawingml/2006/main" xmlns:r="http://schemas.openxmlformats.org/officeDocument/2006/relationships" xmlns:p="http://schemas.openxmlformats.org/presentationml/2006/main" type="objAndTwoObj" preserve="1">
   <p:cSld name="Title Content and 2 Content">
     <p:spTree>
       <p:nvGrpSpPr>
@@ -1308,15 +1465,16 @@
           </a:prstGeom>
         </p:spPr>
         <p:txBody>
-          <a:bodyPr lIns="0" rIns="0" tIns="0" bIns="0" anchor="ctr"/>
-          <a:p>
-            <a:endParaRPr b="0" lang="en-US" sz="8450" spc="-1" strike="noStrike">
-              <a:solidFill>
-                <a:srgbClr val="ffffff"/>
-              </a:solidFill>
-              <a:uFill>
-                <a:solidFill>
-                  <a:srgbClr val="ffffff"/>
+          <a:bodyPr lIns="0" tIns="0" rIns="0" bIns="0" anchor="ctr"/>
+          <a:lstStyle/>
+          <a:p>
+            <a:endParaRPr lang="en-US" sz="8450" b="0" strike="noStrike" spc="-1">
+              <a:solidFill>
+                <a:srgbClr val="FFFFFF"/>
+              </a:solidFill>
+              <a:uFill>
+                <a:solidFill>
+                  <a:srgbClr val="FFFFFF"/>
                 </a:solidFill>
               </a:uFill>
               <a:latin typeface="Arial"/>
@@ -1344,15 +1502,16 @@
           </a:prstGeom>
         </p:spPr>
         <p:txBody>
-          <a:bodyPr lIns="0" rIns="0" tIns="0" bIns="0"/>
-          <a:p>
-            <a:endParaRPr b="0" lang="en-US" sz="6160" spc="-1" strike="noStrike">
+          <a:bodyPr lIns="0" tIns="0" rIns="0" bIns="0"/>
+          <a:lstStyle/>
+          <a:p>
+            <a:endParaRPr lang="en-US" sz="6160" b="0" strike="noStrike" spc="-1">
               <a:solidFill>
                 <a:srgbClr val="000000"/>
               </a:solidFill>
               <a:uFill>
                 <a:solidFill>
-                  <a:srgbClr val="ffffff"/>
+                  <a:srgbClr val="FFFFFF"/>
                 </a:solidFill>
               </a:uFill>
               <a:latin typeface="Arial"/>
@@ -1380,15 +1539,16 @@
           </a:prstGeom>
         </p:spPr>
         <p:txBody>
-          <a:bodyPr lIns="0" rIns="0" tIns="0" bIns="0"/>
-          <a:p>
-            <a:endParaRPr b="0" lang="en-US" sz="6160" spc="-1" strike="noStrike">
+          <a:bodyPr lIns="0" tIns="0" rIns="0" bIns="0"/>
+          <a:lstStyle/>
+          <a:p>
+            <a:endParaRPr lang="en-US" sz="6160" b="0" strike="noStrike" spc="-1">
               <a:solidFill>
                 <a:srgbClr val="000000"/>
               </a:solidFill>
               <a:uFill>
                 <a:solidFill>
-                  <a:srgbClr val="ffffff"/>
+                  <a:srgbClr val="FFFFFF"/>
                 </a:solidFill>
               </a:uFill>
               <a:latin typeface="Arial"/>
@@ -1416,15 +1576,16 @@
           </a:prstGeom>
         </p:spPr>
         <p:txBody>
-          <a:bodyPr lIns="0" rIns="0" tIns="0" bIns="0"/>
-          <a:p>
-            <a:endParaRPr b="0" lang="en-US" sz="6160" spc="-1" strike="noStrike">
+          <a:bodyPr lIns="0" tIns="0" rIns="0" bIns="0"/>
+          <a:lstStyle/>
+          <a:p>
+            <a:endParaRPr lang="en-US" sz="6160" b="0" strike="noStrike" spc="-1">
               <a:solidFill>
                 <a:srgbClr val="000000"/>
               </a:solidFill>
               <a:uFill>
                 <a:solidFill>
-                  <a:srgbClr val="ffffff"/>
+                  <a:srgbClr val="FFFFFF"/>
                 </a:solidFill>
               </a:uFill>
               <a:latin typeface="Arial"/>
@@ -1434,11 +1595,14 @@
       </p:sp>
     </p:spTree>
   </p:cSld>
+  <p:clrMapOvr>
+    <a:masterClrMapping/>
+  </p:clrMapOvr>
 </p:sldLayout>
 </file>
 
 <file path=ppt/slideLayouts/slideLayout21.xml><?xml version="1.0" encoding="utf-8"?>
-<p:sldLayout xmlns:a="http://schemas.openxmlformats.org/drawingml/2006/main" xmlns:p="http://schemas.openxmlformats.org/presentationml/2006/main" xmlns:r="http://schemas.openxmlformats.org/officeDocument/2006/relationships" xmlns:p14="http://schemas.microsoft.com/office/powerpoint/2010/main" xmlns:p15="http://schemas.microsoft.com/office/powerpoint/2012/main" xmlns:mc="http://schemas.openxmlformats.org/markup-compatibility/2006" type="twoObjOverTx" preserve="1">
+<p:sldLayout xmlns:a="http://schemas.openxmlformats.org/drawingml/2006/main" xmlns:r="http://schemas.openxmlformats.org/officeDocument/2006/relationships" xmlns:p="http://schemas.openxmlformats.org/presentationml/2006/main" type="twoObjOverTx" preserve="1">
   <p:cSld name="Title, 2 Content over Content">
     <p:spTree>
       <p:nvGrpSpPr>
@@ -1474,15 +1638,16 @@
           </a:prstGeom>
         </p:spPr>
         <p:txBody>
-          <a:bodyPr lIns="0" rIns="0" tIns="0" bIns="0" anchor="ctr"/>
-          <a:p>
-            <a:endParaRPr b="0" lang="en-US" sz="8450" spc="-1" strike="noStrike">
-              <a:solidFill>
-                <a:srgbClr val="ffffff"/>
-              </a:solidFill>
-              <a:uFill>
-                <a:solidFill>
-                  <a:srgbClr val="ffffff"/>
+          <a:bodyPr lIns="0" tIns="0" rIns="0" bIns="0" anchor="ctr"/>
+          <a:lstStyle/>
+          <a:p>
+            <a:endParaRPr lang="en-US" sz="8450" b="0" strike="noStrike" spc="-1">
+              <a:solidFill>
+                <a:srgbClr val="FFFFFF"/>
+              </a:solidFill>
+              <a:uFill>
+                <a:solidFill>
+                  <a:srgbClr val="FFFFFF"/>
                 </a:solidFill>
               </a:uFill>
               <a:latin typeface="Arial"/>
@@ -1510,15 +1675,16 @@
           </a:prstGeom>
         </p:spPr>
         <p:txBody>
-          <a:bodyPr lIns="0" rIns="0" tIns="0" bIns="0"/>
-          <a:p>
-            <a:endParaRPr b="0" lang="en-US" sz="6160" spc="-1" strike="noStrike">
+          <a:bodyPr lIns="0" tIns="0" rIns="0" bIns="0"/>
+          <a:lstStyle/>
+          <a:p>
+            <a:endParaRPr lang="en-US" sz="6160" b="0" strike="noStrike" spc="-1">
               <a:solidFill>
                 <a:srgbClr val="000000"/>
               </a:solidFill>
               <a:uFill>
                 <a:solidFill>
-                  <a:srgbClr val="ffffff"/>
+                  <a:srgbClr val="FFFFFF"/>
                 </a:solidFill>
               </a:uFill>
               <a:latin typeface="Arial"/>
@@ -1546,15 +1712,16 @@
           </a:prstGeom>
         </p:spPr>
         <p:txBody>
-          <a:bodyPr lIns="0" rIns="0" tIns="0" bIns="0"/>
-          <a:p>
-            <a:endParaRPr b="0" lang="en-US" sz="6160" spc="-1" strike="noStrike">
+          <a:bodyPr lIns="0" tIns="0" rIns="0" bIns="0"/>
+          <a:lstStyle/>
+          <a:p>
+            <a:endParaRPr lang="en-US" sz="6160" b="0" strike="noStrike" spc="-1">
               <a:solidFill>
                 <a:srgbClr val="000000"/>
               </a:solidFill>
               <a:uFill>
                 <a:solidFill>
-                  <a:srgbClr val="ffffff"/>
+                  <a:srgbClr val="FFFFFF"/>
                 </a:solidFill>
               </a:uFill>
               <a:latin typeface="Arial"/>
@@ -1582,15 +1749,16 @@
           </a:prstGeom>
         </p:spPr>
         <p:txBody>
-          <a:bodyPr lIns="0" rIns="0" tIns="0" bIns="0"/>
-          <a:p>
-            <a:endParaRPr b="0" lang="en-US" sz="6160" spc="-1" strike="noStrike">
+          <a:bodyPr lIns="0" tIns="0" rIns="0" bIns="0"/>
+          <a:lstStyle/>
+          <a:p>
+            <a:endParaRPr lang="en-US" sz="6160" b="0" strike="noStrike" spc="-1">
               <a:solidFill>
                 <a:srgbClr val="000000"/>
               </a:solidFill>
               <a:uFill>
                 <a:solidFill>
-                  <a:srgbClr val="ffffff"/>
+                  <a:srgbClr val="FFFFFF"/>
                 </a:solidFill>
               </a:uFill>
               <a:latin typeface="Arial"/>
@@ -1600,11 +1768,14 @@
       </p:sp>
     </p:spTree>
   </p:cSld>
+  <p:clrMapOvr>
+    <a:masterClrMapping/>
+  </p:clrMapOvr>
 </p:sldLayout>
 </file>
 
 <file path=ppt/slideLayouts/slideLayout22.xml><?xml version="1.0" encoding="utf-8"?>
-<p:sldLayout xmlns:a="http://schemas.openxmlformats.org/drawingml/2006/main" xmlns:p="http://schemas.openxmlformats.org/presentationml/2006/main" xmlns:r="http://schemas.openxmlformats.org/officeDocument/2006/relationships" xmlns:p14="http://schemas.microsoft.com/office/powerpoint/2010/main" xmlns:p15="http://schemas.microsoft.com/office/powerpoint/2012/main" xmlns:mc="http://schemas.openxmlformats.org/markup-compatibility/2006" type="objOverTx" preserve="1">
+<p:sldLayout xmlns:a="http://schemas.openxmlformats.org/drawingml/2006/main" xmlns:r="http://schemas.openxmlformats.org/officeDocument/2006/relationships" xmlns:p="http://schemas.openxmlformats.org/presentationml/2006/main" type="objOverTx" preserve="1">
   <p:cSld name="Title, Content over Content">
     <p:spTree>
       <p:nvGrpSpPr>
@@ -1640,15 +1811,16 @@
           </a:prstGeom>
         </p:spPr>
         <p:txBody>
-          <a:bodyPr lIns="0" rIns="0" tIns="0" bIns="0" anchor="ctr"/>
-          <a:p>
-            <a:endParaRPr b="0" lang="en-US" sz="8450" spc="-1" strike="noStrike">
-              <a:solidFill>
-                <a:srgbClr val="ffffff"/>
-              </a:solidFill>
-              <a:uFill>
-                <a:solidFill>
-                  <a:srgbClr val="ffffff"/>
+          <a:bodyPr lIns="0" tIns="0" rIns="0" bIns="0" anchor="ctr"/>
+          <a:lstStyle/>
+          <a:p>
+            <a:endParaRPr lang="en-US" sz="8450" b="0" strike="noStrike" spc="-1">
+              <a:solidFill>
+                <a:srgbClr val="FFFFFF"/>
+              </a:solidFill>
+              <a:uFill>
+                <a:solidFill>
+                  <a:srgbClr val="FFFFFF"/>
                 </a:solidFill>
               </a:uFill>
               <a:latin typeface="Arial"/>
@@ -1676,15 +1848,16 @@
           </a:prstGeom>
         </p:spPr>
         <p:txBody>
-          <a:bodyPr lIns="0" rIns="0" tIns="0" bIns="0"/>
-          <a:p>
-            <a:endParaRPr b="0" lang="en-US" sz="6160" spc="-1" strike="noStrike">
+          <a:bodyPr lIns="0" tIns="0" rIns="0" bIns="0"/>
+          <a:lstStyle/>
+          <a:p>
+            <a:endParaRPr lang="en-US" sz="6160" b="0" strike="noStrike" spc="-1">
               <a:solidFill>
                 <a:srgbClr val="000000"/>
               </a:solidFill>
               <a:uFill>
                 <a:solidFill>
-                  <a:srgbClr val="ffffff"/>
+                  <a:srgbClr val="FFFFFF"/>
                 </a:solidFill>
               </a:uFill>
               <a:latin typeface="Arial"/>
@@ -1712,15 +1885,16 @@
           </a:prstGeom>
         </p:spPr>
         <p:txBody>
-          <a:bodyPr lIns="0" rIns="0" tIns="0" bIns="0"/>
-          <a:p>
-            <a:endParaRPr b="0" lang="en-US" sz="6160" spc="-1" strike="noStrike">
+          <a:bodyPr lIns="0" tIns="0" rIns="0" bIns="0"/>
+          <a:lstStyle/>
+          <a:p>
+            <a:endParaRPr lang="en-US" sz="6160" b="0" strike="noStrike" spc="-1">
               <a:solidFill>
                 <a:srgbClr val="000000"/>
               </a:solidFill>
               <a:uFill>
                 <a:solidFill>
-                  <a:srgbClr val="ffffff"/>
+                  <a:srgbClr val="FFFFFF"/>
                 </a:solidFill>
               </a:uFill>
               <a:latin typeface="Arial"/>
@@ -1730,11 +1904,14 @@
       </p:sp>
     </p:spTree>
   </p:cSld>
+  <p:clrMapOvr>
+    <a:masterClrMapping/>
+  </p:clrMapOvr>
 </p:sldLayout>
 </file>
 
 <file path=ppt/slideLayouts/slideLayout23.xml><?xml version="1.0" encoding="utf-8"?>
-<p:sldLayout xmlns:a="http://schemas.openxmlformats.org/drawingml/2006/main" xmlns:p="http://schemas.openxmlformats.org/presentationml/2006/main" xmlns:r="http://schemas.openxmlformats.org/officeDocument/2006/relationships" xmlns:p14="http://schemas.microsoft.com/office/powerpoint/2010/main" xmlns:p15="http://schemas.microsoft.com/office/powerpoint/2012/main" xmlns:mc="http://schemas.openxmlformats.org/markup-compatibility/2006" type="fourObj" preserve="1">
+<p:sldLayout xmlns:a="http://schemas.openxmlformats.org/drawingml/2006/main" xmlns:r="http://schemas.openxmlformats.org/officeDocument/2006/relationships" xmlns:p="http://schemas.openxmlformats.org/presentationml/2006/main" type="fourObj" preserve="1">
   <p:cSld name="Title, 4 Content">
     <p:spTree>
       <p:nvGrpSpPr>
@@ -1770,15 +1947,16 @@
           </a:prstGeom>
         </p:spPr>
         <p:txBody>
-          <a:bodyPr lIns="0" rIns="0" tIns="0" bIns="0" anchor="ctr"/>
-          <a:p>
-            <a:endParaRPr b="0" lang="en-US" sz="8450" spc="-1" strike="noStrike">
-              <a:solidFill>
-                <a:srgbClr val="ffffff"/>
-              </a:solidFill>
-              <a:uFill>
-                <a:solidFill>
-                  <a:srgbClr val="ffffff"/>
+          <a:bodyPr lIns="0" tIns="0" rIns="0" bIns="0" anchor="ctr"/>
+          <a:lstStyle/>
+          <a:p>
+            <a:endParaRPr lang="en-US" sz="8450" b="0" strike="noStrike" spc="-1">
+              <a:solidFill>
+                <a:srgbClr val="FFFFFF"/>
+              </a:solidFill>
+              <a:uFill>
+                <a:solidFill>
+                  <a:srgbClr val="FFFFFF"/>
                 </a:solidFill>
               </a:uFill>
               <a:latin typeface="Arial"/>
@@ -1806,15 +1984,16 @@
           </a:prstGeom>
         </p:spPr>
         <p:txBody>
-          <a:bodyPr lIns="0" rIns="0" tIns="0" bIns="0"/>
-          <a:p>
-            <a:endParaRPr b="0" lang="en-US" sz="6160" spc="-1" strike="noStrike">
+          <a:bodyPr lIns="0" tIns="0" rIns="0" bIns="0"/>
+          <a:lstStyle/>
+          <a:p>
+            <a:endParaRPr lang="en-US" sz="6160" b="0" strike="noStrike" spc="-1">
               <a:solidFill>
                 <a:srgbClr val="000000"/>
               </a:solidFill>
               <a:uFill>
                 <a:solidFill>
-                  <a:srgbClr val="ffffff"/>
+                  <a:srgbClr val="FFFFFF"/>
                 </a:solidFill>
               </a:uFill>
               <a:latin typeface="Arial"/>
@@ -1842,15 +2021,16 @@
           </a:prstGeom>
         </p:spPr>
         <p:txBody>
-          <a:bodyPr lIns="0" rIns="0" tIns="0" bIns="0"/>
-          <a:p>
-            <a:endParaRPr b="0" lang="en-US" sz="6160" spc="-1" strike="noStrike">
+          <a:bodyPr lIns="0" tIns="0" rIns="0" bIns="0"/>
+          <a:lstStyle/>
+          <a:p>
+            <a:endParaRPr lang="en-US" sz="6160" b="0" strike="noStrike" spc="-1">
               <a:solidFill>
                 <a:srgbClr val="000000"/>
               </a:solidFill>
               <a:uFill>
                 <a:solidFill>
-                  <a:srgbClr val="ffffff"/>
+                  <a:srgbClr val="FFFFFF"/>
                 </a:solidFill>
               </a:uFill>
               <a:latin typeface="Arial"/>
@@ -1878,15 +2058,16 @@
           </a:prstGeom>
         </p:spPr>
         <p:txBody>
-          <a:bodyPr lIns="0" rIns="0" tIns="0" bIns="0"/>
-          <a:p>
-            <a:endParaRPr b="0" lang="en-US" sz="6160" spc="-1" strike="noStrike">
+          <a:bodyPr lIns="0" tIns="0" rIns="0" bIns="0"/>
+          <a:lstStyle/>
+          <a:p>
+            <a:endParaRPr lang="en-US" sz="6160" b="0" strike="noStrike" spc="-1">
               <a:solidFill>
                 <a:srgbClr val="000000"/>
               </a:solidFill>
               <a:uFill>
                 <a:solidFill>
-                  <a:srgbClr val="ffffff"/>
+                  <a:srgbClr val="FFFFFF"/>
                 </a:solidFill>
               </a:uFill>
               <a:latin typeface="Arial"/>
@@ -1914,15 +2095,16 @@
           </a:prstGeom>
         </p:spPr>
         <p:txBody>
-          <a:bodyPr lIns="0" rIns="0" tIns="0" bIns="0"/>
-          <a:p>
-            <a:endParaRPr b="0" lang="en-US" sz="6160" spc="-1" strike="noStrike">
+          <a:bodyPr lIns="0" tIns="0" rIns="0" bIns="0"/>
+          <a:lstStyle/>
+          <a:p>
+            <a:endParaRPr lang="en-US" sz="6160" b="0" strike="noStrike" spc="-1">
               <a:solidFill>
                 <a:srgbClr val="000000"/>
               </a:solidFill>
               <a:uFill>
                 <a:solidFill>
-                  <a:srgbClr val="ffffff"/>
+                  <a:srgbClr val="FFFFFF"/>
                 </a:solidFill>
               </a:uFill>
               <a:latin typeface="Arial"/>
@@ -1932,11 +2114,14 @@
       </p:sp>
     </p:spTree>
   </p:cSld>
+  <p:clrMapOvr>
+    <a:masterClrMapping/>
+  </p:clrMapOvr>
 </p:sldLayout>
 </file>
 
 <file path=ppt/slideLayouts/slideLayout24.xml><?xml version="1.0" encoding="utf-8"?>
-<p:sldLayout xmlns:a="http://schemas.openxmlformats.org/drawingml/2006/main" xmlns:p="http://schemas.openxmlformats.org/presentationml/2006/main" xmlns:r="http://schemas.openxmlformats.org/officeDocument/2006/relationships" xmlns:p14="http://schemas.microsoft.com/office/powerpoint/2010/main" xmlns:p15="http://schemas.microsoft.com/office/powerpoint/2012/main" xmlns:mc="http://schemas.openxmlformats.org/markup-compatibility/2006" type="blank" preserve="1">
+<p:sldLayout xmlns:a="http://schemas.openxmlformats.org/drawingml/2006/main" xmlns:r="http://schemas.openxmlformats.org/officeDocument/2006/relationships" xmlns:p="http://schemas.openxmlformats.org/presentationml/2006/main" type="blank" preserve="1">
   <p:cSld name="Title, 6 Content">
     <p:spTree>
       <p:nvGrpSpPr>
@@ -1972,15 +2157,16 @@
           </a:prstGeom>
         </p:spPr>
         <p:txBody>
-          <a:bodyPr lIns="0" rIns="0" tIns="0" bIns="0" anchor="ctr"/>
-          <a:p>
-            <a:endParaRPr b="0" lang="en-US" sz="8450" spc="-1" strike="noStrike">
-              <a:solidFill>
-                <a:srgbClr val="ffffff"/>
-              </a:solidFill>
-              <a:uFill>
-                <a:solidFill>
-                  <a:srgbClr val="ffffff"/>
+          <a:bodyPr lIns="0" tIns="0" rIns="0" bIns="0" anchor="ctr"/>
+          <a:lstStyle/>
+          <a:p>
+            <a:endParaRPr lang="en-US" sz="8450" b="0" strike="noStrike" spc="-1">
+              <a:solidFill>
+                <a:srgbClr val="FFFFFF"/>
+              </a:solidFill>
+              <a:uFill>
+                <a:solidFill>
+                  <a:srgbClr val="FFFFFF"/>
                 </a:solidFill>
               </a:uFill>
               <a:latin typeface="Arial"/>
@@ -2008,15 +2194,16 @@
           </a:prstGeom>
         </p:spPr>
         <p:txBody>
-          <a:bodyPr lIns="0" rIns="0" tIns="0" bIns="0"/>
-          <a:p>
-            <a:endParaRPr b="0" lang="en-US" sz="6160" spc="-1" strike="noStrike">
+          <a:bodyPr lIns="0" tIns="0" rIns="0" bIns="0"/>
+          <a:lstStyle/>
+          <a:p>
+            <a:endParaRPr lang="en-US" sz="6160" b="0" strike="noStrike" spc="-1">
               <a:solidFill>
                 <a:srgbClr val="000000"/>
               </a:solidFill>
               <a:uFill>
                 <a:solidFill>
-                  <a:srgbClr val="ffffff"/>
+                  <a:srgbClr val="FFFFFF"/>
                 </a:solidFill>
               </a:uFill>
               <a:latin typeface="Arial"/>
@@ -2044,15 +2231,16 @@
           </a:prstGeom>
         </p:spPr>
         <p:txBody>
-          <a:bodyPr lIns="0" rIns="0" tIns="0" bIns="0"/>
-          <a:p>
-            <a:endParaRPr b="0" lang="en-US" sz="6160" spc="-1" strike="noStrike">
+          <a:bodyPr lIns="0" tIns="0" rIns="0" bIns="0"/>
+          <a:lstStyle/>
+          <a:p>
+            <a:endParaRPr lang="en-US" sz="6160" b="0" strike="noStrike" spc="-1">
               <a:solidFill>
                 <a:srgbClr val="000000"/>
               </a:solidFill>
               <a:uFill>
                 <a:solidFill>
-                  <a:srgbClr val="ffffff"/>
+                  <a:srgbClr val="FFFFFF"/>
                 </a:solidFill>
               </a:uFill>
               <a:latin typeface="Arial"/>
@@ -2062,7 +2250,7 @@
       </p:sp>
       <p:pic>
         <p:nvPicPr>
-          <p:cNvPr id="77" name="" descr=""/>
+          <p:cNvPr id="77" name="圖片 76"/>
           <p:cNvPicPr/>
           <p:nvPr/>
         </p:nvPicPr>
@@ -2085,12 +2273,12 @@
       </p:pic>
       <p:pic>
         <p:nvPicPr>
-          <p:cNvPr id="78" name="" descr=""/>
+          <p:cNvPr id="78" name="圖片 77"/>
           <p:cNvPicPr/>
           <p:nvPr/>
         </p:nvPicPr>
         <p:blipFill>
-          <a:blip r:embed="rId3"/>
+          <a:blip r:embed="rId2"/>
           <a:stretch/>
         </p:blipFill>
         <p:spPr>
@@ -2108,11 +2296,14 @@
       </p:pic>
     </p:spTree>
   </p:cSld>
+  <p:clrMapOvr>
+    <a:masterClrMapping/>
+  </p:clrMapOvr>
 </p:sldLayout>
 </file>
 
 <file path=ppt/slideLayouts/slideLayout3.xml><?xml version="1.0" encoding="utf-8"?>
-<p:sldLayout xmlns:a="http://schemas.openxmlformats.org/drawingml/2006/main" xmlns:p="http://schemas.openxmlformats.org/presentationml/2006/main" xmlns:r="http://schemas.openxmlformats.org/officeDocument/2006/relationships" xmlns:p14="http://schemas.microsoft.com/office/powerpoint/2010/main" xmlns:p15="http://schemas.microsoft.com/office/powerpoint/2012/main" xmlns:mc="http://schemas.openxmlformats.org/markup-compatibility/2006" type="obj" preserve="1">
+<p:sldLayout xmlns:a="http://schemas.openxmlformats.org/drawingml/2006/main" xmlns:r="http://schemas.openxmlformats.org/officeDocument/2006/relationships" xmlns:p="http://schemas.openxmlformats.org/presentationml/2006/main" type="obj" preserve="1">
   <p:cSld name="Title, Content">
     <p:spTree>
       <p:nvGrpSpPr>
@@ -2148,15 +2339,16 @@
           </a:prstGeom>
         </p:spPr>
         <p:txBody>
-          <a:bodyPr lIns="0" rIns="0" tIns="0" bIns="0" anchor="ctr"/>
-          <a:p>
-            <a:endParaRPr b="0" lang="en-US" sz="8450" spc="-1" strike="noStrike">
-              <a:solidFill>
-                <a:srgbClr val="ffffff"/>
-              </a:solidFill>
-              <a:uFill>
-                <a:solidFill>
-                  <a:srgbClr val="ffffff"/>
+          <a:bodyPr lIns="0" tIns="0" rIns="0" bIns="0" anchor="ctr"/>
+          <a:lstStyle/>
+          <a:p>
+            <a:endParaRPr lang="en-US" sz="8450" b="0" strike="noStrike" spc="-1">
+              <a:solidFill>
+                <a:srgbClr val="FFFFFF"/>
+              </a:solidFill>
+              <a:uFill>
+                <a:solidFill>
+                  <a:srgbClr val="FFFFFF"/>
                 </a:solidFill>
               </a:uFill>
               <a:latin typeface="Arial"/>
@@ -2184,15 +2376,16 @@
           </a:prstGeom>
         </p:spPr>
         <p:txBody>
-          <a:bodyPr lIns="0" rIns="0" tIns="0" bIns="0"/>
-          <a:p>
-            <a:endParaRPr b="0" lang="en-US" sz="6160" spc="-1" strike="noStrike">
+          <a:bodyPr lIns="0" tIns="0" rIns="0" bIns="0"/>
+          <a:lstStyle/>
+          <a:p>
+            <a:endParaRPr lang="en-US" sz="6160" b="0" strike="noStrike" spc="-1">
               <a:solidFill>
                 <a:srgbClr val="000000"/>
               </a:solidFill>
               <a:uFill>
                 <a:solidFill>
-                  <a:srgbClr val="ffffff"/>
+                  <a:srgbClr val="FFFFFF"/>
                 </a:solidFill>
               </a:uFill>
               <a:latin typeface="Arial"/>
@@ -2202,11 +2395,14 @@
       </p:sp>
     </p:spTree>
   </p:cSld>
+  <p:clrMapOvr>
+    <a:masterClrMapping/>
+  </p:clrMapOvr>
 </p:sldLayout>
 </file>
 
 <file path=ppt/slideLayouts/slideLayout4.xml><?xml version="1.0" encoding="utf-8"?>
-<p:sldLayout xmlns:a="http://schemas.openxmlformats.org/drawingml/2006/main" xmlns:p="http://schemas.openxmlformats.org/presentationml/2006/main" xmlns:r="http://schemas.openxmlformats.org/officeDocument/2006/relationships" xmlns:p14="http://schemas.microsoft.com/office/powerpoint/2010/main" xmlns:p15="http://schemas.microsoft.com/office/powerpoint/2012/main" xmlns:mc="http://schemas.openxmlformats.org/markup-compatibility/2006" type="twoObj" preserve="1">
+<p:sldLayout xmlns:a="http://schemas.openxmlformats.org/drawingml/2006/main" xmlns:r="http://schemas.openxmlformats.org/officeDocument/2006/relationships" xmlns:p="http://schemas.openxmlformats.org/presentationml/2006/main" type="twoObj" preserve="1">
   <p:cSld name="Title, 2 Content">
     <p:spTree>
       <p:nvGrpSpPr>
@@ -2242,15 +2438,16 @@
           </a:prstGeom>
         </p:spPr>
         <p:txBody>
-          <a:bodyPr lIns="0" rIns="0" tIns="0" bIns="0" anchor="ctr"/>
-          <a:p>
-            <a:endParaRPr b="0" lang="en-US" sz="8450" spc="-1" strike="noStrike">
-              <a:solidFill>
-                <a:srgbClr val="ffffff"/>
-              </a:solidFill>
-              <a:uFill>
-                <a:solidFill>
-                  <a:srgbClr val="ffffff"/>
+          <a:bodyPr lIns="0" tIns="0" rIns="0" bIns="0" anchor="ctr"/>
+          <a:lstStyle/>
+          <a:p>
+            <a:endParaRPr lang="en-US" sz="8450" b="0" strike="noStrike" spc="-1">
+              <a:solidFill>
+                <a:srgbClr val="FFFFFF"/>
+              </a:solidFill>
+              <a:uFill>
+                <a:solidFill>
+                  <a:srgbClr val="FFFFFF"/>
                 </a:solidFill>
               </a:uFill>
               <a:latin typeface="Arial"/>
@@ -2278,15 +2475,16 @@
           </a:prstGeom>
         </p:spPr>
         <p:txBody>
-          <a:bodyPr lIns="0" rIns="0" tIns="0" bIns="0"/>
-          <a:p>
-            <a:endParaRPr b="0" lang="en-US" sz="6160" spc="-1" strike="noStrike">
+          <a:bodyPr lIns="0" tIns="0" rIns="0" bIns="0"/>
+          <a:lstStyle/>
+          <a:p>
+            <a:endParaRPr lang="en-US" sz="6160" b="0" strike="noStrike" spc="-1">
               <a:solidFill>
                 <a:srgbClr val="000000"/>
               </a:solidFill>
               <a:uFill>
                 <a:solidFill>
-                  <a:srgbClr val="ffffff"/>
+                  <a:srgbClr val="FFFFFF"/>
                 </a:solidFill>
               </a:uFill>
               <a:latin typeface="Arial"/>
@@ -2314,15 +2512,16 @@
           </a:prstGeom>
         </p:spPr>
         <p:txBody>
-          <a:bodyPr lIns="0" rIns="0" tIns="0" bIns="0"/>
-          <a:p>
-            <a:endParaRPr b="0" lang="en-US" sz="6160" spc="-1" strike="noStrike">
+          <a:bodyPr lIns="0" tIns="0" rIns="0" bIns="0"/>
+          <a:lstStyle/>
+          <a:p>
+            <a:endParaRPr lang="en-US" sz="6160" b="0" strike="noStrike" spc="-1">
               <a:solidFill>
                 <a:srgbClr val="000000"/>
               </a:solidFill>
               <a:uFill>
                 <a:solidFill>
-                  <a:srgbClr val="ffffff"/>
+                  <a:srgbClr val="FFFFFF"/>
                 </a:solidFill>
               </a:uFill>
               <a:latin typeface="Arial"/>
@@ -2332,11 +2531,14 @@
       </p:sp>
     </p:spTree>
   </p:cSld>
+  <p:clrMapOvr>
+    <a:masterClrMapping/>
+  </p:clrMapOvr>
 </p:sldLayout>
 </file>
 
 <file path=ppt/slideLayouts/slideLayout5.xml><?xml version="1.0" encoding="utf-8"?>
-<p:sldLayout xmlns:a="http://schemas.openxmlformats.org/drawingml/2006/main" xmlns:p="http://schemas.openxmlformats.org/presentationml/2006/main" xmlns:r="http://schemas.openxmlformats.org/officeDocument/2006/relationships" xmlns:p14="http://schemas.microsoft.com/office/powerpoint/2010/main" xmlns:p15="http://schemas.microsoft.com/office/powerpoint/2012/main" xmlns:mc="http://schemas.openxmlformats.org/markup-compatibility/2006" type="titleOnly" preserve="1">
+<p:sldLayout xmlns:a="http://schemas.openxmlformats.org/drawingml/2006/main" xmlns:r="http://schemas.openxmlformats.org/officeDocument/2006/relationships" xmlns:p="http://schemas.openxmlformats.org/presentationml/2006/main" type="titleOnly" preserve="1">
   <p:cSld name="Title Only">
     <p:spTree>
       <p:nvGrpSpPr>
@@ -2372,15 +2574,16 @@
           </a:prstGeom>
         </p:spPr>
         <p:txBody>
-          <a:bodyPr lIns="0" rIns="0" tIns="0" bIns="0" anchor="ctr"/>
-          <a:p>
-            <a:endParaRPr b="0" lang="en-US" sz="8450" spc="-1" strike="noStrike">
-              <a:solidFill>
-                <a:srgbClr val="ffffff"/>
-              </a:solidFill>
-              <a:uFill>
-                <a:solidFill>
-                  <a:srgbClr val="ffffff"/>
+          <a:bodyPr lIns="0" tIns="0" rIns="0" bIns="0" anchor="ctr"/>
+          <a:lstStyle/>
+          <a:p>
+            <a:endParaRPr lang="en-US" sz="8450" b="0" strike="noStrike" spc="-1">
+              <a:solidFill>
+                <a:srgbClr val="FFFFFF"/>
+              </a:solidFill>
+              <a:uFill>
+                <a:solidFill>
+                  <a:srgbClr val="FFFFFF"/>
                 </a:solidFill>
               </a:uFill>
               <a:latin typeface="Arial"/>
@@ -2390,11 +2593,14 @@
       </p:sp>
     </p:spTree>
   </p:cSld>
+  <p:clrMapOvr>
+    <a:masterClrMapping/>
+  </p:clrMapOvr>
 </p:sldLayout>
 </file>
 
 <file path=ppt/slideLayouts/slideLayout6.xml><?xml version="1.0" encoding="utf-8"?>
-<p:sldLayout xmlns:a="http://schemas.openxmlformats.org/drawingml/2006/main" xmlns:p="http://schemas.openxmlformats.org/presentationml/2006/main" xmlns:r="http://schemas.openxmlformats.org/officeDocument/2006/relationships" xmlns:p14="http://schemas.microsoft.com/office/powerpoint/2010/main" xmlns:p15="http://schemas.microsoft.com/office/powerpoint/2012/main" xmlns:mc="http://schemas.openxmlformats.org/markup-compatibility/2006" type="objOnly" preserve="1">
+<p:sldLayout xmlns:a="http://schemas.openxmlformats.org/drawingml/2006/main" xmlns:r="http://schemas.openxmlformats.org/officeDocument/2006/relationships" xmlns:p="http://schemas.openxmlformats.org/presentationml/2006/main" type="objOnly" preserve="1">
   <p:cSld name="Centered Text">
     <p:spTree>
       <p:nvGrpSpPr>
@@ -2430,15 +2636,16 @@
           </a:prstGeom>
         </p:spPr>
         <p:txBody>
-          <a:bodyPr lIns="0" rIns="0" tIns="0" bIns="0" anchor="ctr"/>
-          <a:p>
-            <a:endParaRPr b="0" lang="en-US" sz="3200" spc="-1" strike="noStrike">
+          <a:bodyPr lIns="0" tIns="0" rIns="0" bIns="0" anchor="ctr"/>
+          <a:lstStyle/>
+          <a:p>
+            <a:endParaRPr lang="en-US" sz="3200" b="0" strike="noStrike" spc="-1">
               <a:solidFill>
                 <a:srgbClr val="000000"/>
               </a:solidFill>
               <a:uFill>
                 <a:solidFill>
-                  <a:srgbClr val="ffffff"/>
+                  <a:srgbClr val="FFFFFF"/>
                 </a:solidFill>
               </a:uFill>
               <a:latin typeface="Arial"/>
@@ -2448,11 +2655,14 @@
       </p:sp>
     </p:spTree>
   </p:cSld>
+  <p:clrMapOvr>
+    <a:masterClrMapping/>
+  </p:clrMapOvr>
 </p:sldLayout>
 </file>
 
 <file path=ppt/slideLayouts/slideLayout7.xml><?xml version="1.0" encoding="utf-8"?>
-<p:sldLayout xmlns:a="http://schemas.openxmlformats.org/drawingml/2006/main" xmlns:p="http://schemas.openxmlformats.org/presentationml/2006/main" xmlns:r="http://schemas.openxmlformats.org/officeDocument/2006/relationships" xmlns:p14="http://schemas.microsoft.com/office/powerpoint/2010/main" xmlns:p15="http://schemas.microsoft.com/office/powerpoint/2012/main" xmlns:mc="http://schemas.openxmlformats.org/markup-compatibility/2006" type="twoObjAndObj" preserve="1">
+<p:sldLayout xmlns:a="http://schemas.openxmlformats.org/drawingml/2006/main" xmlns:r="http://schemas.openxmlformats.org/officeDocument/2006/relationships" xmlns:p="http://schemas.openxmlformats.org/presentationml/2006/main" type="twoObjAndObj" preserve="1">
   <p:cSld name="Title, 2 Content and Content">
     <p:spTree>
       <p:nvGrpSpPr>
@@ -2488,15 +2698,16 @@
           </a:prstGeom>
         </p:spPr>
         <p:txBody>
-          <a:bodyPr lIns="0" rIns="0" tIns="0" bIns="0" anchor="ctr"/>
-          <a:p>
-            <a:endParaRPr b="0" lang="en-US" sz="8450" spc="-1" strike="noStrike">
-              <a:solidFill>
-                <a:srgbClr val="ffffff"/>
-              </a:solidFill>
-              <a:uFill>
-                <a:solidFill>
-                  <a:srgbClr val="ffffff"/>
+          <a:bodyPr lIns="0" tIns="0" rIns="0" bIns="0" anchor="ctr"/>
+          <a:lstStyle/>
+          <a:p>
+            <a:endParaRPr lang="en-US" sz="8450" b="0" strike="noStrike" spc="-1">
+              <a:solidFill>
+                <a:srgbClr val="FFFFFF"/>
+              </a:solidFill>
+              <a:uFill>
+                <a:solidFill>
+                  <a:srgbClr val="FFFFFF"/>
                 </a:solidFill>
               </a:uFill>
               <a:latin typeface="Arial"/>
@@ -2524,15 +2735,16 @@
           </a:prstGeom>
         </p:spPr>
         <p:txBody>
-          <a:bodyPr lIns="0" rIns="0" tIns="0" bIns="0"/>
-          <a:p>
-            <a:endParaRPr b="0" lang="en-US" sz="6160" spc="-1" strike="noStrike">
+          <a:bodyPr lIns="0" tIns="0" rIns="0" bIns="0"/>
+          <a:lstStyle/>
+          <a:p>
+            <a:endParaRPr lang="en-US" sz="6160" b="0" strike="noStrike" spc="-1">
               <a:solidFill>
                 <a:srgbClr val="000000"/>
               </a:solidFill>
               <a:uFill>
                 <a:solidFill>
-                  <a:srgbClr val="ffffff"/>
+                  <a:srgbClr val="FFFFFF"/>
                 </a:solidFill>
               </a:uFill>
               <a:latin typeface="Arial"/>
@@ -2560,15 +2772,16 @@
           </a:prstGeom>
         </p:spPr>
         <p:txBody>
-          <a:bodyPr lIns="0" rIns="0" tIns="0" bIns="0"/>
-          <a:p>
-            <a:endParaRPr b="0" lang="en-US" sz="6160" spc="-1" strike="noStrike">
+          <a:bodyPr lIns="0" tIns="0" rIns="0" bIns="0"/>
+          <a:lstStyle/>
+          <a:p>
+            <a:endParaRPr lang="en-US" sz="6160" b="0" strike="noStrike" spc="-1">
               <a:solidFill>
                 <a:srgbClr val="000000"/>
               </a:solidFill>
               <a:uFill>
                 <a:solidFill>
-                  <a:srgbClr val="ffffff"/>
+                  <a:srgbClr val="FFFFFF"/>
                 </a:solidFill>
               </a:uFill>
               <a:latin typeface="Arial"/>
@@ -2596,15 +2809,16 @@
           </a:prstGeom>
         </p:spPr>
         <p:txBody>
-          <a:bodyPr lIns="0" rIns="0" tIns="0" bIns="0"/>
-          <a:p>
-            <a:endParaRPr b="0" lang="en-US" sz="6160" spc="-1" strike="noStrike">
+          <a:bodyPr lIns="0" tIns="0" rIns="0" bIns="0"/>
+          <a:lstStyle/>
+          <a:p>
+            <a:endParaRPr lang="en-US" sz="6160" b="0" strike="noStrike" spc="-1">
               <a:solidFill>
                 <a:srgbClr val="000000"/>
               </a:solidFill>
               <a:uFill>
                 <a:solidFill>
-                  <a:srgbClr val="ffffff"/>
+                  <a:srgbClr val="FFFFFF"/>
                 </a:solidFill>
               </a:uFill>
               <a:latin typeface="Arial"/>
@@ -2614,11 +2828,14 @@
       </p:sp>
     </p:spTree>
   </p:cSld>
+  <p:clrMapOvr>
+    <a:masterClrMapping/>
+  </p:clrMapOvr>
 </p:sldLayout>
 </file>
 
 <file path=ppt/slideLayouts/slideLayout8.xml><?xml version="1.0" encoding="utf-8"?>
-<p:sldLayout xmlns:a="http://schemas.openxmlformats.org/drawingml/2006/main" xmlns:p="http://schemas.openxmlformats.org/presentationml/2006/main" xmlns:r="http://schemas.openxmlformats.org/officeDocument/2006/relationships" xmlns:p14="http://schemas.microsoft.com/office/powerpoint/2010/main" xmlns:p15="http://schemas.microsoft.com/office/powerpoint/2012/main" xmlns:mc="http://schemas.openxmlformats.org/markup-compatibility/2006" type="objAndTwoObj" preserve="1">
+<p:sldLayout xmlns:a="http://schemas.openxmlformats.org/drawingml/2006/main" xmlns:r="http://schemas.openxmlformats.org/officeDocument/2006/relationships" xmlns:p="http://schemas.openxmlformats.org/presentationml/2006/main" type="objAndTwoObj" preserve="1">
   <p:cSld name="Title Content and 2 Content">
     <p:spTree>
       <p:nvGrpSpPr>
@@ -2654,15 +2871,16 @@
           </a:prstGeom>
         </p:spPr>
         <p:txBody>
-          <a:bodyPr lIns="0" rIns="0" tIns="0" bIns="0" anchor="ctr"/>
-          <a:p>
-            <a:endParaRPr b="0" lang="en-US" sz="8450" spc="-1" strike="noStrike">
-              <a:solidFill>
-                <a:srgbClr val="ffffff"/>
-              </a:solidFill>
-              <a:uFill>
-                <a:solidFill>
-                  <a:srgbClr val="ffffff"/>
+          <a:bodyPr lIns="0" tIns="0" rIns="0" bIns="0" anchor="ctr"/>
+          <a:lstStyle/>
+          <a:p>
+            <a:endParaRPr lang="en-US" sz="8450" b="0" strike="noStrike" spc="-1">
+              <a:solidFill>
+                <a:srgbClr val="FFFFFF"/>
+              </a:solidFill>
+              <a:uFill>
+                <a:solidFill>
+                  <a:srgbClr val="FFFFFF"/>
                 </a:solidFill>
               </a:uFill>
               <a:latin typeface="Arial"/>
@@ -2690,15 +2908,16 @@
           </a:prstGeom>
         </p:spPr>
         <p:txBody>
-          <a:bodyPr lIns="0" rIns="0" tIns="0" bIns="0"/>
-          <a:p>
-            <a:endParaRPr b="0" lang="en-US" sz="6160" spc="-1" strike="noStrike">
+          <a:bodyPr lIns="0" tIns="0" rIns="0" bIns="0"/>
+          <a:lstStyle/>
+          <a:p>
+            <a:endParaRPr lang="en-US" sz="6160" b="0" strike="noStrike" spc="-1">
               <a:solidFill>
                 <a:srgbClr val="000000"/>
               </a:solidFill>
               <a:uFill>
                 <a:solidFill>
-                  <a:srgbClr val="ffffff"/>
+                  <a:srgbClr val="FFFFFF"/>
                 </a:solidFill>
               </a:uFill>
               <a:latin typeface="Arial"/>
@@ -2726,15 +2945,16 @@
           </a:prstGeom>
         </p:spPr>
         <p:txBody>
-          <a:bodyPr lIns="0" rIns="0" tIns="0" bIns="0"/>
-          <a:p>
-            <a:endParaRPr b="0" lang="en-US" sz="6160" spc="-1" strike="noStrike">
+          <a:bodyPr lIns="0" tIns="0" rIns="0" bIns="0"/>
+          <a:lstStyle/>
+          <a:p>
+            <a:endParaRPr lang="en-US" sz="6160" b="0" strike="noStrike" spc="-1">
               <a:solidFill>
                 <a:srgbClr val="000000"/>
               </a:solidFill>
               <a:uFill>
                 <a:solidFill>
-                  <a:srgbClr val="ffffff"/>
+                  <a:srgbClr val="FFFFFF"/>
                 </a:solidFill>
               </a:uFill>
               <a:latin typeface="Arial"/>
@@ -2762,15 +2982,16 @@
           </a:prstGeom>
         </p:spPr>
         <p:txBody>
-          <a:bodyPr lIns="0" rIns="0" tIns="0" bIns="0"/>
-          <a:p>
-            <a:endParaRPr b="0" lang="en-US" sz="6160" spc="-1" strike="noStrike">
+          <a:bodyPr lIns="0" tIns="0" rIns="0" bIns="0"/>
+          <a:lstStyle/>
+          <a:p>
+            <a:endParaRPr lang="en-US" sz="6160" b="0" strike="noStrike" spc="-1">
               <a:solidFill>
                 <a:srgbClr val="000000"/>
               </a:solidFill>
               <a:uFill>
                 <a:solidFill>
-                  <a:srgbClr val="ffffff"/>
+                  <a:srgbClr val="FFFFFF"/>
                 </a:solidFill>
               </a:uFill>
               <a:latin typeface="Arial"/>
@@ -2780,11 +3001,14 @@
       </p:sp>
     </p:spTree>
   </p:cSld>
+  <p:clrMapOvr>
+    <a:masterClrMapping/>
+  </p:clrMapOvr>
 </p:sldLayout>
 </file>
 
 <file path=ppt/slideLayouts/slideLayout9.xml><?xml version="1.0" encoding="utf-8"?>
-<p:sldLayout xmlns:a="http://schemas.openxmlformats.org/drawingml/2006/main" xmlns:p="http://schemas.openxmlformats.org/presentationml/2006/main" xmlns:r="http://schemas.openxmlformats.org/officeDocument/2006/relationships" xmlns:p14="http://schemas.microsoft.com/office/powerpoint/2010/main" xmlns:p15="http://schemas.microsoft.com/office/powerpoint/2012/main" xmlns:mc="http://schemas.openxmlformats.org/markup-compatibility/2006" type="twoObjOverTx" preserve="1">
+<p:sldLayout xmlns:a="http://schemas.openxmlformats.org/drawingml/2006/main" xmlns:r="http://schemas.openxmlformats.org/officeDocument/2006/relationships" xmlns:p="http://schemas.openxmlformats.org/presentationml/2006/main" type="twoObjOverTx" preserve="1">
   <p:cSld name="Title, 2 Content over Content">
     <p:spTree>
       <p:nvGrpSpPr>
@@ -2820,15 +3044,16 @@
           </a:prstGeom>
         </p:spPr>
         <p:txBody>
-          <a:bodyPr lIns="0" rIns="0" tIns="0" bIns="0" anchor="ctr"/>
-          <a:p>
-            <a:endParaRPr b="0" lang="en-US" sz="8450" spc="-1" strike="noStrike">
-              <a:solidFill>
-                <a:srgbClr val="ffffff"/>
-              </a:solidFill>
-              <a:uFill>
-                <a:solidFill>
-                  <a:srgbClr val="ffffff"/>
+          <a:bodyPr lIns="0" tIns="0" rIns="0" bIns="0" anchor="ctr"/>
+          <a:lstStyle/>
+          <a:p>
+            <a:endParaRPr lang="en-US" sz="8450" b="0" strike="noStrike" spc="-1">
+              <a:solidFill>
+                <a:srgbClr val="FFFFFF"/>
+              </a:solidFill>
+              <a:uFill>
+                <a:solidFill>
+                  <a:srgbClr val="FFFFFF"/>
                 </a:solidFill>
               </a:uFill>
               <a:latin typeface="Arial"/>
@@ -2856,15 +3081,16 @@
           </a:prstGeom>
         </p:spPr>
         <p:txBody>
-          <a:bodyPr lIns="0" rIns="0" tIns="0" bIns="0"/>
-          <a:p>
-            <a:endParaRPr b="0" lang="en-US" sz="6160" spc="-1" strike="noStrike">
+          <a:bodyPr lIns="0" tIns="0" rIns="0" bIns="0"/>
+          <a:lstStyle/>
+          <a:p>
+            <a:endParaRPr lang="en-US" sz="6160" b="0" strike="noStrike" spc="-1">
               <a:solidFill>
                 <a:srgbClr val="000000"/>
               </a:solidFill>
               <a:uFill>
                 <a:solidFill>
-                  <a:srgbClr val="ffffff"/>
+                  <a:srgbClr val="FFFFFF"/>
                 </a:solidFill>
               </a:uFill>
               <a:latin typeface="Arial"/>
@@ -2892,15 +3118,16 @@
           </a:prstGeom>
         </p:spPr>
         <p:txBody>
-          <a:bodyPr lIns="0" rIns="0" tIns="0" bIns="0"/>
-          <a:p>
-            <a:endParaRPr b="0" lang="en-US" sz="6160" spc="-1" strike="noStrike">
+          <a:bodyPr lIns="0" tIns="0" rIns="0" bIns="0"/>
+          <a:lstStyle/>
+          <a:p>
+            <a:endParaRPr lang="en-US" sz="6160" b="0" strike="noStrike" spc="-1">
               <a:solidFill>
                 <a:srgbClr val="000000"/>
               </a:solidFill>
               <a:uFill>
                 <a:solidFill>
-                  <a:srgbClr val="ffffff"/>
+                  <a:srgbClr val="FFFFFF"/>
                 </a:solidFill>
               </a:uFill>
               <a:latin typeface="Arial"/>
@@ -2928,15 +3155,16 @@
           </a:prstGeom>
         </p:spPr>
         <p:txBody>
-          <a:bodyPr lIns="0" rIns="0" tIns="0" bIns="0"/>
-          <a:p>
-            <a:endParaRPr b="0" lang="en-US" sz="6160" spc="-1" strike="noStrike">
+          <a:bodyPr lIns="0" tIns="0" rIns="0" bIns="0"/>
+          <a:lstStyle/>
+          <a:p>
+            <a:endParaRPr lang="en-US" sz="6160" b="0" strike="noStrike" spc="-1">
               <a:solidFill>
                 <a:srgbClr val="000000"/>
               </a:solidFill>
               <a:uFill>
                 <a:solidFill>
-                  <a:srgbClr val="ffffff"/>
+                  <a:srgbClr val="FFFFFF"/>
                 </a:solidFill>
               </a:uFill>
               <a:latin typeface="Arial"/>
@@ -2946,12 +3174,20 @@
       </p:sp>
     </p:spTree>
   </p:cSld>
+  <p:clrMapOvr>
+    <a:masterClrMapping/>
+  </p:clrMapOvr>
 </p:sldLayout>
 </file>
 
 <file path=ppt/slideMasters/slideMaster1.xml><?xml version="1.0" encoding="utf-8"?>
-<p:sldMaster xmlns:a="http://schemas.openxmlformats.org/drawingml/2006/main" xmlns:p="http://schemas.openxmlformats.org/presentationml/2006/main" xmlns:r="http://schemas.openxmlformats.org/officeDocument/2006/relationships" xmlns:p14="http://schemas.microsoft.com/office/powerpoint/2010/main" xmlns:p15="http://schemas.microsoft.com/office/powerpoint/2012/main" xmlns:mc="http://schemas.openxmlformats.org/markup-compatibility/2006">
+<p:sldMaster xmlns:a="http://schemas.openxmlformats.org/drawingml/2006/main" xmlns:r="http://schemas.openxmlformats.org/officeDocument/2006/relationships" xmlns:p="http://schemas.openxmlformats.org/presentationml/2006/main">
   <p:cSld>
+    <p:bg>
+      <p:bgRef idx="1001">
+        <a:schemeClr val="bg1"/>
+      </p:bgRef>
+    </p:bg>
     <p:spTree>
       <p:nvGrpSpPr>
         <p:cNvPr id="1" name=""/>
@@ -2968,7 +3204,7 @@
       </p:grpSpPr>
       <p:sp>
         <p:nvSpPr>
-          <p:cNvPr id="0" name="PlaceHolder 1"/>
+          <p:cNvPr id="5" name="PlaceHolder 1"/>
           <p:cNvSpPr>
             <a:spLocks noGrp="1"/>
           </p:cNvSpPr>
@@ -2986,40 +3222,30 @@
           </a:prstGeom>
         </p:spPr>
         <p:txBody>
-          <a:bodyPr lIns="0" rIns="0" tIns="0" bIns="0" anchor="ctr"/>
+          <a:bodyPr lIns="0" tIns="0" rIns="0" bIns="0" anchor="ctr"/>
+          <a:lstStyle/>
           <a:p>
             <a:pPr algn="ctr"/>
             <a:r>
-              <a:rPr b="0" lang="en-US" sz="4400" spc="-1" strike="noStrike">
-                <a:solidFill>
-                  <a:srgbClr val="000000"/>
-                </a:solidFill>
-                <a:uFill>
-                  <a:solidFill>
-                    <a:srgbClr val="ffffff"/>
+              <a:rPr lang="en-US" sz="4400" b="0" strike="noStrike" spc="-1">
+                <a:solidFill>
+                  <a:srgbClr val="000000"/>
+                </a:solidFill>
+                <a:uFill>
+                  <a:solidFill>
+                    <a:srgbClr val="FFFFFF"/>
                   </a:solidFill>
                 </a:uFill>
                 <a:latin typeface="Arial"/>
               </a:rPr>
               <a:t>Click to edit the title text format</a:t>
             </a:r>
-            <a:endParaRPr b="0" lang="en-US" sz="4400" spc="-1" strike="noStrike">
-              <a:solidFill>
-                <a:srgbClr val="000000"/>
-              </a:solidFill>
-              <a:uFill>
-                <a:solidFill>
-                  <a:srgbClr val="ffffff"/>
-                </a:solidFill>
-              </a:uFill>
-              <a:latin typeface="Arial"/>
-            </a:endParaRPr>
-          </a:p>
-        </p:txBody>
-      </p:sp>
-      <p:sp>
-        <p:nvSpPr>
-          <p:cNvPr id="1" name="PlaceHolder 2"/>
+          </a:p>
+        </p:txBody>
+      </p:sp>
+      <p:sp>
+        <p:nvSpPr>
+          <p:cNvPr id="6" name="PlaceHolder 2"/>
           <p:cNvSpPr>
             <a:spLocks noGrp="1"/>
           </p:cNvSpPr>
@@ -3037,7 +3263,8 @@
           </a:prstGeom>
         </p:spPr>
         <p:txBody>
-          <a:bodyPr lIns="0" rIns="0" tIns="0" bIns="0"/>
+          <a:bodyPr lIns="0" tIns="0" rIns="0" bIns="0"/>
+          <a:lstStyle/>
           <a:p>
             <a:pPr marL="432000" indent="-324000">
               <a:buClr>
@@ -3048,33 +3275,22 @@
               <a:buChar char=""/>
             </a:pPr>
             <a:r>
-              <a:rPr b="0" lang="en-US" sz="3200" spc="-1" strike="noStrike">
-                <a:solidFill>
-                  <a:srgbClr val="000000"/>
-                </a:solidFill>
-                <a:uFill>
-                  <a:solidFill>
-                    <a:srgbClr val="ffffff"/>
+              <a:rPr lang="en-US" sz="3200" b="0" strike="noStrike" spc="-1">
+                <a:solidFill>
+                  <a:srgbClr val="000000"/>
+                </a:solidFill>
+                <a:uFill>
+                  <a:solidFill>
+                    <a:srgbClr val="FFFFFF"/>
                   </a:solidFill>
                 </a:uFill>
                 <a:latin typeface="Arial"/>
               </a:rPr>
               <a:t>Click to edit the outline text format</a:t>
             </a:r>
-            <a:endParaRPr b="0" lang="en-US" sz="3200" spc="-1" strike="noStrike">
-              <a:solidFill>
-                <a:srgbClr val="000000"/>
-              </a:solidFill>
-              <a:uFill>
-                <a:solidFill>
-                  <a:srgbClr val="ffffff"/>
-                </a:solidFill>
-              </a:uFill>
-              <a:latin typeface="Arial"/>
-            </a:endParaRPr>
-          </a:p>
-          <a:p>
-            <a:pPr lvl="1" marL="864000" indent="-324000">
+          </a:p>
+          <a:p>
+            <a:pPr marL="864000" lvl="1" indent="-324000">
               <a:buClr>
                 <a:srgbClr val="000000"/>
               </a:buClr>
@@ -3083,33 +3299,22 @@
               <a:buChar char=""/>
             </a:pPr>
             <a:r>
-              <a:rPr b="0" lang="en-US" sz="2800" spc="-1" strike="noStrike">
-                <a:solidFill>
-                  <a:srgbClr val="000000"/>
-                </a:solidFill>
-                <a:uFill>
-                  <a:solidFill>
-                    <a:srgbClr val="ffffff"/>
+              <a:rPr lang="en-US" sz="2800" b="0" strike="noStrike" spc="-1">
+                <a:solidFill>
+                  <a:srgbClr val="000000"/>
+                </a:solidFill>
+                <a:uFill>
+                  <a:solidFill>
+                    <a:srgbClr val="FFFFFF"/>
                   </a:solidFill>
                 </a:uFill>
                 <a:latin typeface="Arial"/>
               </a:rPr>
               <a:t>Second Outline Level</a:t>
             </a:r>
-            <a:endParaRPr b="0" lang="en-US" sz="2800" spc="-1" strike="noStrike">
-              <a:solidFill>
-                <a:srgbClr val="000000"/>
-              </a:solidFill>
-              <a:uFill>
-                <a:solidFill>
-                  <a:srgbClr val="ffffff"/>
-                </a:solidFill>
-              </a:uFill>
-              <a:latin typeface="Arial"/>
-            </a:endParaRPr>
-          </a:p>
-          <a:p>
-            <a:pPr lvl="2" marL="1296000" indent="-288000">
+          </a:p>
+          <a:p>
+            <a:pPr marL="1296000" lvl="2" indent="-288000">
               <a:buClr>
                 <a:srgbClr val="000000"/>
               </a:buClr>
@@ -3118,33 +3323,22 @@
               <a:buChar char=""/>
             </a:pPr>
             <a:r>
-              <a:rPr b="0" lang="en-US" sz="2400" spc="-1" strike="noStrike">
-                <a:solidFill>
-                  <a:srgbClr val="000000"/>
-                </a:solidFill>
-                <a:uFill>
-                  <a:solidFill>
-                    <a:srgbClr val="ffffff"/>
+              <a:rPr lang="en-US" sz="2400" b="0" strike="noStrike" spc="-1">
+                <a:solidFill>
+                  <a:srgbClr val="000000"/>
+                </a:solidFill>
+                <a:uFill>
+                  <a:solidFill>
+                    <a:srgbClr val="FFFFFF"/>
                   </a:solidFill>
                 </a:uFill>
                 <a:latin typeface="Arial"/>
               </a:rPr>
               <a:t>Third Outline Level</a:t>
             </a:r>
-            <a:endParaRPr b="0" lang="en-US" sz="2400" spc="-1" strike="noStrike">
-              <a:solidFill>
-                <a:srgbClr val="000000"/>
-              </a:solidFill>
-              <a:uFill>
-                <a:solidFill>
-                  <a:srgbClr val="ffffff"/>
-                </a:solidFill>
-              </a:uFill>
-              <a:latin typeface="Arial"/>
-            </a:endParaRPr>
-          </a:p>
-          <a:p>
-            <a:pPr lvl="3" marL="1728000" indent="-216000">
+          </a:p>
+          <a:p>
+            <a:pPr marL="1728000" lvl="3" indent="-216000">
               <a:buClr>
                 <a:srgbClr val="000000"/>
               </a:buClr>
@@ -3153,33 +3347,22 @@
               <a:buChar char=""/>
             </a:pPr>
             <a:r>
-              <a:rPr b="0" lang="en-US" sz="2000" spc="-1" strike="noStrike">
-                <a:solidFill>
-                  <a:srgbClr val="000000"/>
-                </a:solidFill>
-                <a:uFill>
-                  <a:solidFill>
-                    <a:srgbClr val="ffffff"/>
+              <a:rPr lang="en-US" sz="2000" b="0" strike="noStrike" spc="-1">
+                <a:solidFill>
+                  <a:srgbClr val="000000"/>
+                </a:solidFill>
+                <a:uFill>
+                  <a:solidFill>
+                    <a:srgbClr val="FFFFFF"/>
                   </a:solidFill>
                 </a:uFill>
                 <a:latin typeface="Arial"/>
               </a:rPr>
               <a:t>Fourth Outline Level</a:t>
             </a:r>
-            <a:endParaRPr b="0" lang="en-US" sz="2000" spc="-1" strike="noStrike">
-              <a:solidFill>
-                <a:srgbClr val="000000"/>
-              </a:solidFill>
-              <a:uFill>
-                <a:solidFill>
-                  <a:srgbClr val="ffffff"/>
-                </a:solidFill>
-              </a:uFill>
-              <a:latin typeface="Arial"/>
-            </a:endParaRPr>
-          </a:p>
-          <a:p>
-            <a:pPr lvl="4" marL="2160000" indent="-216000">
+          </a:p>
+          <a:p>
+            <a:pPr marL="2160000" lvl="4" indent="-216000">
               <a:buClr>
                 <a:srgbClr val="000000"/>
               </a:buClr>
@@ -3188,33 +3371,22 @@
               <a:buChar char=""/>
             </a:pPr>
             <a:r>
-              <a:rPr b="0" lang="en-US" sz="2000" spc="-1" strike="noStrike">
-                <a:solidFill>
-                  <a:srgbClr val="000000"/>
-                </a:solidFill>
-                <a:uFill>
-                  <a:solidFill>
-                    <a:srgbClr val="ffffff"/>
+              <a:rPr lang="en-US" sz="2000" b="0" strike="noStrike" spc="-1">
+                <a:solidFill>
+                  <a:srgbClr val="000000"/>
+                </a:solidFill>
+                <a:uFill>
+                  <a:solidFill>
+                    <a:srgbClr val="FFFFFF"/>
                   </a:solidFill>
                 </a:uFill>
                 <a:latin typeface="Arial"/>
               </a:rPr>
               <a:t>Fifth Outline Level</a:t>
             </a:r>
-            <a:endParaRPr b="0" lang="en-US" sz="2000" spc="-1" strike="noStrike">
-              <a:solidFill>
-                <a:srgbClr val="000000"/>
-              </a:solidFill>
-              <a:uFill>
-                <a:solidFill>
-                  <a:srgbClr val="ffffff"/>
-                </a:solidFill>
-              </a:uFill>
-              <a:latin typeface="Arial"/>
-            </a:endParaRPr>
-          </a:p>
-          <a:p>
-            <a:pPr lvl="5" marL="2592000" indent="-216000">
+          </a:p>
+          <a:p>
+            <a:pPr marL="2592000" lvl="5" indent="-216000">
               <a:buClr>
                 <a:srgbClr val="000000"/>
               </a:buClr>
@@ -3223,33 +3395,22 @@
               <a:buChar char=""/>
             </a:pPr>
             <a:r>
-              <a:rPr b="0" lang="en-US" sz="2000" spc="-1" strike="noStrike">
-                <a:solidFill>
-                  <a:srgbClr val="000000"/>
-                </a:solidFill>
-                <a:uFill>
-                  <a:solidFill>
-                    <a:srgbClr val="ffffff"/>
+              <a:rPr lang="en-US" sz="2000" b="0" strike="noStrike" spc="-1">
+                <a:solidFill>
+                  <a:srgbClr val="000000"/>
+                </a:solidFill>
+                <a:uFill>
+                  <a:solidFill>
+                    <a:srgbClr val="FFFFFF"/>
                   </a:solidFill>
                 </a:uFill>
                 <a:latin typeface="Arial"/>
               </a:rPr>
               <a:t>Sixth Outline Level</a:t>
             </a:r>
-            <a:endParaRPr b="0" lang="en-US" sz="2000" spc="-1" strike="noStrike">
-              <a:solidFill>
-                <a:srgbClr val="000000"/>
-              </a:solidFill>
-              <a:uFill>
-                <a:solidFill>
-                  <a:srgbClr val="ffffff"/>
-                </a:solidFill>
-              </a:uFill>
-              <a:latin typeface="Arial"/>
-            </a:endParaRPr>
-          </a:p>
-          <a:p>
-            <a:pPr lvl="6" marL="3024000" indent="-216000">
+          </a:p>
+          <a:p>
+            <a:pPr marL="3024000" lvl="6" indent="-216000">
               <a:buClr>
                 <a:srgbClr val="000000"/>
               </a:buClr>
@@ -3258,30 +3419,19 @@
               <a:buChar char=""/>
             </a:pPr>
             <a:r>
-              <a:rPr b="0" lang="en-US" sz="2000" spc="-1" strike="noStrike">
-                <a:solidFill>
-                  <a:srgbClr val="000000"/>
-                </a:solidFill>
-                <a:uFill>
-                  <a:solidFill>
-                    <a:srgbClr val="ffffff"/>
+              <a:rPr lang="en-US" sz="2000" b="0" strike="noStrike" spc="-1">
+                <a:solidFill>
+                  <a:srgbClr val="000000"/>
+                </a:solidFill>
+                <a:uFill>
+                  <a:solidFill>
+                    <a:srgbClr val="FFFFFF"/>
                   </a:solidFill>
                 </a:uFill>
                 <a:latin typeface="Arial"/>
               </a:rPr>
               <a:t>Seventh Outline Level</a:t>
             </a:r>
-            <a:endParaRPr b="0" lang="en-US" sz="2000" spc="-1" strike="noStrike">
-              <a:solidFill>
-                <a:srgbClr val="000000"/>
-              </a:solidFill>
-              <a:uFill>
-                <a:solidFill>
-                  <a:srgbClr val="ffffff"/>
-                </a:solidFill>
-              </a:uFill>
-              <a:latin typeface="Arial"/>
-            </a:endParaRPr>
           </a:p>
         </p:txBody>
       </p:sp>
@@ -3305,33 +3455,23 @@
           </a:prstGeom>
         </p:spPr>
         <p:txBody>
-          <a:bodyPr lIns="0" rIns="0" tIns="0" bIns="0"/>
-          <a:p>
-            <a:r>
-              <a:rPr b="0" lang="en-US" sz="1400" spc="-1" strike="noStrike">
-                <a:solidFill>
-                  <a:srgbClr val="000000"/>
-                </a:solidFill>
-                <a:uFill>
-                  <a:solidFill>
-                    <a:srgbClr val="ffffff"/>
+          <a:bodyPr lIns="0" tIns="0" rIns="0" bIns="0"/>
+          <a:lstStyle/>
+          <a:p>
+            <a:r>
+              <a:rPr lang="en-US" sz="1400" b="0" strike="noStrike" spc="-1">
+                <a:solidFill>
+                  <a:srgbClr val="000000"/>
+                </a:solidFill>
+                <a:uFill>
+                  <a:solidFill>
+                    <a:srgbClr val="FFFFFF"/>
                   </a:solidFill>
                 </a:uFill>
                 <a:latin typeface="Times New Roman"/>
               </a:rPr>
               <a:t>&lt;date/time&gt;</a:t>
             </a:r>
-            <a:endParaRPr b="0" lang="en-US" sz="1400" spc="-1" strike="noStrike">
-              <a:solidFill>
-                <a:srgbClr val="000000"/>
-              </a:solidFill>
-              <a:uFill>
-                <a:solidFill>
-                  <a:srgbClr val="ffffff"/>
-                </a:solidFill>
-              </a:uFill>
-              <a:latin typeface="Times New Roman"/>
-            </a:endParaRPr>
           </a:p>
         </p:txBody>
       </p:sp>
@@ -3355,34 +3495,24 @@
           </a:prstGeom>
         </p:spPr>
         <p:txBody>
-          <a:bodyPr lIns="0" rIns="0" tIns="0" bIns="0"/>
+          <a:bodyPr lIns="0" tIns="0" rIns="0" bIns="0"/>
+          <a:lstStyle/>
           <a:p>
             <a:pPr algn="ctr"/>
             <a:r>
-              <a:rPr b="0" lang="en-US" sz="1400" spc="-1" strike="noStrike">
-                <a:solidFill>
-                  <a:srgbClr val="000000"/>
-                </a:solidFill>
-                <a:uFill>
-                  <a:solidFill>
-                    <a:srgbClr val="ffffff"/>
+              <a:rPr lang="en-US" sz="1400" b="0" strike="noStrike" spc="-1">
+                <a:solidFill>
+                  <a:srgbClr val="000000"/>
+                </a:solidFill>
+                <a:uFill>
+                  <a:solidFill>
+                    <a:srgbClr val="FFFFFF"/>
                   </a:solidFill>
                 </a:uFill>
                 <a:latin typeface="Times New Roman"/>
               </a:rPr>
               <a:t>&lt;footer&gt;</a:t>
             </a:r>
-            <a:endParaRPr b="0" lang="en-US" sz="1400" spc="-1" strike="noStrike">
-              <a:solidFill>
-                <a:srgbClr val="000000"/>
-              </a:solidFill>
-              <a:uFill>
-                <a:solidFill>
-                  <a:srgbClr val="ffffff"/>
-                </a:solidFill>
-              </a:uFill>
-              <a:latin typeface="Times New Roman"/>
-            </a:endParaRPr>
           </a:p>
         </p:txBody>
       </p:sp>
@@ -3406,30 +3536,31 @@
           </a:prstGeom>
         </p:spPr>
         <p:txBody>
-          <a:bodyPr lIns="0" rIns="0" tIns="0" bIns="0"/>
+          <a:bodyPr lIns="0" tIns="0" rIns="0" bIns="0"/>
+          <a:lstStyle/>
           <a:p>
             <a:pPr algn="r"/>
             <a:fld id="{BB63A932-C8CD-46F9-809E-D440BEF9E817}" type="slidenum">
-              <a:rPr b="0" lang="en-US" sz="1400" spc="-1" strike="noStrike">
-                <a:solidFill>
-                  <a:srgbClr val="000000"/>
-                </a:solidFill>
-                <a:uFill>
-                  <a:solidFill>
-                    <a:srgbClr val="ffffff"/>
+              <a:rPr lang="en-US" sz="1400" b="0" strike="noStrike" spc="-1">
+                <a:solidFill>
+                  <a:srgbClr val="000000"/>
+                </a:solidFill>
+                <a:uFill>
+                  <a:solidFill>
+                    <a:srgbClr val="FFFFFF"/>
                   </a:solidFill>
                 </a:uFill>
                 <a:latin typeface="Times New Roman"/>
               </a:rPr>
-              <a:t>&lt;number&gt;</a:t>
+              <a:t>‹#›</a:t>
             </a:fld>
-            <a:endParaRPr b="0" lang="en-US" sz="1400" spc="-1" strike="noStrike">
+            <a:endParaRPr lang="en-US" sz="1400" b="0" strike="noStrike" spc="-1">
               <a:solidFill>
                 <a:srgbClr val="000000"/>
               </a:solidFill>
               <a:uFill>
                 <a:solidFill>
-                  <a:srgbClr val="ffffff"/>
+                  <a:srgbClr val="FFFFFF"/>
                 </a:solidFill>
               </a:uFill>
               <a:latin typeface="Times New Roman"/>
@@ -3439,27 +3570,37 @@
       </p:sp>
     </p:spTree>
   </p:cSld>
-  <p:clrMap bg1="lt1" bg2="lt2" tx1="dk1" tx2="dk2" accent1="accent1" accent2="accent2" accent3="accent3" accent4="accent4" accent5="accent5" accent6="accent6" hlink="hlink" folHlink="folHlink"/>
+  <p:clrMap bg1="lt1" tx1="dk1" bg2="lt2" tx2="dk2" accent1="accent1" accent2="accent2" accent3="accent3" accent4="accent4" accent5="accent5" accent6="accent6" hlink="hlink" folHlink="folHlink"/>
   <p:sldLayoutIdLst>
-    <p:sldLayoutId id="2147483649" r:id="rId2"/>
-    <p:sldLayoutId id="2147483650" r:id="rId3"/>
-    <p:sldLayoutId id="2147483651" r:id="rId4"/>
-    <p:sldLayoutId id="2147483652" r:id="rId5"/>
-    <p:sldLayoutId id="2147483653" r:id="rId6"/>
-    <p:sldLayoutId id="2147483654" r:id="rId7"/>
-    <p:sldLayoutId id="2147483655" r:id="rId8"/>
-    <p:sldLayoutId id="2147483656" r:id="rId9"/>
-    <p:sldLayoutId id="2147483657" r:id="rId10"/>
-    <p:sldLayoutId id="2147483658" r:id="rId11"/>
-    <p:sldLayoutId id="2147483659" r:id="rId12"/>
-    <p:sldLayoutId id="2147483660" r:id="rId13"/>
+    <p:sldLayoutId id="2147483649" r:id="rId1"/>
+    <p:sldLayoutId id="2147483650" r:id="rId2"/>
+    <p:sldLayoutId id="2147483651" r:id="rId3"/>
+    <p:sldLayoutId id="2147483652" r:id="rId4"/>
+    <p:sldLayoutId id="2147483653" r:id="rId5"/>
+    <p:sldLayoutId id="2147483654" r:id="rId6"/>
+    <p:sldLayoutId id="2147483655" r:id="rId7"/>
+    <p:sldLayoutId id="2147483656" r:id="rId8"/>
+    <p:sldLayoutId id="2147483657" r:id="rId9"/>
+    <p:sldLayoutId id="2147483658" r:id="rId10"/>
+    <p:sldLayoutId id="2147483659" r:id="rId11"/>
+    <p:sldLayoutId id="2147483660" r:id="rId12"/>
   </p:sldLayoutIdLst>
+  <p:txStyles>
+    <p:titleStyle/>
+    <p:bodyStyle/>
+    <p:otherStyle/>
+  </p:txStyles>
 </p:sldMaster>
 </file>
 
 <file path=ppt/slideMasters/slideMaster2.xml><?xml version="1.0" encoding="utf-8"?>
-<p:sldMaster xmlns:a="http://schemas.openxmlformats.org/drawingml/2006/main" xmlns:p="http://schemas.openxmlformats.org/presentationml/2006/main" xmlns:r="http://schemas.openxmlformats.org/officeDocument/2006/relationships" xmlns:p14="http://schemas.microsoft.com/office/powerpoint/2010/main" xmlns:p15="http://schemas.microsoft.com/office/powerpoint/2012/main" xmlns:mc="http://schemas.openxmlformats.org/markup-compatibility/2006">
+<p:sldMaster xmlns:a="http://schemas.openxmlformats.org/drawingml/2006/main" xmlns:r="http://schemas.openxmlformats.org/officeDocument/2006/relationships" xmlns:p="http://schemas.openxmlformats.org/presentationml/2006/main">
   <p:cSld>
+    <p:bg>
+      <p:bgRef idx="1001">
+        <a:schemeClr val="bg1"/>
+      </p:bgRef>
+    </p:bg>
     <p:spTree>
       <p:nvGrpSpPr>
         <p:cNvPr id="1" name=""/>
@@ -3476,12 +3617,12 @@
       </p:grpSpPr>
       <p:pic>
         <p:nvPicPr>
-          <p:cNvPr id="39" name="" descr=""/>
+          <p:cNvPr id="39" name="圖片 38"/>
           <p:cNvPicPr/>
           <p:nvPr/>
         </p:nvPicPr>
         <p:blipFill>
-          <a:blip r:embed="rId2"/>
+          <a:blip r:embed="rId14"/>
           <a:stretch/>
         </p:blipFill>
         <p:spPr>
@@ -3517,33 +3658,23 @@
           </a:prstGeom>
         </p:spPr>
         <p:txBody>
-          <a:bodyPr lIns="0" rIns="0" tIns="0" bIns="0" anchor="ctr"/>
-          <a:p>
-            <a:r>
-              <a:rPr b="0" lang="en-US" sz="8450" spc="-1" strike="noStrike">
-                <a:solidFill>
-                  <a:srgbClr val="ffffff"/>
-                </a:solidFill>
-                <a:uFill>
-                  <a:solidFill>
-                    <a:srgbClr val="ffffff"/>
+          <a:bodyPr lIns="0" tIns="0" rIns="0" bIns="0" anchor="ctr"/>
+          <a:lstStyle/>
+          <a:p>
+            <a:r>
+              <a:rPr lang="en-US" sz="8450" b="0" strike="noStrike" spc="-1">
+                <a:solidFill>
+                  <a:srgbClr val="FFFFFF"/>
+                </a:solidFill>
+                <a:uFill>
+                  <a:solidFill>
+                    <a:srgbClr val="FFFFFF"/>
                   </a:solidFill>
                 </a:uFill>
                 <a:latin typeface="Arial"/>
               </a:rPr>
               <a:t>Click to edit the title text format</a:t>
             </a:r>
-            <a:endParaRPr b="0" lang="en-US" sz="8450" spc="-1" strike="noStrike">
-              <a:solidFill>
-                <a:srgbClr val="ffffff"/>
-              </a:solidFill>
-              <a:uFill>
-                <a:solidFill>
-                  <a:srgbClr val="ffffff"/>
-                </a:solidFill>
-              </a:uFill>
-              <a:latin typeface="Arial"/>
-            </a:endParaRPr>
           </a:p>
         </p:txBody>
       </p:sp>
@@ -3567,7 +3698,8 @@
           </a:prstGeom>
         </p:spPr>
         <p:txBody>
-          <a:bodyPr lIns="0" rIns="0" tIns="0" bIns="0"/>
+          <a:bodyPr lIns="0" tIns="0" rIns="0" bIns="0"/>
+          <a:lstStyle/>
           <a:p>
             <a:pPr marL="432000" indent="-324000">
               <a:buClr>
@@ -3578,33 +3710,22 @@
               <a:buChar char=""/>
             </a:pPr>
             <a:r>
-              <a:rPr b="0" lang="en-US" sz="6160" spc="-1" strike="noStrike">
-                <a:solidFill>
-                  <a:srgbClr val="000000"/>
-                </a:solidFill>
-                <a:uFill>
-                  <a:solidFill>
-                    <a:srgbClr val="ffffff"/>
+              <a:rPr lang="en-US" sz="6160" b="0" strike="noStrike" spc="-1">
+                <a:solidFill>
+                  <a:srgbClr val="000000"/>
+                </a:solidFill>
+                <a:uFill>
+                  <a:solidFill>
+                    <a:srgbClr val="FFFFFF"/>
                   </a:solidFill>
                 </a:uFill>
                 <a:latin typeface="Arial"/>
               </a:rPr>
               <a:t>Click to edit the outline text format</a:t>
             </a:r>
-            <a:endParaRPr b="0" lang="en-US" sz="6160" spc="-1" strike="noStrike">
-              <a:solidFill>
-                <a:srgbClr val="000000"/>
-              </a:solidFill>
-              <a:uFill>
-                <a:solidFill>
-                  <a:srgbClr val="ffffff"/>
-                </a:solidFill>
-              </a:uFill>
-              <a:latin typeface="Arial"/>
-            </a:endParaRPr>
-          </a:p>
-          <a:p>
-            <a:pPr lvl="1" marL="864000" indent="-324000">
+          </a:p>
+          <a:p>
+            <a:pPr marL="864000" lvl="1" indent="-324000">
               <a:buClr>
                 <a:srgbClr val="000000"/>
               </a:buClr>
@@ -3613,33 +3734,22 @@
               <a:buChar char=""/>
             </a:pPr>
             <a:r>
-              <a:rPr b="0" lang="en-US" sz="5400" spc="-1" strike="noStrike">
-                <a:solidFill>
-                  <a:srgbClr val="000000"/>
-                </a:solidFill>
-                <a:uFill>
-                  <a:solidFill>
-                    <a:srgbClr val="ffffff"/>
+              <a:rPr lang="en-US" sz="5400" b="0" strike="noStrike" spc="-1">
+                <a:solidFill>
+                  <a:srgbClr val="000000"/>
+                </a:solidFill>
+                <a:uFill>
+                  <a:solidFill>
+                    <a:srgbClr val="FFFFFF"/>
                   </a:solidFill>
                 </a:uFill>
                 <a:latin typeface="Arial"/>
               </a:rPr>
               <a:t>Second Outline Level</a:t>
             </a:r>
-            <a:endParaRPr b="0" lang="en-US" sz="5400" spc="-1" strike="noStrike">
-              <a:solidFill>
-                <a:srgbClr val="000000"/>
-              </a:solidFill>
-              <a:uFill>
-                <a:solidFill>
-                  <a:srgbClr val="ffffff"/>
-                </a:solidFill>
-              </a:uFill>
-              <a:latin typeface="Arial"/>
-            </a:endParaRPr>
-          </a:p>
-          <a:p>
-            <a:pPr lvl="2" marL="1296000" indent="-288000">
+          </a:p>
+          <a:p>
+            <a:pPr marL="1296000" lvl="2" indent="-288000">
               <a:buClr>
                 <a:srgbClr val="000000"/>
               </a:buClr>
@@ -3648,33 +3758,22 @@
               <a:buChar char=""/>
             </a:pPr>
             <a:r>
-              <a:rPr b="0" lang="en-US" sz="4620" spc="-1" strike="noStrike">
-                <a:solidFill>
-                  <a:srgbClr val="000000"/>
-                </a:solidFill>
-                <a:uFill>
-                  <a:solidFill>
-                    <a:srgbClr val="ffffff"/>
+              <a:rPr lang="en-US" sz="4620" b="0" strike="noStrike" spc="-1">
+                <a:solidFill>
+                  <a:srgbClr val="000000"/>
+                </a:solidFill>
+                <a:uFill>
+                  <a:solidFill>
+                    <a:srgbClr val="FFFFFF"/>
                   </a:solidFill>
                 </a:uFill>
                 <a:latin typeface="Arial"/>
               </a:rPr>
               <a:t>Third Outline Level</a:t>
             </a:r>
-            <a:endParaRPr b="0" lang="en-US" sz="4620" spc="-1" strike="noStrike">
-              <a:solidFill>
-                <a:srgbClr val="000000"/>
-              </a:solidFill>
-              <a:uFill>
-                <a:solidFill>
-                  <a:srgbClr val="ffffff"/>
-                </a:solidFill>
-              </a:uFill>
-              <a:latin typeface="Arial"/>
-            </a:endParaRPr>
-          </a:p>
-          <a:p>
-            <a:pPr lvl="3" marL="1728000" indent="-216000">
+          </a:p>
+          <a:p>
+            <a:pPr marL="1728000" lvl="3" indent="-216000">
               <a:buClr>
                 <a:srgbClr val="000000"/>
               </a:buClr>
@@ -3683,33 +3782,22 @@
               <a:buChar char=""/>
             </a:pPr>
             <a:r>
-              <a:rPr b="0" lang="en-US" sz="3859" spc="-1" strike="noStrike">
-                <a:solidFill>
-                  <a:srgbClr val="000000"/>
-                </a:solidFill>
-                <a:uFill>
-                  <a:solidFill>
-                    <a:srgbClr val="ffffff"/>
+              <a:rPr lang="en-US" sz="3859" b="0" strike="noStrike" spc="-1">
+                <a:solidFill>
+                  <a:srgbClr val="000000"/>
+                </a:solidFill>
+                <a:uFill>
+                  <a:solidFill>
+                    <a:srgbClr val="FFFFFF"/>
                   </a:solidFill>
                 </a:uFill>
                 <a:latin typeface="Arial"/>
               </a:rPr>
               <a:t>Fourth Outline Level</a:t>
             </a:r>
-            <a:endParaRPr b="0" lang="en-US" sz="3859" spc="-1" strike="noStrike">
-              <a:solidFill>
-                <a:srgbClr val="000000"/>
-              </a:solidFill>
-              <a:uFill>
-                <a:solidFill>
-                  <a:srgbClr val="ffffff"/>
-                </a:solidFill>
-              </a:uFill>
-              <a:latin typeface="Arial"/>
-            </a:endParaRPr>
-          </a:p>
-          <a:p>
-            <a:pPr lvl="4" marL="2160000" indent="-216000">
+          </a:p>
+          <a:p>
+            <a:pPr marL="2160000" lvl="4" indent="-216000">
               <a:buClr>
                 <a:srgbClr val="000000"/>
               </a:buClr>
@@ -3718,33 +3806,22 @@
               <a:buChar char=""/>
             </a:pPr>
             <a:r>
-              <a:rPr b="0" lang="en-US" sz="3859" spc="-1" strike="noStrike">
-                <a:solidFill>
-                  <a:srgbClr val="000000"/>
-                </a:solidFill>
-                <a:uFill>
-                  <a:solidFill>
-                    <a:srgbClr val="ffffff"/>
+              <a:rPr lang="en-US" sz="3859" b="0" strike="noStrike" spc="-1">
+                <a:solidFill>
+                  <a:srgbClr val="000000"/>
+                </a:solidFill>
+                <a:uFill>
+                  <a:solidFill>
+                    <a:srgbClr val="FFFFFF"/>
                   </a:solidFill>
                 </a:uFill>
                 <a:latin typeface="Arial"/>
               </a:rPr>
               <a:t>Fifth Outline Level</a:t>
             </a:r>
-            <a:endParaRPr b="0" lang="en-US" sz="3859" spc="-1" strike="noStrike">
-              <a:solidFill>
-                <a:srgbClr val="000000"/>
-              </a:solidFill>
-              <a:uFill>
-                <a:solidFill>
-                  <a:srgbClr val="ffffff"/>
-                </a:solidFill>
-              </a:uFill>
-              <a:latin typeface="Arial"/>
-            </a:endParaRPr>
-          </a:p>
-          <a:p>
-            <a:pPr lvl="5" marL="2592000" indent="-216000">
+          </a:p>
+          <a:p>
+            <a:pPr marL="2592000" lvl="5" indent="-216000">
               <a:buClr>
                 <a:srgbClr val="000000"/>
               </a:buClr>
@@ -3753,33 +3830,22 @@
               <a:buChar char=""/>
             </a:pPr>
             <a:r>
-              <a:rPr b="0" lang="en-US" sz="3859" spc="-1" strike="noStrike">
-                <a:solidFill>
-                  <a:srgbClr val="000000"/>
-                </a:solidFill>
-                <a:uFill>
-                  <a:solidFill>
-                    <a:srgbClr val="ffffff"/>
+              <a:rPr lang="en-US" sz="3859" b="0" strike="noStrike" spc="-1">
+                <a:solidFill>
+                  <a:srgbClr val="000000"/>
+                </a:solidFill>
+                <a:uFill>
+                  <a:solidFill>
+                    <a:srgbClr val="FFFFFF"/>
                   </a:solidFill>
                 </a:uFill>
                 <a:latin typeface="Arial"/>
               </a:rPr>
               <a:t>Sixth Outline Level</a:t>
             </a:r>
-            <a:endParaRPr b="0" lang="en-US" sz="3859" spc="-1" strike="noStrike">
-              <a:solidFill>
-                <a:srgbClr val="000000"/>
-              </a:solidFill>
-              <a:uFill>
-                <a:solidFill>
-                  <a:srgbClr val="ffffff"/>
-                </a:solidFill>
-              </a:uFill>
-              <a:latin typeface="Arial"/>
-            </a:endParaRPr>
-          </a:p>
-          <a:p>
-            <a:pPr lvl="6" marL="3024000" indent="-216000">
+          </a:p>
+          <a:p>
+            <a:pPr marL="3024000" lvl="6" indent="-216000">
               <a:buClr>
                 <a:srgbClr val="000000"/>
               </a:buClr>
@@ -3788,30 +3854,19 @@
               <a:buChar char=""/>
             </a:pPr>
             <a:r>
-              <a:rPr b="0" lang="en-US" sz="3859" spc="-1" strike="noStrike">
-                <a:solidFill>
-                  <a:srgbClr val="000000"/>
-                </a:solidFill>
-                <a:uFill>
-                  <a:solidFill>
-                    <a:srgbClr val="ffffff"/>
+              <a:rPr lang="en-US" sz="3859" b="0" strike="noStrike" spc="-1">
+                <a:solidFill>
+                  <a:srgbClr val="000000"/>
+                </a:solidFill>
+                <a:uFill>
+                  <a:solidFill>
+                    <a:srgbClr val="FFFFFF"/>
                   </a:solidFill>
                 </a:uFill>
                 <a:latin typeface="Arial"/>
               </a:rPr>
               <a:t>Seventh Outline Level</a:t>
             </a:r>
-            <a:endParaRPr b="0" lang="en-US" sz="3859" spc="-1" strike="noStrike">
-              <a:solidFill>
-                <a:srgbClr val="000000"/>
-              </a:solidFill>
-              <a:uFill>
-                <a:solidFill>
-                  <a:srgbClr val="ffffff"/>
-                </a:solidFill>
-              </a:uFill>
-              <a:latin typeface="Arial"/>
-            </a:endParaRPr>
           </a:p>
         </p:txBody>
       </p:sp>
@@ -3835,33 +3890,23 @@
           </a:prstGeom>
         </p:spPr>
         <p:txBody>
-          <a:bodyPr lIns="0" rIns="0" tIns="0" bIns="0"/>
-          <a:p>
-            <a:r>
-              <a:rPr b="0" lang="en-US" sz="1400" spc="-1" strike="noStrike">
-                <a:solidFill>
-                  <a:srgbClr val="000000"/>
-                </a:solidFill>
-                <a:uFill>
-                  <a:solidFill>
-                    <a:srgbClr val="ffffff"/>
+          <a:bodyPr lIns="0" tIns="0" rIns="0" bIns="0"/>
+          <a:lstStyle/>
+          <a:p>
+            <a:r>
+              <a:rPr lang="en-US" sz="1400" b="0" strike="noStrike" spc="-1">
+                <a:solidFill>
+                  <a:srgbClr val="000000"/>
+                </a:solidFill>
+                <a:uFill>
+                  <a:solidFill>
+                    <a:srgbClr val="FFFFFF"/>
                   </a:solidFill>
                 </a:uFill>
                 <a:latin typeface="Times New Roman"/>
               </a:rPr>
               <a:t>&lt;date/time&gt;</a:t>
             </a:r>
-            <a:endParaRPr b="0" lang="en-US" sz="1400" spc="-1" strike="noStrike">
-              <a:solidFill>
-                <a:srgbClr val="000000"/>
-              </a:solidFill>
-              <a:uFill>
-                <a:solidFill>
-                  <a:srgbClr val="ffffff"/>
-                </a:solidFill>
-              </a:uFill>
-              <a:latin typeface="Times New Roman"/>
-            </a:endParaRPr>
           </a:p>
         </p:txBody>
       </p:sp>
@@ -3885,34 +3930,24 @@
           </a:prstGeom>
         </p:spPr>
         <p:txBody>
-          <a:bodyPr lIns="0" rIns="0" tIns="0" bIns="0"/>
+          <a:bodyPr lIns="0" tIns="0" rIns="0" bIns="0"/>
+          <a:lstStyle/>
           <a:p>
             <a:pPr algn="ctr"/>
             <a:r>
-              <a:rPr b="0" lang="en-US" sz="1400" spc="-1" strike="noStrike">
-                <a:solidFill>
-                  <a:srgbClr val="000000"/>
-                </a:solidFill>
-                <a:uFill>
-                  <a:solidFill>
-                    <a:srgbClr val="ffffff"/>
+              <a:rPr lang="en-US" sz="1400" b="0" strike="noStrike" spc="-1">
+                <a:solidFill>
+                  <a:srgbClr val="000000"/>
+                </a:solidFill>
+                <a:uFill>
+                  <a:solidFill>
+                    <a:srgbClr val="FFFFFF"/>
                   </a:solidFill>
                 </a:uFill>
                 <a:latin typeface="Times New Roman"/>
               </a:rPr>
               <a:t>&lt;footer&gt;</a:t>
             </a:r>
-            <a:endParaRPr b="0" lang="en-US" sz="1400" spc="-1" strike="noStrike">
-              <a:solidFill>
-                <a:srgbClr val="000000"/>
-              </a:solidFill>
-              <a:uFill>
-                <a:solidFill>
-                  <a:srgbClr val="ffffff"/>
-                </a:solidFill>
-              </a:uFill>
-              <a:latin typeface="Times New Roman"/>
-            </a:endParaRPr>
           </a:p>
         </p:txBody>
       </p:sp>
@@ -3936,30 +3971,31 @@
           </a:prstGeom>
         </p:spPr>
         <p:txBody>
-          <a:bodyPr lIns="0" rIns="0" tIns="0" bIns="0"/>
+          <a:bodyPr lIns="0" tIns="0" rIns="0" bIns="0"/>
+          <a:lstStyle/>
           <a:p>
             <a:pPr algn="r"/>
             <a:fld id="{C379A893-0063-4BE3-821A-760732A25380}" type="slidenum">
-              <a:rPr b="0" lang="en-US" sz="1400" spc="-1" strike="noStrike">
-                <a:solidFill>
-                  <a:srgbClr val="000000"/>
-                </a:solidFill>
-                <a:uFill>
-                  <a:solidFill>
-                    <a:srgbClr val="ffffff"/>
+              <a:rPr lang="en-US" sz="1400" b="0" strike="noStrike" spc="-1">
+                <a:solidFill>
+                  <a:srgbClr val="000000"/>
+                </a:solidFill>
+                <a:uFill>
+                  <a:solidFill>
+                    <a:srgbClr val="FFFFFF"/>
                   </a:solidFill>
                 </a:uFill>
                 <a:latin typeface="Times New Roman"/>
               </a:rPr>
-              <a:t>&lt;number&gt;</a:t>
+              <a:t>‹#›</a:t>
             </a:fld>
-            <a:endParaRPr b="0" lang="en-US" sz="1400" spc="-1" strike="noStrike">
+            <a:endParaRPr lang="en-US" sz="1400" b="0" strike="noStrike" spc="-1">
               <a:solidFill>
                 <a:srgbClr val="000000"/>
               </a:solidFill>
               <a:uFill>
                 <a:solidFill>
-                  <a:srgbClr val="ffffff"/>
+                  <a:srgbClr val="FFFFFF"/>
                 </a:solidFill>
               </a:uFill>
               <a:latin typeface="Times New Roman"/>
@@ -3969,26 +4005,31 @@
       </p:sp>
     </p:spTree>
   </p:cSld>
-  <p:clrMap bg1="lt1" bg2="lt2" tx1="dk1" tx2="dk2" accent1="accent1" accent2="accent2" accent3="accent3" accent4="accent4" accent5="accent5" accent6="accent6" hlink="hlink" folHlink="folHlink"/>
+  <p:clrMap bg1="lt1" tx1="dk1" bg2="lt2" tx2="dk2" accent1="accent1" accent2="accent2" accent3="accent3" accent4="accent4" accent5="accent5" accent6="accent6" hlink="hlink" folHlink="folHlink"/>
   <p:sldLayoutIdLst>
-    <p:sldLayoutId id="2147483662" r:id="rId3"/>
-    <p:sldLayoutId id="2147483663" r:id="rId4"/>
-    <p:sldLayoutId id="2147483664" r:id="rId5"/>
-    <p:sldLayoutId id="2147483665" r:id="rId6"/>
-    <p:sldLayoutId id="2147483666" r:id="rId7"/>
-    <p:sldLayoutId id="2147483667" r:id="rId8"/>
-    <p:sldLayoutId id="2147483668" r:id="rId9"/>
-    <p:sldLayoutId id="2147483669" r:id="rId10"/>
-    <p:sldLayoutId id="2147483670" r:id="rId11"/>
-    <p:sldLayoutId id="2147483671" r:id="rId12"/>
-    <p:sldLayoutId id="2147483672" r:id="rId13"/>
-    <p:sldLayoutId id="2147483673" r:id="rId14"/>
+    <p:sldLayoutId id="2147483662" r:id="rId1"/>
+    <p:sldLayoutId id="2147483663" r:id="rId2"/>
+    <p:sldLayoutId id="2147483664" r:id="rId3"/>
+    <p:sldLayoutId id="2147483665" r:id="rId4"/>
+    <p:sldLayoutId id="2147483666" r:id="rId5"/>
+    <p:sldLayoutId id="2147483667" r:id="rId6"/>
+    <p:sldLayoutId id="2147483668" r:id="rId7"/>
+    <p:sldLayoutId id="2147483669" r:id="rId8"/>
+    <p:sldLayoutId id="2147483670" r:id="rId9"/>
+    <p:sldLayoutId id="2147483671" r:id="rId10"/>
+    <p:sldLayoutId id="2147483672" r:id="rId11"/>
+    <p:sldLayoutId id="2147483673" r:id="rId12"/>
   </p:sldLayoutIdLst>
+  <p:txStyles>
+    <p:titleStyle/>
+    <p:bodyStyle/>
+    <p:otherStyle/>
+  </p:txStyles>
 </p:sldMaster>
 </file>
 
 <file path=ppt/slides/slide1.xml><?xml version="1.0" encoding="utf-8"?>
-<p:sld xmlns:a="http://schemas.openxmlformats.org/drawingml/2006/main" xmlns:p="http://schemas.openxmlformats.org/presentationml/2006/main" xmlns:r="http://schemas.openxmlformats.org/officeDocument/2006/relationships" xmlns:p14="http://schemas.microsoft.com/office/powerpoint/2010/main" xmlns:p15="http://schemas.microsoft.com/office/powerpoint/2012/main" xmlns:mc="http://schemas.openxmlformats.org/markup-compatibility/2006">
+<p:sld xmlns:a="http://schemas.openxmlformats.org/drawingml/2006/main" xmlns:r="http://schemas.openxmlformats.org/officeDocument/2006/relationships" xmlns:p="http://schemas.openxmlformats.org/presentationml/2006/main">
   <p:cSld>
     <p:spTree>
       <p:nvGrpSpPr>
@@ -4024,29 +4065,30 @@
           </a:ln>
         </p:spPr>
         <p:txBody>
-          <a:bodyPr lIns="0" rIns="0" tIns="0" bIns="0" anchor="ctr"/>
-          <a:p>
-            <a:r>
-              <a:rPr b="0" lang="en-US" sz="7200" spc="-1" strike="noStrike">
-                <a:solidFill>
-                  <a:srgbClr val="ffffff"/>
-                </a:solidFill>
-                <a:uFill>
-                  <a:solidFill>
-                    <a:srgbClr val="ffffff"/>
+          <a:bodyPr lIns="0" tIns="0" rIns="0" bIns="0" anchor="ctr"/>
+          <a:lstStyle/>
+          <a:p>
+            <a:r>
+              <a:rPr lang="en-US" sz="7200" b="0" strike="noStrike" spc="-1">
+                <a:solidFill>
+                  <a:srgbClr val="FFFFFF"/>
+                </a:solidFill>
+                <a:uFill>
+                  <a:solidFill>
+                    <a:srgbClr val="FFFFFF"/>
                   </a:solidFill>
                 </a:uFill>
                 <a:latin typeface="Arial"/>
               </a:rPr>
               <a:t>Net Open Finder</a:t>
             </a:r>
-            <a:endParaRPr b="0" lang="en-US" sz="8450" spc="-1" strike="noStrike">
-              <a:solidFill>
-                <a:srgbClr val="ffffff"/>
-              </a:solidFill>
-              <a:uFill>
-                <a:solidFill>
-                  <a:srgbClr val="ffffff"/>
+            <a:endParaRPr lang="en-US" sz="8450" b="0" strike="noStrike" spc="-1">
+              <a:solidFill>
+                <a:srgbClr val="FFFFFF"/>
+              </a:solidFill>
+              <a:uFill>
+                <a:solidFill>
+                  <a:srgbClr val="FFFFFF"/>
                 </a:solidFill>
               </a:uFill>
               <a:latin typeface="Arial"/>
@@ -4074,70 +4116,52 @@
           </a:ln>
         </p:spPr>
         <p:txBody>
-          <a:bodyPr lIns="0" rIns="0" tIns="0" bIns="0" anchor="ctr"/>
-          <a:p>
-            <a:r>
-              <a:rPr b="0" lang="en-US" sz="3200" spc="-1" strike="noStrike">
-                <a:solidFill>
-                  <a:srgbClr val="000000"/>
-                </a:solidFill>
-                <a:uFill>
-                  <a:solidFill>
-                    <a:srgbClr val="ffffff"/>
+          <a:bodyPr lIns="0" tIns="0" rIns="0" bIns="0" anchor="ctr"/>
+          <a:lstStyle/>
+          <a:p>
+            <a:r>
+              <a:rPr lang="en-US" sz="3200" b="0" strike="noStrike" spc="-1">
+                <a:solidFill>
+                  <a:srgbClr val="000000"/>
+                </a:solidFill>
+                <a:uFill>
+                  <a:solidFill>
+                    <a:srgbClr val="FFFFFF"/>
                   </a:solidFill>
                 </a:uFill>
                 <a:latin typeface="Arial"/>
               </a:rPr>
               <a:t>Group 6</a:t>
             </a:r>
-            <a:endParaRPr b="0" lang="en-US" sz="3200" spc="-1" strike="noStrike">
-              <a:solidFill>
-                <a:srgbClr val="000000"/>
-              </a:solidFill>
-              <a:uFill>
-                <a:solidFill>
-                  <a:srgbClr val="ffffff"/>
-                </a:solidFill>
-              </a:uFill>
-              <a:latin typeface="Arial"/>
-            </a:endParaRPr>
-          </a:p>
-          <a:p>
-            <a:r>
-              <a:rPr b="0" lang="en-US" sz="3200" spc="-1" strike="noStrike">
-                <a:solidFill>
-                  <a:srgbClr val="000000"/>
-                </a:solidFill>
-                <a:uFill>
-                  <a:solidFill>
-                    <a:srgbClr val="ffffff"/>
+          </a:p>
+          <a:p>
+            <a:r>
+              <a:rPr lang="en-US" sz="3200" b="0" strike="noStrike" spc="-1">
+                <a:solidFill>
+                  <a:srgbClr val="000000"/>
+                </a:solidFill>
+                <a:uFill>
+                  <a:solidFill>
+                    <a:srgbClr val="FFFFFF"/>
                   </a:solidFill>
                 </a:uFill>
                 <a:latin typeface="Arial"/>
               </a:rPr>
               <a:t>李瓖芸、周昀、吳宜凡</a:t>
             </a:r>
-            <a:endParaRPr b="0" lang="en-US" sz="3200" spc="-1" strike="noStrike">
-              <a:solidFill>
-                <a:srgbClr val="000000"/>
-              </a:solidFill>
-              <a:uFill>
-                <a:solidFill>
-                  <a:srgbClr val="ffffff"/>
-                </a:solidFill>
-              </a:uFill>
-              <a:latin typeface="Arial"/>
-            </a:endParaRPr>
           </a:p>
         </p:txBody>
       </p:sp>
     </p:spTree>
   </p:cSld>
+  <p:clrMapOvr>
+    <a:masterClrMapping/>
+  </p:clrMapOvr>
 </p:sld>
 </file>
 
 <file path=ppt/slides/slide10.xml><?xml version="1.0" encoding="utf-8"?>
-<p:sld xmlns:a="http://schemas.openxmlformats.org/drawingml/2006/main" xmlns:p="http://schemas.openxmlformats.org/presentationml/2006/main" xmlns:r="http://schemas.openxmlformats.org/officeDocument/2006/relationships" xmlns:p14="http://schemas.microsoft.com/office/powerpoint/2010/main" xmlns:p15="http://schemas.microsoft.com/office/powerpoint/2012/main" xmlns:mc="http://schemas.openxmlformats.org/markup-compatibility/2006">
+<p:sld xmlns:a="http://schemas.openxmlformats.org/drawingml/2006/main" xmlns:r="http://schemas.openxmlformats.org/officeDocument/2006/relationships" xmlns:p="http://schemas.openxmlformats.org/presentationml/2006/main">
   <p:cSld>
     <p:spTree>
       <p:nvGrpSpPr>
@@ -4173,29 +4197,30 @@
           </a:ln>
         </p:spPr>
         <p:txBody>
-          <a:bodyPr lIns="0" rIns="0" tIns="0" bIns="0" anchor="ctr"/>
-          <a:p>
-            <a:r>
-              <a:rPr b="0" lang="en-US" sz="7200" spc="-1" strike="noStrike">
-                <a:solidFill>
-                  <a:srgbClr val="ffffff"/>
-                </a:solidFill>
-                <a:uFill>
-                  <a:solidFill>
-                    <a:srgbClr val="ffffff"/>
+          <a:bodyPr lIns="0" tIns="0" rIns="0" bIns="0" anchor="ctr"/>
+          <a:lstStyle/>
+          <a:p>
+            <a:r>
+              <a:rPr lang="en-US" sz="7200" b="0" strike="noStrike" spc="-1">
+                <a:solidFill>
+                  <a:srgbClr val="FFFFFF"/>
+                </a:solidFill>
+                <a:uFill>
+                  <a:solidFill>
+                    <a:srgbClr val="FFFFFF"/>
                   </a:solidFill>
                 </a:uFill>
                 <a:latin typeface="Arial"/>
               </a:rPr>
               <a:t>Complexity </a:t>
             </a:r>
-            <a:endParaRPr b="0" lang="en-US" sz="8450" spc="-1" strike="noStrike">
-              <a:solidFill>
-                <a:srgbClr val="ffffff"/>
-              </a:solidFill>
-              <a:uFill>
-                <a:solidFill>
-                  <a:srgbClr val="ffffff"/>
+            <a:endParaRPr lang="en-US" sz="8450" b="0" strike="noStrike" spc="-1">
+              <a:solidFill>
+                <a:srgbClr val="FFFFFF"/>
+              </a:solidFill>
+              <a:uFill>
+                <a:solidFill>
+                  <a:srgbClr val="FFFFFF"/>
                 </a:solidFill>
               </a:uFill>
               <a:latin typeface="Arial"/>
@@ -4223,7 +4248,8 @@
           </a:ln>
         </p:spPr>
         <p:txBody>
-          <a:bodyPr lIns="0" rIns="0" tIns="0" bIns="0" anchor="ctr"/>
+          <a:bodyPr lIns="0" tIns="0" rIns="0" bIns="0" anchor="ctr"/>
+          <a:lstStyle/>
           <a:p>
             <a:pPr>
               <a:lnSpc>
@@ -4231,13 +4257,13 @@
               </a:lnSpc>
             </a:pPr>
             <a:r>
-              <a:rPr b="0" lang="en-US" sz="3200" spc="-1" strike="noStrike">
-                <a:solidFill>
-                  <a:srgbClr val="000000"/>
-                </a:solidFill>
-                <a:uFill>
-                  <a:solidFill>
-                    <a:srgbClr val="ffffff"/>
+              <a:rPr lang="en-US" sz="3200" b="0" strike="noStrike" spc="-1" dirty="0">
+                <a:solidFill>
+                  <a:srgbClr val="000000"/>
+                </a:solidFill>
+                <a:uFill>
+                  <a:solidFill>
+                    <a:srgbClr val="FFFFFF"/>
                   </a:solidFill>
                 </a:uFill>
                 <a:latin typeface="Arial"/>
@@ -4245,13 +4271,13 @@
               </a:rPr>
               <a:t>Trivial connection scanning: O(N^2)</a:t>
             </a:r>
-            <a:endParaRPr b="0" lang="en-US" sz="3200" spc="-1" strike="noStrike">
+            <a:endParaRPr lang="en-US" sz="3200" b="0" strike="noStrike" spc="-1" dirty="0">
               <a:solidFill>
                 <a:srgbClr val="000000"/>
               </a:solidFill>
               <a:uFill>
                 <a:solidFill>
-                  <a:srgbClr val="ffffff"/>
+                  <a:srgbClr val="FFFFFF"/>
                 </a:solidFill>
               </a:uFill>
               <a:latin typeface="Arial"/>
@@ -4264,27 +4290,57 @@
               </a:lnSpc>
             </a:pPr>
             <a:r>
-              <a:rPr b="0" lang="en-US" sz="3200" spc="-1" strike="noStrike">
-                <a:solidFill>
-                  <a:srgbClr val="000000"/>
-                </a:solidFill>
-                <a:uFill>
-                  <a:solidFill>
-                    <a:srgbClr val="ffffff"/>
-                  </a:solidFill>
-                </a:uFill>
-                <a:latin typeface="Arial"/>
-                <a:ea typeface="Droid Sans Fallback"/>
-              </a:rPr>
-              <a:t>Minimum spanning tree: O(E lgE)</a:t>
-            </a:r>
-            <a:endParaRPr b="0" lang="en-US" sz="3200" spc="-1" strike="noStrike">
+              <a:rPr lang="en-US" sz="3200" b="0" strike="noStrike" spc="-1" dirty="0">
+                <a:solidFill>
+                  <a:srgbClr val="000000"/>
+                </a:solidFill>
+                <a:uFill>
+                  <a:solidFill>
+                    <a:srgbClr val="FFFFFF"/>
+                  </a:solidFill>
+                </a:uFill>
+                <a:latin typeface="Arial"/>
+                <a:ea typeface="Droid Sans Fallback"/>
+              </a:rPr>
+              <a:t>Minimum spanning tree: O(E </a:t>
+            </a:r>
+            <a:r>
+              <a:rPr lang="en-US" sz="3200" b="0" strike="noStrike" spc="-1" dirty="0" err="1">
+                <a:solidFill>
+                  <a:srgbClr val="000000"/>
+                </a:solidFill>
+                <a:uFill>
+                  <a:solidFill>
+                    <a:srgbClr val="FFFFFF"/>
+                  </a:solidFill>
+                </a:uFill>
+                <a:latin typeface="Arial"/>
+                <a:ea typeface="Droid Sans Fallback"/>
+              </a:rPr>
+              <a:t>lgE</a:t>
+            </a:r>
+            <a:r>
+              <a:rPr lang="en-US" sz="3200" b="0" strike="noStrike" spc="-1" dirty="0">
+                <a:solidFill>
+                  <a:srgbClr val="000000"/>
+                </a:solidFill>
+                <a:uFill>
+                  <a:solidFill>
+                    <a:srgbClr val="FFFFFF"/>
+                  </a:solidFill>
+                </a:uFill>
+                <a:latin typeface="Arial"/>
+                <a:ea typeface="Droid Sans Fallback"/>
+              </a:rPr>
+              <a:t>)</a:t>
+            </a:r>
+            <a:endParaRPr lang="en-US" sz="3200" b="0" strike="noStrike" spc="-1" dirty="0">
               <a:solidFill>
                 <a:srgbClr val="000000"/>
               </a:solidFill>
               <a:uFill>
                 <a:solidFill>
-                  <a:srgbClr val="ffffff"/>
+                  <a:srgbClr val="FFFFFF"/>
                 </a:solidFill>
               </a:uFill>
               <a:latin typeface="Arial"/>
@@ -4297,27 +4353,57 @@
               </a:lnSpc>
             </a:pPr>
             <a:r>
-              <a:rPr b="0" lang="en-US" sz="3200" spc="-1" strike="noStrike">
-                <a:solidFill>
-                  <a:srgbClr val="000000"/>
-                </a:solidFill>
-                <a:uFill>
-                  <a:solidFill>
-                    <a:srgbClr val="ffffff"/>
-                  </a:solidFill>
-                </a:uFill>
-                <a:latin typeface="Arial"/>
-                <a:ea typeface="Droid Sans Fallback"/>
-              </a:rPr>
-              <a:t>Line adding: Θ(O)</a:t>
-            </a:r>
-            <a:endParaRPr b="0" lang="en-US" sz="3200" spc="-1" strike="noStrike">
+              <a:rPr lang="en-US" sz="3200" b="0" strike="noStrike" spc="-1" dirty="0">
+                <a:solidFill>
+                  <a:srgbClr val="000000"/>
+                </a:solidFill>
+                <a:uFill>
+                  <a:solidFill>
+                    <a:srgbClr val="FFFFFF"/>
+                  </a:solidFill>
+                </a:uFill>
+                <a:latin typeface="Arial"/>
+                <a:ea typeface="Droid Sans Fallback"/>
+              </a:rPr>
+              <a:t>Line adding: </a:t>
+            </a:r>
+            <a:r>
+              <a:rPr lang="en-US" sz="3200" b="0" strike="noStrike" spc="-1" dirty="0" err="1">
+                <a:solidFill>
+                  <a:srgbClr val="000000"/>
+                </a:solidFill>
+                <a:uFill>
+                  <a:solidFill>
+                    <a:srgbClr val="FFFFFF"/>
+                  </a:solidFill>
+                </a:uFill>
+                <a:latin typeface="Arial"/>
+                <a:ea typeface="Droid Sans Fallback"/>
+              </a:rPr>
+              <a:t>Θ</a:t>
+            </a:r>
+            <a:r>
+              <a:rPr lang="en-US" sz="3200" b="0" strike="noStrike" spc="-1" dirty="0">
+                <a:solidFill>
+                  <a:srgbClr val="000000"/>
+                </a:solidFill>
+                <a:uFill>
+                  <a:solidFill>
+                    <a:srgbClr val="FFFFFF"/>
+                  </a:solidFill>
+                </a:uFill>
+                <a:latin typeface="Arial"/>
+                <a:ea typeface="Droid Sans Fallback"/>
+              </a:rPr>
+              <a:t>(O)</a:t>
+            </a:r>
+            <a:endParaRPr lang="en-US" sz="3200" b="0" strike="noStrike" spc="-1" dirty="0">
               <a:solidFill>
                 <a:srgbClr val="000000"/>
               </a:solidFill>
               <a:uFill>
                 <a:solidFill>
-                  <a:srgbClr val="ffffff"/>
+                  <a:srgbClr val="FFFFFF"/>
                 </a:solidFill>
               </a:uFill>
               <a:latin typeface="Arial"/>
@@ -4330,27 +4416,72 @@
               </a:lnSpc>
             </a:pPr>
             <a:r>
-              <a:rPr b="0" lang="en-US" sz="3200" spc="-1" strike="noStrike">
-                <a:solidFill>
-                  <a:srgbClr val="000000"/>
-                </a:solidFill>
-                <a:uFill>
-                  <a:solidFill>
-                    <a:srgbClr val="ffffff"/>
-                  </a:solidFill>
-                </a:uFill>
-                <a:latin typeface="Arial"/>
-                <a:ea typeface="Droid Sans Fallback"/>
-              </a:rPr>
-              <a:t>Hadlock’s shortest path: Θ(X*Y)</a:t>
-            </a:r>
-            <a:endParaRPr b="0" lang="en-US" sz="3200" spc="-1" strike="noStrike">
+              <a:rPr lang="en-US" sz="3200" b="0" strike="noStrike" spc="-1" dirty="0" err="1">
+                <a:solidFill>
+                  <a:srgbClr val="000000"/>
+                </a:solidFill>
+                <a:uFill>
+                  <a:solidFill>
+                    <a:srgbClr val="FFFFFF"/>
+                  </a:solidFill>
+                </a:uFill>
+                <a:latin typeface="Arial"/>
+                <a:ea typeface="Droid Sans Fallback"/>
+              </a:rPr>
+              <a:t>Hadlock’s</a:t>
+            </a:r>
+            <a:r>
+              <a:rPr lang="en-US" sz="3200" b="0" strike="noStrike" spc="-1" dirty="0">
+                <a:solidFill>
+                  <a:srgbClr val="000000"/>
+                </a:solidFill>
+                <a:uFill>
+                  <a:solidFill>
+                    <a:srgbClr val="FFFFFF"/>
+                  </a:solidFill>
+                </a:uFill>
+                <a:latin typeface="Arial"/>
+                <a:ea typeface="Droid Sans Fallback"/>
+              </a:rPr>
+              <a:t> shortest path: </a:t>
+            </a:r>
+            <a:r>
+              <a:rPr lang="en-US" sz="3200" b="0" strike="noStrike" spc="-1" dirty="0" err="1">
+                <a:solidFill>
+                  <a:srgbClr val="000000"/>
+                </a:solidFill>
+                <a:uFill>
+                  <a:solidFill>
+                    <a:srgbClr val="FFFFFF"/>
+                  </a:solidFill>
+                </a:uFill>
+                <a:latin typeface="Arial"/>
+                <a:ea typeface="Droid Sans Fallback"/>
+              </a:rPr>
+              <a:t>Θ</a:t>
+            </a:r>
+            <a:r>
+              <a:rPr lang="en-US" sz="3200" b="0" strike="noStrike" spc="-1" dirty="0">
+                <a:solidFill>
+                  <a:srgbClr val="000000"/>
+                </a:solidFill>
+                <a:uFill>
+                  <a:solidFill>
+                    <a:srgbClr val="FFFFFF"/>
+                  </a:solidFill>
+                </a:uFill>
+                <a:latin typeface="Arial"/>
+                <a:ea typeface="Droid Sans Fallback"/>
+              </a:rPr>
+              <a:t>(X*Y)</a:t>
+            </a:r>
+            <a:endParaRPr lang="en-US" sz="3200" b="0" strike="noStrike" spc="-1" dirty="0">
               <a:solidFill>
                 <a:srgbClr val="000000"/>
               </a:solidFill>
               <a:uFill>
                 <a:solidFill>
-                  <a:srgbClr val="ffffff"/>
+                  <a:srgbClr val="FFFFFF"/>
                 </a:solidFill>
               </a:uFill>
               <a:latin typeface="Arial"/>
@@ -4362,13 +4493,13 @@
                 <a:spcPct val="125000"/>
               </a:lnSpc>
             </a:pPr>
-            <a:endParaRPr b="0" lang="en-US" sz="3200" spc="-1" strike="noStrike">
+            <a:endParaRPr lang="en-US" sz="3200" b="0" strike="noStrike" spc="-1" dirty="0">
               <a:solidFill>
                 <a:srgbClr val="000000"/>
               </a:solidFill>
               <a:uFill>
                 <a:solidFill>
-                  <a:srgbClr val="ffffff"/>
+                  <a:srgbClr val="FFFFFF"/>
                 </a:solidFill>
               </a:uFill>
               <a:latin typeface="Arial"/>
@@ -4378,11 +4509,14 @@
       </p:sp>
     </p:spTree>
   </p:cSld>
+  <p:clrMapOvr>
+    <a:masterClrMapping/>
+  </p:clrMapOvr>
 </p:sld>
 </file>
 
 <file path=ppt/slides/slide11.xml><?xml version="1.0" encoding="utf-8"?>
-<p:sld xmlns:a="http://schemas.openxmlformats.org/drawingml/2006/main" xmlns:p="http://schemas.openxmlformats.org/presentationml/2006/main" xmlns:r="http://schemas.openxmlformats.org/officeDocument/2006/relationships" xmlns:p14="http://schemas.microsoft.com/office/powerpoint/2010/main" xmlns:p15="http://schemas.microsoft.com/office/powerpoint/2012/main" xmlns:mc="http://schemas.openxmlformats.org/markup-compatibility/2006">
+<p:sld xmlns:a="http://schemas.openxmlformats.org/drawingml/2006/main" xmlns:r="http://schemas.openxmlformats.org/officeDocument/2006/relationships" xmlns:p="http://schemas.openxmlformats.org/presentationml/2006/main">
   <p:cSld>
     <p:spTree>
       <p:nvGrpSpPr>
@@ -4418,29 +4552,30 @@
           </a:ln>
         </p:spPr>
         <p:txBody>
-          <a:bodyPr lIns="0" rIns="0" tIns="0" bIns="0" anchor="ctr"/>
-          <a:p>
-            <a:r>
-              <a:rPr b="0" lang="en-US" sz="7200" spc="-1" strike="noStrike">
-                <a:solidFill>
-                  <a:srgbClr val="ffffff"/>
-                </a:solidFill>
-                <a:uFill>
-                  <a:solidFill>
-                    <a:srgbClr val="ffffff"/>
+          <a:bodyPr lIns="0" tIns="0" rIns="0" bIns="0" anchor="ctr"/>
+          <a:lstStyle/>
+          <a:p>
+            <a:r>
+              <a:rPr lang="en-US" sz="7200" b="0" strike="noStrike" spc="-1">
+                <a:solidFill>
+                  <a:srgbClr val="FFFFFF"/>
+                </a:solidFill>
+                <a:uFill>
+                  <a:solidFill>
+                    <a:srgbClr val="FFFFFF"/>
                   </a:solidFill>
                 </a:uFill>
                 <a:latin typeface="Arial"/>
               </a:rPr>
               <a:t>Improvement </a:t>
             </a:r>
-            <a:endParaRPr b="0" lang="en-US" sz="8450" spc="-1" strike="noStrike">
-              <a:solidFill>
-                <a:srgbClr val="ffffff"/>
-              </a:solidFill>
-              <a:uFill>
-                <a:solidFill>
-                  <a:srgbClr val="ffffff"/>
+            <a:endParaRPr lang="en-US" sz="8450" b="0" strike="noStrike" spc="-1">
+              <a:solidFill>
+                <a:srgbClr val="FFFFFF"/>
+              </a:solidFill>
+              <a:uFill>
+                <a:solidFill>
+                  <a:srgbClr val="FFFFFF"/>
                 </a:solidFill>
               </a:uFill>
               <a:latin typeface="Arial"/>
@@ -4468,15 +4603,16 @@
           </a:ln>
         </p:spPr>
         <p:txBody>
-          <a:bodyPr lIns="0" rIns="0" tIns="0" bIns="0" anchor="ctr"/>
-          <a:p>
-            <a:endParaRPr b="0" lang="en-US" sz="3200" spc="-1" strike="noStrike">
+          <a:bodyPr lIns="0" tIns="0" rIns="0" bIns="0" anchor="ctr"/>
+          <a:lstStyle/>
+          <a:p>
+            <a:endParaRPr lang="en-US" sz="3200" b="0" strike="noStrike" spc="-1">
               <a:solidFill>
                 <a:srgbClr val="000000"/>
               </a:solidFill>
               <a:uFill>
                 <a:solidFill>
-                  <a:srgbClr val="ffffff"/>
+                  <a:srgbClr val="FFFFFF"/>
                 </a:solidFill>
               </a:uFill>
               <a:latin typeface="Arial"/>
@@ -4486,11 +4622,14 @@
       </p:sp>
     </p:spTree>
   </p:cSld>
+  <p:clrMapOvr>
+    <a:masterClrMapping/>
+  </p:clrMapOvr>
 </p:sld>
 </file>
 
 <file path=ppt/slides/slide12.xml><?xml version="1.0" encoding="utf-8"?>
-<p:sld xmlns:a="http://schemas.openxmlformats.org/drawingml/2006/main" xmlns:p="http://schemas.openxmlformats.org/presentationml/2006/main" xmlns:r="http://schemas.openxmlformats.org/officeDocument/2006/relationships" xmlns:p14="http://schemas.microsoft.com/office/powerpoint/2010/main" xmlns:p15="http://schemas.microsoft.com/office/powerpoint/2012/main" xmlns:mc="http://schemas.openxmlformats.org/markup-compatibility/2006">
+<p:sld xmlns:a="http://schemas.openxmlformats.org/drawingml/2006/main" xmlns:r="http://schemas.openxmlformats.org/officeDocument/2006/relationships" xmlns:p="http://schemas.openxmlformats.org/presentationml/2006/main">
   <p:cSld>
     <p:spTree>
       <p:nvGrpSpPr>
@@ -4526,29 +4665,30 @@
           </a:ln>
         </p:spPr>
         <p:txBody>
-          <a:bodyPr lIns="0" rIns="0" tIns="0" bIns="0" anchor="ctr"/>
-          <a:p>
-            <a:r>
-              <a:rPr b="0" lang="en-US" sz="7200" spc="-1" strike="noStrike">
-                <a:solidFill>
-                  <a:srgbClr val="ffffff"/>
-                </a:solidFill>
-                <a:uFill>
-                  <a:solidFill>
-                    <a:srgbClr val="ffffff"/>
+          <a:bodyPr lIns="0" tIns="0" rIns="0" bIns="0" anchor="ctr"/>
+          <a:lstStyle/>
+          <a:p>
+            <a:r>
+              <a:rPr lang="en-US" sz="7200" b="0" strike="noStrike" spc="-1">
+                <a:solidFill>
+                  <a:srgbClr val="FFFFFF"/>
+                </a:solidFill>
+                <a:uFill>
+                  <a:solidFill>
+                    <a:srgbClr val="FFFFFF"/>
                   </a:solidFill>
                 </a:uFill>
                 <a:latin typeface="Arial"/>
               </a:rPr>
               <a:t>Result </a:t>
             </a:r>
-            <a:endParaRPr b="0" lang="en-US" sz="8450" spc="-1" strike="noStrike">
-              <a:solidFill>
-                <a:srgbClr val="ffffff"/>
-              </a:solidFill>
-              <a:uFill>
-                <a:solidFill>
-                  <a:srgbClr val="ffffff"/>
+            <a:endParaRPr lang="en-US" sz="8450" b="0" strike="noStrike" spc="-1">
+              <a:solidFill>
+                <a:srgbClr val="FFFFFF"/>
+              </a:solidFill>
+              <a:uFill>
+                <a:solidFill>
+                  <a:srgbClr val="FFFFFF"/>
                 </a:solidFill>
               </a:uFill>
               <a:latin typeface="Arial"/>
@@ -4576,15 +4716,2190 @@
           </a:ln>
         </p:spPr>
         <p:txBody>
-          <a:bodyPr lIns="0" rIns="0" tIns="0" bIns="0" anchor="ctr"/>
-          <a:p>
-            <a:endParaRPr b="0" lang="en-US" sz="3200" spc="-1" strike="noStrike">
+          <a:bodyPr lIns="0" tIns="0" rIns="0" bIns="0" anchor="ctr"/>
+          <a:lstStyle/>
+          <a:p>
+            <a:endParaRPr lang="en-US" sz="3200" b="0" strike="noStrike" spc="-1">
               <a:solidFill>
                 <a:srgbClr val="000000"/>
               </a:solidFill>
               <a:uFill>
                 <a:solidFill>
-                  <a:srgbClr val="ffffff"/>
+                  <a:srgbClr val="FFFFFF"/>
+                </a:solidFill>
+              </a:uFill>
+              <a:latin typeface="Arial"/>
+            </a:endParaRPr>
+          </a:p>
+        </p:txBody>
+      </p:sp>
+      <p:sp>
+        <p:nvSpPr>
+          <p:cNvPr id="4" name="TextShape 2"/>
+          <p:cNvSpPr txBox="1"/>
+          <p:nvPr/>
+        </p:nvSpPr>
+        <p:spPr>
+          <a:xfrm>
+            <a:off x="328553" y="2308080"/>
+            <a:ext cx="5455096" cy="4384440"/>
+          </a:xfrm>
+          <a:prstGeom prst="rect">
+            <a:avLst/>
+          </a:prstGeom>
+          <a:noFill/>
+          <a:ln>
+            <a:noFill/>
+          </a:ln>
+        </p:spPr>
+        <p:txBody>
+          <a:bodyPr lIns="0" tIns="0" rIns="0" bIns="0" anchor="ctr"/>
+          <a:lstStyle/>
+          <a:p>
+            <a:pPr>
+              <a:lnSpc>
+                <a:spcPct val="125000"/>
+              </a:lnSpc>
+            </a:pPr>
+            <a:r>
+              <a:rPr lang="en-US" altLang="zh-TW" sz="2400" b="0" strike="noStrike" spc="-1" dirty="0" smtClean="0">
+                <a:solidFill>
+                  <a:srgbClr val="000000"/>
+                </a:solidFill>
+                <a:uFill>
+                  <a:solidFill>
+                    <a:srgbClr val="FFFFFF"/>
+                  </a:solidFill>
+                </a:uFill>
+                <a:latin typeface="Arial"/>
+                <a:ea typeface="Droid Sans Fallback"/>
+              </a:rPr>
+              <a:t>Benchmark/case1</a:t>
+            </a:r>
+          </a:p>
+          <a:p>
+            <a:pPr>
+              <a:lnSpc>
+                <a:spcPct val="125000"/>
+              </a:lnSpc>
+            </a:pPr>
+            <a:r>
+              <a:rPr lang="en-US" altLang="zh-TW" sz="2400" spc="-1" dirty="0" smtClean="0">
+                <a:solidFill>
+                  <a:srgbClr val="000000"/>
+                </a:solidFill>
+                <a:uFill>
+                  <a:solidFill>
+                    <a:srgbClr val="FFFFFF"/>
+                  </a:solidFill>
+                </a:uFill>
+                <a:latin typeface="Arial"/>
+                <a:ea typeface="Droid Sans Fallback"/>
+              </a:rPr>
+              <a:t>#Shape=1503,</a:t>
+            </a:r>
+            <a:r>
+              <a:rPr lang="zh-TW" altLang="en-US" sz="2400" spc="-1" dirty="0" smtClean="0">
+                <a:solidFill>
+                  <a:srgbClr val="000000"/>
+                </a:solidFill>
+                <a:uFill>
+                  <a:solidFill>
+                    <a:srgbClr val="FFFFFF"/>
+                  </a:solidFill>
+                </a:uFill>
+                <a:latin typeface="Arial"/>
+                <a:ea typeface="Droid Sans Fallback"/>
+              </a:rPr>
+              <a:t> </a:t>
+            </a:r>
+            <a:r>
+              <a:rPr lang="en-US" altLang="zh-TW" sz="2400" spc="-1" dirty="0" smtClean="0">
+                <a:solidFill>
+                  <a:srgbClr val="000000"/>
+                </a:solidFill>
+                <a:uFill>
+                  <a:solidFill>
+                    <a:srgbClr val="FFFFFF"/>
+                  </a:solidFill>
+                </a:uFill>
+                <a:latin typeface="Arial"/>
+                <a:ea typeface="Droid Sans Fallback"/>
+              </a:rPr>
+              <a:t>#Obstacle=414</a:t>
+            </a:r>
+          </a:p>
+          <a:p>
+            <a:pPr>
+              <a:lnSpc>
+                <a:spcPct val="125000"/>
+              </a:lnSpc>
+            </a:pPr>
+            <a:r>
+              <a:rPr lang="en-US" altLang="zh-TW" sz="2400" b="0" strike="noStrike" spc="-1" dirty="0" smtClean="0">
+                <a:solidFill>
+                  <a:srgbClr val="000000"/>
+                </a:solidFill>
+                <a:uFill>
+                  <a:solidFill>
+                    <a:srgbClr val="FFFFFF"/>
+                  </a:solidFill>
+                </a:uFill>
+                <a:latin typeface="Arial"/>
+                <a:ea typeface="Droid Sans Fallback"/>
+              </a:rPr>
+              <a:t>Layer1:</a:t>
+            </a:r>
+            <a:r>
+              <a:rPr lang="zh-TW" altLang="en-US" sz="2400" b="0" strike="noStrike" spc="-1" dirty="0" smtClean="0">
+                <a:solidFill>
+                  <a:srgbClr val="000000"/>
+                </a:solidFill>
+                <a:uFill>
+                  <a:solidFill>
+                    <a:srgbClr val="FFFFFF"/>
+                  </a:solidFill>
+                </a:uFill>
+                <a:latin typeface="Arial"/>
+                <a:ea typeface="Droid Sans Fallback"/>
+              </a:rPr>
+              <a:t> </a:t>
+            </a:r>
+            <a:r>
+              <a:rPr lang="en-US" altLang="zh-TW" sz="2400" b="0" strike="noStrike" spc="-1" dirty="0" smtClean="0">
+                <a:solidFill>
+                  <a:srgbClr val="000000"/>
+                </a:solidFill>
+                <a:uFill>
+                  <a:solidFill>
+                    <a:srgbClr val="FFFFFF"/>
+                  </a:solidFill>
+                </a:uFill>
+                <a:latin typeface="Arial"/>
+                <a:ea typeface="Droid Sans Fallback"/>
+              </a:rPr>
+              <a:t>E=7300,</a:t>
+            </a:r>
+            <a:r>
+              <a:rPr lang="zh-TW" altLang="en-US" sz="2400" b="0" strike="noStrike" spc="-1" dirty="0" smtClean="0">
+                <a:solidFill>
+                  <a:srgbClr val="000000"/>
+                </a:solidFill>
+                <a:uFill>
+                  <a:solidFill>
+                    <a:srgbClr val="FFFFFF"/>
+                  </a:solidFill>
+                </a:uFill>
+                <a:latin typeface="Arial"/>
+                <a:ea typeface="Droid Sans Fallback"/>
+              </a:rPr>
+              <a:t> </a:t>
+            </a:r>
+            <a:r>
+              <a:rPr lang="en-US" altLang="zh-TW" sz="2400" spc="-1" dirty="0" smtClean="0">
+                <a:solidFill>
+                  <a:srgbClr val="000000"/>
+                </a:solidFill>
+                <a:uFill>
+                  <a:solidFill>
+                    <a:srgbClr val="FFFFFF"/>
+                  </a:solidFill>
+                </a:uFill>
+                <a:latin typeface="Arial"/>
+                <a:ea typeface="Droid Sans Fallback"/>
+              </a:rPr>
+              <a:t>V=550,</a:t>
+            </a:r>
+            <a:r>
+              <a:rPr lang="zh-TW" altLang="en-US" sz="2400" spc="-1" dirty="0" smtClean="0">
+                <a:solidFill>
+                  <a:srgbClr val="000000"/>
+                </a:solidFill>
+                <a:uFill>
+                  <a:solidFill>
+                    <a:srgbClr val="FFFFFF"/>
+                  </a:solidFill>
+                </a:uFill>
+                <a:latin typeface="Arial"/>
+                <a:ea typeface="Droid Sans Fallback"/>
+              </a:rPr>
+              <a:t> </a:t>
+            </a:r>
+            <a:r>
+              <a:rPr lang="en-US" altLang="zh-TW" sz="2400" spc="-1" dirty="0" smtClean="0">
+                <a:solidFill>
+                  <a:srgbClr val="000000"/>
+                </a:solidFill>
+                <a:uFill>
+                  <a:solidFill>
+                    <a:srgbClr val="FFFFFF"/>
+                  </a:solidFill>
+                </a:uFill>
+                <a:latin typeface="Arial"/>
+                <a:ea typeface="Droid Sans Fallback"/>
+              </a:rPr>
+              <a:t>one</a:t>
+            </a:r>
+            <a:r>
+              <a:rPr lang="zh-TW" altLang="en-US" sz="2400" spc="-1" dirty="0" smtClean="0">
+                <a:solidFill>
+                  <a:srgbClr val="000000"/>
+                </a:solidFill>
+                <a:uFill>
+                  <a:solidFill>
+                    <a:srgbClr val="FFFFFF"/>
+                  </a:solidFill>
+                </a:uFill>
+                <a:latin typeface="Arial"/>
+                <a:ea typeface="Droid Sans Fallback"/>
+              </a:rPr>
+              <a:t> </a:t>
+            </a:r>
+            <a:r>
+              <a:rPr lang="en-US" altLang="zh-TW" sz="2400" spc="-1" dirty="0" smtClean="0">
+                <a:solidFill>
+                  <a:srgbClr val="000000"/>
+                </a:solidFill>
+                <a:uFill>
+                  <a:solidFill>
+                    <a:srgbClr val="FFFFFF"/>
+                  </a:solidFill>
+                </a:uFill>
+                <a:latin typeface="Arial"/>
+                <a:ea typeface="Droid Sans Fallback"/>
+              </a:rPr>
+              <a:t>MST</a:t>
+            </a:r>
+          </a:p>
+          <a:p>
+            <a:pPr>
+              <a:lnSpc>
+                <a:spcPct val="125000"/>
+              </a:lnSpc>
+            </a:pPr>
+            <a:r>
+              <a:rPr lang="en-US" altLang="zh-TW" sz="2400" b="0" strike="noStrike" spc="-1" dirty="0" smtClean="0">
+                <a:solidFill>
+                  <a:srgbClr val="000000"/>
+                </a:solidFill>
+                <a:uFill>
+                  <a:solidFill>
+                    <a:srgbClr val="FFFFFF"/>
+                  </a:solidFill>
+                </a:uFill>
+                <a:latin typeface="Arial"/>
+                <a:ea typeface="Droid Sans Fallback"/>
+              </a:rPr>
+              <a:t>Layer2:</a:t>
+            </a:r>
+            <a:r>
+              <a:rPr lang="zh-TW" altLang="en-US" sz="2400" b="0" strike="noStrike" spc="-1" dirty="0" smtClean="0">
+                <a:solidFill>
+                  <a:srgbClr val="000000"/>
+                </a:solidFill>
+                <a:uFill>
+                  <a:solidFill>
+                    <a:srgbClr val="FFFFFF"/>
+                  </a:solidFill>
+                </a:uFill>
+                <a:latin typeface="Arial"/>
+                <a:ea typeface="Droid Sans Fallback"/>
+              </a:rPr>
+              <a:t> </a:t>
+            </a:r>
+            <a:r>
+              <a:rPr lang="en-US" altLang="zh-TW" sz="2400" b="0" strike="noStrike" spc="-1" dirty="0" smtClean="0">
+                <a:solidFill>
+                  <a:srgbClr val="000000"/>
+                </a:solidFill>
+                <a:uFill>
+                  <a:solidFill>
+                    <a:srgbClr val="FFFFFF"/>
+                  </a:solidFill>
+                </a:uFill>
+                <a:latin typeface="Arial"/>
+                <a:ea typeface="Droid Sans Fallback"/>
+              </a:rPr>
+              <a:t>E=2723,</a:t>
+            </a:r>
+            <a:r>
+              <a:rPr lang="zh-TW" altLang="en-US" sz="2400" b="0" strike="noStrike" spc="-1" dirty="0" smtClean="0">
+                <a:solidFill>
+                  <a:srgbClr val="000000"/>
+                </a:solidFill>
+                <a:uFill>
+                  <a:solidFill>
+                    <a:srgbClr val="FFFFFF"/>
+                  </a:solidFill>
+                </a:uFill>
+                <a:latin typeface="Arial"/>
+                <a:ea typeface="Droid Sans Fallback"/>
+              </a:rPr>
+              <a:t> </a:t>
+            </a:r>
+            <a:r>
+              <a:rPr lang="en-US" altLang="zh-TW" sz="2400" b="0" strike="noStrike" spc="-1" dirty="0" smtClean="0">
+                <a:solidFill>
+                  <a:srgbClr val="000000"/>
+                </a:solidFill>
+                <a:uFill>
+                  <a:solidFill>
+                    <a:srgbClr val="FFFFFF"/>
+                  </a:solidFill>
+                </a:uFill>
+                <a:latin typeface="Arial"/>
+                <a:ea typeface="Droid Sans Fallback"/>
+              </a:rPr>
+              <a:t>V=241,</a:t>
+            </a:r>
+            <a:r>
+              <a:rPr lang="zh-TW" altLang="en-US" sz="2400" b="0" strike="noStrike" spc="-1" dirty="0" smtClean="0">
+                <a:solidFill>
+                  <a:srgbClr val="000000"/>
+                </a:solidFill>
+                <a:uFill>
+                  <a:solidFill>
+                    <a:srgbClr val="FFFFFF"/>
+                  </a:solidFill>
+                </a:uFill>
+                <a:latin typeface="Arial"/>
+                <a:ea typeface="Droid Sans Fallback"/>
+              </a:rPr>
+              <a:t> </a:t>
+            </a:r>
+            <a:r>
+              <a:rPr lang="en-US" altLang="zh-TW" sz="2400" b="0" strike="noStrike" spc="-1" dirty="0" smtClean="0">
+                <a:solidFill>
+                  <a:srgbClr val="000000"/>
+                </a:solidFill>
+                <a:uFill>
+                  <a:solidFill>
+                    <a:srgbClr val="FFFFFF"/>
+                  </a:solidFill>
+                </a:uFill>
+                <a:latin typeface="Arial"/>
+                <a:ea typeface="Droid Sans Fallback"/>
+              </a:rPr>
+              <a:t>one</a:t>
+            </a:r>
+            <a:r>
+              <a:rPr lang="zh-TW" altLang="en-US" sz="2400" b="0" strike="noStrike" spc="-1" dirty="0" smtClean="0">
+                <a:solidFill>
+                  <a:srgbClr val="000000"/>
+                </a:solidFill>
+                <a:uFill>
+                  <a:solidFill>
+                    <a:srgbClr val="FFFFFF"/>
+                  </a:solidFill>
+                </a:uFill>
+                <a:latin typeface="Arial"/>
+                <a:ea typeface="Droid Sans Fallback"/>
+              </a:rPr>
+              <a:t> </a:t>
+            </a:r>
+            <a:r>
+              <a:rPr lang="en-US" altLang="zh-TW" sz="2400" spc="-1" dirty="0" smtClean="0">
+                <a:solidFill>
+                  <a:srgbClr val="000000"/>
+                </a:solidFill>
+                <a:uFill>
+                  <a:solidFill>
+                    <a:srgbClr val="FFFFFF"/>
+                  </a:solidFill>
+                </a:uFill>
+                <a:latin typeface="Arial"/>
+                <a:ea typeface="Droid Sans Fallback"/>
+              </a:rPr>
+              <a:t>MST</a:t>
+            </a:r>
+            <a:endParaRPr lang="en-US" altLang="zh-TW" sz="2400" b="0" strike="noStrike" spc="-1" dirty="0" smtClean="0">
+              <a:solidFill>
+                <a:srgbClr val="000000"/>
+              </a:solidFill>
+              <a:uFill>
+                <a:solidFill>
+                  <a:srgbClr val="FFFFFF"/>
+                </a:solidFill>
+              </a:uFill>
+              <a:latin typeface="Arial"/>
+              <a:ea typeface="Droid Sans Fallback"/>
+            </a:endParaRPr>
+          </a:p>
+          <a:p>
+            <a:pPr>
+              <a:lnSpc>
+                <a:spcPct val="125000"/>
+              </a:lnSpc>
+            </a:pPr>
+            <a:r>
+              <a:rPr lang="en-US" altLang="zh-TW" sz="2400" spc="-1" dirty="0" smtClean="0">
+                <a:solidFill>
+                  <a:srgbClr val="000000"/>
+                </a:solidFill>
+                <a:uFill>
+                  <a:solidFill>
+                    <a:srgbClr val="FFFFFF"/>
+                  </a:solidFill>
+                </a:uFill>
+                <a:latin typeface="Arial"/>
+                <a:ea typeface="Droid Sans Fallback"/>
+              </a:rPr>
+              <a:t>Layer3:</a:t>
+            </a:r>
+            <a:r>
+              <a:rPr lang="zh-TW" altLang="en-US" sz="2400" spc="-1" dirty="0" smtClean="0">
+                <a:solidFill>
+                  <a:srgbClr val="000000"/>
+                </a:solidFill>
+                <a:uFill>
+                  <a:solidFill>
+                    <a:srgbClr val="FFFFFF"/>
+                  </a:solidFill>
+                </a:uFill>
+                <a:latin typeface="Arial"/>
+                <a:ea typeface="Droid Sans Fallback"/>
+              </a:rPr>
+              <a:t> </a:t>
+            </a:r>
+            <a:r>
+              <a:rPr lang="en-US" altLang="zh-TW" sz="2400" spc="-1" dirty="0" smtClean="0">
+                <a:solidFill>
+                  <a:srgbClr val="000000"/>
+                </a:solidFill>
+                <a:uFill>
+                  <a:solidFill>
+                    <a:srgbClr val="FFFFFF"/>
+                  </a:solidFill>
+                </a:uFill>
+                <a:latin typeface="Arial"/>
+                <a:ea typeface="Droid Sans Fallback"/>
+              </a:rPr>
+              <a:t>E=9951,</a:t>
+            </a:r>
+            <a:r>
+              <a:rPr lang="zh-TW" altLang="en-US" sz="2400" spc="-1" dirty="0" smtClean="0">
+                <a:solidFill>
+                  <a:srgbClr val="000000"/>
+                </a:solidFill>
+                <a:uFill>
+                  <a:solidFill>
+                    <a:srgbClr val="FFFFFF"/>
+                  </a:solidFill>
+                </a:uFill>
+                <a:latin typeface="Arial"/>
+                <a:ea typeface="Droid Sans Fallback"/>
+              </a:rPr>
+              <a:t> </a:t>
+            </a:r>
+            <a:r>
+              <a:rPr lang="en-US" altLang="zh-TW" sz="2400" spc="-1" dirty="0" smtClean="0">
+                <a:solidFill>
+                  <a:srgbClr val="000000"/>
+                </a:solidFill>
+                <a:uFill>
+                  <a:solidFill>
+                    <a:srgbClr val="FFFFFF"/>
+                  </a:solidFill>
+                </a:uFill>
+                <a:latin typeface="Arial"/>
+                <a:ea typeface="Droid Sans Fallback"/>
+              </a:rPr>
+              <a:t>V=712,</a:t>
+            </a:r>
+            <a:r>
+              <a:rPr lang="zh-TW" altLang="en-US" sz="2400" spc="-1" dirty="0" smtClean="0">
+                <a:solidFill>
+                  <a:srgbClr val="000000"/>
+                </a:solidFill>
+                <a:uFill>
+                  <a:solidFill>
+                    <a:srgbClr val="FFFFFF"/>
+                  </a:solidFill>
+                </a:uFill>
+                <a:latin typeface="Arial"/>
+                <a:ea typeface="Droid Sans Fallback"/>
+              </a:rPr>
+              <a:t> </a:t>
+            </a:r>
+            <a:r>
+              <a:rPr lang="en-US" altLang="zh-TW" sz="2400" spc="-1" dirty="0" smtClean="0">
+                <a:solidFill>
+                  <a:srgbClr val="000000"/>
+                </a:solidFill>
+                <a:uFill>
+                  <a:solidFill>
+                    <a:srgbClr val="FFFFFF"/>
+                  </a:solidFill>
+                </a:uFill>
+                <a:latin typeface="Arial"/>
+                <a:ea typeface="Droid Sans Fallback"/>
+              </a:rPr>
+              <a:t>one</a:t>
+            </a:r>
+            <a:r>
+              <a:rPr lang="zh-TW" altLang="en-US" sz="2400" spc="-1" dirty="0" smtClean="0">
+                <a:solidFill>
+                  <a:srgbClr val="000000"/>
+                </a:solidFill>
+                <a:uFill>
+                  <a:solidFill>
+                    <a:srgbClr val="FFFFFF"/>
+                  </a:solidFill>
+                </a:uFill>
+                <a:latin typeface="Arial"/>
+                <a:ea typeface="Droid Sans Fallback"/>
+              </a:rPr>
+              <a:t> </a:t>
+            </a:r>
+            <a:r>
+              <a:rPr lang="en-US" altLang="zh-TW" sz="2400" spc="-1" dirty="0" smtClean="0">
+                <a:solidFill>
+                  <a:srgbClr val="000000"/>
+                </a:solidFill>
+                <a:uFill>
+                  <a:solidFill>
+                    <a:srgbClr val="FFFFFF"/>
+                  </a:solidFill>
+                </a:uFill>
+                <a:latin typeface="Arial"/>
+                <a:ea typeface="Droid Sans Fallback"/>
+              </a:rPr>
+              <a:t>MST</a:t>
+            </a:r>
+          </a:p>
+          <a:p>
+            <a:pPr>
+              <a:lnSpc>
+                <a:spcPct val="125000"/>
+              </a:lnSpc>
+            </a:pPr>
+            <a:r>
+              <a:rPr lang="en-US" altLang="zh-TW" sz="2400" b="0" strike="noStrike" spc="-1" dirty="0" smtClean="0">
+                <a:solidFill>
+                  <a:srgbClr val="000000"/>
+                </a:solidFill>
+                <a:uFill>
+                  <a:solidFill>
+                    <a:srgbClr val="FFFFFF"/>
+                  </a:solidFill>
+                </a:uFill>
+                <a:latin typeface="Arial"/>
+              </a:rPr>
+              <a:t>#Shape</a:t>
+            </a:r>
+            <a:r>
+              <a:rPr lang="zh-TW" altLang="en-US" sz="2400" b="0" strike="noStrike" spc="-1" dirty="0" smtClean="0">
+                <a:solidFill>
+                  <a:srgbClr val="000000"/>
+                </a:solidFill>
+                <a:uFill>
+                  <a:solidFill>
+                    <a:srgbClr val="FFFFFF"/>
+                  </a:solidFill>
+                </a:uFill>
+                <a:latin typeface="Arial"/>
+              </a:rPr>
+              <a:t> </a:t>
+            </a:r>
+            <a:r>
+              <a:rPr lang="en-US" altLang="zh-TW" sz="2400" b="0" strike="noStrike" spc="-1" dirty="0" smtClean="0">
+                <a:solidFill>
+                  <a:srgbClr val="000000"/>
+                </a:solidFill>
+                <a:uFill>
+                  <a:solidFill>
+                    <a:srgbClr val="FFFFFF"/>
+                  </a:solidFill>
+                </a:uFill>
+                <a:latin typeface="Arial"/>
+              </a:rPr>
+              <a:t>not</a:t>
+            </a:r>
+            <a:r>
+              <a:rPr lang="zh-TW" altLang="en-US" sz="2400" b="0" strike="noStrike" spc="-1" dirty="0" smtClean="0">
+                <a:solidFill>
+                  <a:srgbClr val="000000"/>
+                </a:solidFill>
+                <a:uFill>
+                  <a:solidFill>
+                    <a:srgbClr val="FFFFFF"/>
+                  </a:solidFill>
+                </a:uFill>
+                <a:latin typeface="Arial"/>
+              </a:rPr>
+              <a:t> </a:t>
+            </a:r>
+            <a:r>
+              <a:rPr lang="en-US" altLang="zh-TW" sz="2400" b="0" strike="noStrike" spc="-1" dirty="0" smtClean="0">
+                <a:solidFill>
+                  <a:srgbClr val="000000"/>
+                </a:solidFill>
+                <a:uFill>
+                  <a:solidFill>
+                    <a:srgbClr val="FFFFFF"/>
+                  </a:solidFill>
+                </a:uFill>
+                <a:latin typeface="Arial"/>
+              </a:rPr>
+              <a:t>in</a:t>
+            </a:r>
+            <a:r>
+              <a:rPr lang="zh-TW" altLang="en-US" sz="2400" b="0" strike="noStrike" spc="-1" dirty="0" smtClean="0">
+                <a:solidFill>
+                  <a:srgbClr val="000000"/>
+                </a:solidFill>
+                <a:uFill>
+                  <a:solidFill>
+                    <a:srgbClr val="FFFFFF"/>
+                  </a:solidFill>
+                </a:uFill>
+                <a:latin typeface="Arial"/>
+              </a:rPr>
+              <a:t> </a:t>
+            </a:r>
+            <a:r>
+              <a:rPr lang="en-US" altLang="zh-TW" sz="2400" spc="-1" dirty="0" smtClean="0">
+                <a:solidFill>
+                  <a:srgbClr val="000000"/>
+                </a:solidFill>
+                <a:uFill>
+                  <a:solidFill>
+                    <a:srgbClr val="FFFFFF"/>
+                  </a:solidFill>
+                </a:uFill>
+                <a:latin typeface="Arial"/>
+              </a:rPr>
+              <a:t>Graph=0</a:t>
+            </a:r>
+            <a:endParaRPr lang="en-US" sz="2400" b="0" strike="noStrike" spc="-1" dirty="0" smtClean="0">
+              <a:solidFill>
+                <a:srgbClr val="000000"/>
+              </a:solidFill>
+              <a:uFill>
+                <a:solidFill>
+                  <a:srgbClr val="FFFFFF"/>
+                </a:solidFill>
+              </a:uFill>
+              <a:latin typeface="Arial"/>
+            </a:endParaRPr>
+          </a:p>
+        </p:txBody>
+      </p:sp>
+      <p:sp>
+        <p:nvSpPr>
+          <p:cNvPr id="5" name="TextShape 2"/>
+          <p:cNvSpPr txBox="1"/>
+          <p:nvPr/>
+        </p:nvSpPr>
+        <p:spPr>
+          <a:xfrm>
+            <a:off x="5391120" y="2460480"/>
+            <a:ext cx="4545772" cy="4384440"/>
+          </a:xfrm>
+          <a:prstGeom prst="rect">
+            <a:avLst/>
+          </a:prstGeom>
+          <a:noFill/>
+          <a:ln>
+            <a:noFill/>
+          </a:ln>
+        </p:spPr>
+        <p:txBody>
+          <a:bodyPr lIns="0" tIns="0" rIns="0" bIns="0" anchor="ctr"/>
+          <a:lstStyle/>
+          <a:p>
+            <a:pPr>
+              <a:lnSpc>
+                <a:spcPct val="125000"/>
+              </a:lnSpc>
+            </a:pPr>
+            <a:r>
+              <a:rPr lang="en-US" altLang="zh-TW" sz="2000" spc="-1" dirty="0" smtClean="0">
+                <a:solidFill>
+                  <a:srgbClr val="000000"/>
+                </a:solidFill>
+                <a:uFill>
+                  <a:solidFill>
+                    <a:srgbClr val="FFFFFF"/>
+                  </a:solidFill>
+                </a:uFill>
+                <a:ea typeface="Droid Sans Fallback"/>
+              </a:rPr>
+              <a:t>Benchmark</a:t>
+            </a:r>
+            <a:r>
+              <a:rPr lang="en-US" altLang="zh-TW" sz="2000" spc="-1" dirty="0">
+                <a:solidFill>
+                  <a:srgbClr val="000000"/>
+                </a:solidFill>
+                <a:uFill>
+                  <a:solidFill>
+                    <a:srgbClr val="FFFFFF"/>
+                  </a:solidFill>
+                </a:uFill>
+                <a:ea typeface="Droid Sans Fallback"/>
+              </a:rPr>
+              <a:t>/</a:t>
+            </a:r>
+            <a:r>
+              <a:rPr lang="en-US" altLang="zh-TW" sz="2000" spc="-1" dirty="0" smtClean="0">
+                <a:solidFill>
+                  <a:srgbClr val="000000"/>
+                </a:solidFill>
+                <a:uFill>
+                  <a:solidFill>
+                    <a:srgbClr val="FFFFFF"/>
+                  </a:solidFill>
+                </a:uFill>
+                <a:ea typeface="Droid Sans Fallback"/>
+              </a:rPr>
+              <a:t>case</a:t>
+            </a:r>
+            <a:r>
+              <a:rPr lang="en-US" altLang="zh-TW" sz="2000" spc="-1" dirty="0" smtClean="0">
+                <a:solidFill>
+                  <a:srgbClr val="000000"/>
+                </a:solidFill>
+                <a:uFill>
+                  <a:solidFill>
+                    <a:srgbClr val="FFFFFF"/>
+                  </a:solidFill>
+                </a:uFill>
+                <a:ea typeface="Droid Sans Fallback"/>
+              </a:rPr>
+              <a:t>2</a:t>
+            </a:r>
+            <a:endParaRPr lang="en-US" altLang="zh-TW" sz="2000" spc="-1" dirty="0">
+              <a:solidFill>
+                <a:srgbClr val="000000"/>
+              </a:solidFill>
+              <a:uFill>
+                <a:solidFill>
+                  <a:srgbClr val="FFFFFF"/>
+                </a:solidFill>
+              </a:uFill>
+              <a:ea typeface="Droid Sans Fallback"/>
+            </a:endParaRPr>
+          </a:p>
+          <a:p>
+            <a:pPr>
+              <a:lnSpc>
+                <a:spcPct val="125000"/>
+              </a:lnSpc>
+            </a:pPr>
+            <a:r>
+              <a:rPr lang="en-US" altLang="zh-TW" sz="2000" spc="-1" dirty="0">
+                <a:solidFill>
+                  <a:srgbClr val="000000"/>
+                </a:solidFill>
+                <a:uFill>
+                  <a:solidFill>
+                    <a:srgbClr val="FFFFFF"/>
+                  </a:solidFill>
+                </a:uFill>
+                <a:ea typeface="Droid Sans Fallback"/>
+              </a:rPr>
+              <a:t>#Shape</a:t>
+            </a:r>
+            <a:r>
+              <a:rPr lang="en-US" altLang="zh-TW" sz="2000" spc="-1" dirty="0" smtClean="0">
+                <a:solidFill>
+                  <a:srgbClr val="000000"/>
+                </a:solidFill>
+                <a:uFill>
+                  <a:solidFill>
+                    <a:srgbClr val="FFFFFF"/>
+                  </a:solidFill>
+                </a:uFill>
+                <a:ea typeface="Droid Sans Fallback"/>
+              </a:rPr>
+              <a:t>=</a:t>
+            </a:r>
+            <a:r>
+              <a:rPr lang="en-US" altLang="zh-TW" sz="2000" spc="-1" dirty="0" smtClean="0">
+                <a:solidFill>
+                  <a:srgbClr val="000000"/>
+                </a:solidFill>
+                <a:uFill>
+                  <a:solidFill>
+                    <a:srgbClr val="FFFFFF"/>
+                  </a:solidFill>
+                </a:uFill>
+                <a:ea typeface="Droid Sans Fallback"/>
+              </a:rPr>
+              <a:t>4518</a:t>
+            </a:r>
+            <a:r>
+              <a:rPr lang="en-US" altLang="zh-TW" sz="2000" spc="-1" dirty="0" smtClean="0">
+                <a:solidFill>
+                  <a:srgbClr val="000000"/>
+                </a:solidFill>
+                <a:uFill>
+                  <a:solidFill>
+                    <a:srgbClr val="FFFFFF"/>
+                  </a:solidFill>
+                </a:uFill>
+                <a:ea typeface="Droid Sans Fallback"/>
+              </a:rPr>
+              <a:t>,</a:t>
+            </a:r>
+            <a:r>
+              <a:rPr lang="zh-TW" altLang="en-US" sz="2000" spc="-1" dirty="0" smtClean="0">
+                <a:solidFill>
+                  <a:srgbClr val="000000"/>
+                </a:solidFill>
+                <a:uFill>
+                  <a:solidFill>
+                    <a:srgbClr val="FFFFFF"/>
+                  </a:solidFill>
+                </a:uFill>
+                <a:ea typeface="Droid Sans Fallback"/>
+              </a:rPr>
+              <a:t> </a:t>
+            </a:r>
+            <a:r>
+              <a:rPr lang="en-US" altLang="zh-TW" sz="2000" spc="-1" dirty="0">
+                <a:solidFill>
+                  <a:srgbClr val="000000"/>
+                </a:solidFill>
+                <a:uFill>
+                  <a:solidFill>
+                    <a:srgbClr val="FFFFFF"/>
+                  </a:solidFill>
+                </a:uFill>
+                <a:ea typeface="Droid Sans Fallback"/>
+              </a:rPr>
+              <a:t>#Obstacle</a:t>
+            </a:r>
+            <a:r>
+              <a:rPr lang="en-US" altLang="zh-TW" sz="2000" spc="-1" dirty="0" smtClean="0">
+                <a:solidFill>
+                  <a:srgbClr val="000000"/>
+                </a:solidFill>
+                <a:uFill>
+                  <a:solidFill>
+                    <a:srgbClr val="FFFFFF"/>
+                  </a:solidFill>
+                </a:uFill>
+                <a:ea typeface="Droid Sans Fallback"/>
+              </a:rPr>
+              <a:t>=</a:t>
+            </a:r>
+            <a:r>
+              <a:rPr lang="en-US" altLang="zh-TW" sz="2000" spc="-1" dirty="0" smtClean="0">
+                <a:solidFill>
+                  <a:srgbClr val="000000"/>
+                </a:solidFill>
+                <a:uFill>
+                  <a:solidFill>
+                    <a:srgbClr val="FFFFFF"/>
+                  </a:solidFill>
+                </a:uFill>
+                <a:ea typeface="Droid Sans Fallback"/>
+              </a:rPr>
+              <a:t>4773</a:t>
+            </a:r>
+            <a:endParaRPr lang="en-US" altLang="zh-TW" sz="2000" spc="-1" dirty="0">
+              <a:solidFill>
+                <a:srgbClr val="000000"/>
+              </a:solidFill>
+              <a:uFill>
+                <a:solidFill>
+                  <a:srgbClr val="FFFFFF"/>
+                </a:solidFill>
+              </a:uFill>
+              <a:ea typeface="Droid Sans Fallback"/>
+            </a:endParaRPr>
+          </a:p>
+          <a:p>
+            <a:pPr>
+              <a:lnSpc>
+                <a:spcPct val="125000"/>
+              </a:lnSpc>
+            </a:pPr>
+            <a:r>
+              <a:rPr lang="en-US" altLang="zh-TW" sz="2000" spc="-1" dirty="0">
+                <a:solidFill>
+                  <a:srgbClr val="000000"/>
+                </a:solidFill>
+                <a:uFill>
+                  <a:solidFill>
+                    <a:srgbClr val="FFFFFF"/>
+                  </a:solidFill>
+                </a:uFill>
+                <a:ea typeface="Droid Sans Fallback"/>
+              </a:rPr>
+              <a:t>Layer1:</a:t>
+            </a:r>
+            <a:r>
+              <a:rPr lang="zh-TW" altLang="en-US" sz="2000" spc="-1" dirty="0">
+                <a:solidFill>
+                  <a:srgbClr val="000000"/>
+                </a:solidFill>
+                <a:uFill>
+                  <a:solidFill>
+                    <a:srgbClr val="FFFFFF"/>
+                  </a:solidFill>
+                </a:uFill>
+                <a:ea typeface="Droid Sans Fallback"/>
+              </a:rPr>
+              <a:t> </a:t>
+            </a:r>
+            <a:r>
+              <a:rPr lang="en-US" altLang="zh-TW" sz="2000" spc="-1" dirty="0">
+                <a:solidFill>
+                  <a:srgbClr val="000000"/>
+                </a:solidFill>
+                <a:uFill>
+                  <a:solidFill>
+                    <a:srgbClr val="FFFFFF"/>
+                  </a:solidFill>
+                </a:uFill>
+                <a:ea typeface="Droid Sans Fallback"/>
+              </a:rPr>
+              <a:t>E</a:t>
+            </a:r>
+            <a:r>
+              <a:rPr lang="en-US" altLang="zh-TW" sz="2000" spc="-1" dirty="0" smtClean="0">
+                <a:solidFill>
+                  <a:srgbClr val="000000"/>
+                </a:solidFill>
+                <a:uFill>
+                  <a:solidFill>
+                    <a:srgbClr val="FFFFFF"/>
+                  </a:solidFill>
+                </a:uFill>
+                <a:ea typeface="Droid Sans Fallback"/>
+              </a:rPr>
+              <a:t>=</a:t>
+            </a:r>
+            <a:r>
+              <a:rPr lang="en-US" altLang="zh-TW" sz="2000" spc="-1" dirty="0" smtClean="0">
+                <a:solidFill>
+                  <a:srgbClr val="000000"/>
+                </a:solidFill>
+                <a:uFill>
+                  <a:solidFill>
+                    <a:srgbClr val="FFFFFF"/>
+                  </a:solidFill>
+                </a:uFill>
+                <a:ea typeface="Droid Sans Fallback"/>
+              </a:rPr>
+              <a:t>10589</a:t>
+            </a:r>
+            <a:r>
+              <a:rPr lang="en-US" altLang="zh-TW" sz="2000" spc="-1" dirty="0" smtClean="0">
+                <a:solidFill>
+                  <a:srgbClr val="000000"/>
+                </a:solidFill>
+                <a:uFill>
+                  <a:solidFill>
+                    <a:srgbClr val="FFFFFF"/>
+                  </a:solidFill>
+                </a:uFill>
+                <a:ea typeface="Droid Sans Fallback"/>
+              </a:rPr>
+              <a:t>,</a:t>
+            </a:r>
+            <a:r>
+              <a:rPr lang="zh-TW" altLang="en-US" sz="2000" spc="-1" dirty="0" smtClean="0">
+                <a:solidFill>
+                  <a:srgbClr val="000000"/>
+                </a:solidFill>
+                <a:uFill>
+                  <a:solidFill>
+                    <a:srgbClr val="FFFFFF"/>
+                  </a:solidFill>
+                </a:uFill>
+                <a:ea typeface="Droid Sans Fallback"/>
+              </a:rPr>
+              <a:t> </a:t>
+            </a:r>
+            <a:r>
+              <a:rPr lang="en-US" altLang="zh-TW" sz="2000" spc="-1" dirty="0">
+                <a:solidFill>
+                  <a:srgbClr val="000000"/>
+                </a:solidFill>
+                <a:uFill>
+                  <a:solidFill>
+                    <a:srgbClr val="FFFFFF"/>
+                  </a:solidFill>
+                </a:uFill>
+                <a:ea typeface="Droid Sans Fallback"/>
+              </a:rPr>
+              <a:t>V</a:t>
+            </a:r>
+            <a:r>
+              <a:rPr lang="en-US" altLang="zh-TW" sz="2000" spc="-1" dirty="0" smtClean="0">
+                <a:solidFill>
+                  <a:srgbClr val="000000"/>
+                </a:solidFill>
+                <a:uFill>
+                  <a:solidFill>
+                    <a:srgbClr val="FFFFFF"/>
+                  </a:solidFill>
+                </a:uFill>
+                <a:ea typeface="Droid Sans Fallback"/>
+              </a:rPr>
+              <a:t>=</a:t>
+            </a:r>
+            <a:r>
+              <a:rPr lang="en-US" altLang="zh-TW" sz="2000" spc="-1" dirty="0" smtClean="0">
+                <a:solidFill>
+                  <a:srgbClr val="000000"/>
+                </a:solidFill>
+                <a:uFill>
+                  <a:solidFill>
+                    <a:srgbClr val="FFFFFF"/>
+                  </a:solidFill>
+                </a:uFill>
+                <a:ea typeface="Droid Sans Fallback"/>
+              </a:rPr>
+              <a:t>767</a:t>
+            </a:r>
+            <a:r>
+              <a:rPr lang="en-US" altLang="zh-TW" sz="2000" spc="-1" dirty="0" smtClean="0">
+                <a:solidFill>
+                  <a:srgbClr val="000000"/>
+                </a:solidFill>
+                <a:uFill>
+                  <a:solidFill>
+                    <a:srgbClr val="FFFFFF"/>
+                  </a:solidFill>
+                </a:uFill>
+                <a:ea typeface="Droid Sans Fallback"/>
+              </a:rPr>
+              <a:t>,</a:t>
+            </a:r>
+            <a:r>
+              <a:rPr lang="zh-TW" altLang="en-US" sz="2000" spc="-1" dirty="0" smtClean="0">
+                <a:solidFill>
+                  <a:srgbClr val="000000"/>
+                </a:solidFill>
+                <a:uFill>
+                  <a:solidFill>
+                    <a:srgbClr val="FFFFFF"/>
+                  </a:solidFill>
+                </a:uFill>
+                <a:ea typeface="Droid Sans Fallback"/>
+              </a:rPr>
+              <a:t> </a:t>
+            </a:r>
+            <a:r>
+              <a:rPr lang="en-US" altLang="zh-TW" sz="2000" spc="-1" dirty="0">
+                <a:solidFill>
+                  <a:srgbClr val="000000"/>
+                </a:solidFill>
+                <a:uFill>
+                  <a:solidFill>
+                    <a:srgbClr val="FFFFFF"/>
+                  </a:solidFill>
+                </a:uFill>
+                <a:ea typeface="Droid Sans Fallback"/>
+              </a:rPr>
+              <a:t>one</a:t>
+            </a:r>
+            <a:r>
+              <a:rPr lang="zh-TW" altLang="en-US" sz="2000" spc="-1" dirty="0">
+                <a:solidFill>
+                  <a:srgbClr val="000000"/>
+                </a:solidFill>
+                <a:uFill>
+                  <a:solidFill>
+                    <a:srgbClr val="FFFFFF"/>
+                  </a:solidFill>
+                </a:uFill>
+                <a:ea typeface="Droid Sans Fallback"/>
+              </a:rPr>
+              <a:t> </a:t>
+            </a:r>
+            <a:r>
+              <a:rPr lang="en-US" altLang="zh-TW" sz="2000" spc="-1" dirty="0">
+                <a:solidFill>
+                  <a:srgbClr val="000000"/>
+                </a:solidFill>
+                <a:uFill>
+                  <a:solidFill>
+                    <a:srgbClr val="FFFFFF"/>
+                  </a:solidFill>
+                </a:uFill>
+                <a:ea typeface="Droid Sans Fallback"/>
+              </a:rPr>
+              <a:t>MST</a:t>
+            </a:r>
+          </a:p>
+          <a:p>
+            <a:pPr>
+              <a:lnSpc>
+                <a:spcPct val="125000"/>
+              </a:lnSpc>
+            </a:pPr>
+            <a:r>
+              <a:rPr lang="en-US" altLang="zh-TW" sz="2000" spc="-1" dirty="0">
+                <a:solidFill>
+                  <a:srgbClr val="000000"/>
+                </a:solidFill>
+                <a:uFill>
+                  <a:solidFill>
+                    <a:srgbClr val="FFFFFF"/>
+                  </a:solidFill>
+                </a:uFill>
+                <a:ea typeface="Droid Sans Fallback"/>
+              </a:rPr>
+              <a:t>Layer2:</a:t>
+            </a:r>
+            <a:r>
+              <a:rPr lang="zh-TW" altLang="en-US" sz="2000" spc="-1" dirty="0">
+                <a:solidFill>
+                  <a:srgbClr val="000000"/>
+                </a:solidFill>
+                <a:uFill>
+                  <a:solidFill>
+                    <a:srgbClr val="FFFFFF"/>
+                  </a:solidFill>
+                </a:uFill>
+                <a:ea typeface="Droid Sans Fallback"/>
+              </a:rPr>
+              <a:t> </a:t>
+            </a:r>
+            <a:r>
+              <a:rPr lang="en-US" altLang="zh-TW" sz="2000" spc="-1" dirty="0">
+                <a:solidFill>
+                  <a:srgbClr val="000000"/>
+                </a:solidFill>
+                <a:uFill>
+                  <a:solidFill>
+                    <a:srgbClr val="FFFFFF"/>
+                  </a:solidFill>
+                </a:uFill>
+                <a:ea typeface="Droid Sans Fallback"/>
+              </a:rPr>
+              <a:t>E</a:t>
+            </a:r>
+            <a:r>
+              <a:rPr lang="en-US" altLang="zh-TW" sz="2000" spc="-1" dirty="0" smtClean="0">
+                <a:solidFill>
+                  <a:srgbClr val="000000"/>
+                </a:solidFill>
+                <a:uFill>
+                  <a:solidFill>
+                    <a:srgbClr val="FFFFFF"/>
+                  </a:solidFill>
+                </a:uFill>
+                <a:ea typeface="Droid Sans Fallback"/>
+              </a:rPr>
+              <a:t>=</a:t>
+            </a:r>
+            <a:r>
+              <a:rPr lang="en-US" altLang="zh-TW" sz="2000" spc="-1" dirty="0" smtClean="0">
+                <a:solidFill>
+                  <a:srgbClr val="000000"/>
+                </a:solidFill>
+                <a:uFill>
+                  <a:solidFill>
+                    <a:srgbClr val="FFFFFF"/>
+                  </a:solidFill>
+                </a:uFill>
+                <a:ea typeface="Droid Sans Fallback"/>
+              </a:rPr>
+              <a:t>11082</a:t>
+            </a:r>
+            <a:r>
+              <a:rPr lang="en-US" altLang="zh-TW" sz="2000" spc="-1" dirty="0" smtClean="0">
+                <a:solidFill>
+                  <a:srgbClr val="000000"/>
+                </a:solidFill>
+                <a:uFill>
+                  <a:solidFill>
+                    <a:srgbClr val="FFFFFF"/>
+                  </a:solidFill>
+                </a:uFill>
+                <a:ea typeface="Droid Sans Fallback"/>
+              </a:rPr>
+              <a:t>,</a:t>
+            </a:r>
+            <a:r>
+              <a:rPr lang="zh-TW" altLang="en-US" sz="2000" spc="-1" dirty="0" smtClean="0">
+                <a:solidFill>
+                  <a:srgbClr val="000000"/>
+                </a:solidFill>
+                <a:uFill>
+                  <a:solidFill>
+                    <a:srgbClr val="FFFFFF"/>
+                  </a:solidFill>
+                </a:uFill>
+                <a:ea typeface="Droid Sans Fallback"/>
+              </a:rPr>
+              <a:t> </a:t>
+            </a:r>
+            <a:r>
+              <a:rPr lang="en-US" altLang="zh-TW" sz="2000" spc="-1" dirty="0">
+                <a:solidFill>
+                  <a:srgbClr val="000000"/>
+                </a:solidFill>
+                <a:uFill>
+                  <a:solidFill>
+                    <a:srgbClr val="FFFFFF"/>
+                  </a:solidFill>
+                </a:uFill>
+                <a:ea typeface="Droid Sans Fallback"/>
+              </a:rPr>
+              <a:t>V</a:t>
+            </a:r>
+            <a:r>
+              <a:rPr lang="en-US" altLang="zh-TW" sz="2000" spc="-1" dirty="0" smtClean="0">
+                <a:solidFill>
+                  <a:srgbClr val="000000"/>
+                </a:solidFill>
+                <a:uFill>
+                  <a:solidFill>
+                    <a:srgbClr val="FFFFFF"/>
+                  </a:solidFill>
+                </a:uFill>
+                <a:ea typeface="Droid Sans Fallback"/>
+              </a:rPr>
+              <a:t>=</a:t>
+            </a:r>
+            <a:r>
+              <a:rPr lang="en-US" altLang="zh-TW" sz="2000" spc="-1" dirty="0" smtClean="0">
+                <a:solidFill>
+                  <a:srgbClr val="000000"/>
+                </a:solidFill>
+                <a:uFill>
+                  <a:solidFill>
+                    <a:srgbClr val="FFFFFF"/>
+                  </a:solidFill>
+                </a:uFill>
+                <a:ea typeface="Droid Sans Fallback"/>
+              </a:rPr>
+              <a:t>929</a:t>
+            </a:r>
+            <a:r>
+              <a:rPr lang="en-US" altLang="zh-TW" sz="2000" spc="-1" dirty="0" smtClean="0">
+                <a:solidFill>
+                  <a:srgbClr val="000000"/>
+                </a:solidFill>
+                <a:uFill>
+                  <a:solidFill>
+                    <a:srgbClr val="FFFFFF"/>
+                  </a:solidFill>
+                </a:uFill>
+                <a:ea typeface="Droid Sans Fallback"/>
+              </a:rPr>
+              <a:t>,</a:t>
+            </a:r>
+            <a:r>
+              <a:rPr lang="zh-TW" altLang="en-US" sz="2000" spc="-1" dirty="0" smtClean="0">
+                <a:solidFill>
+                  <a:srgbClr val="000000"/>
+                </a:solidFill>
+                <a:uFill>
+                  <a:solidFill>
+                    <a:srgbClr val="FFFFFF"/>
+                  </a:solidFill>
+                </a:uFill>
+                <a:ea typeface="Droid Sans Fallback"/>
+              </a:rPr>
+              <a:t> </a:t>
+            </a:r>
+            <a:r>
+              <a:rPr lang="en-US" altLang="zh-TW" sz="2000" spc="-1" dirty="0">
+                <a:solidFill>
+                  <a:srgbClr val="000000"/>
+                </a:solidFill>
+                <a:uFill>
+                  <a:solidFill>
+                    <a:srgbClr val="FFFFFF"/>
+                  </a:solidFill>
+                </a:uFill>
+                <a:ea typeface="Droid Sans Fallback"/>
+              </a:rPr>
+              <a:t>one</a:t>
+            </a:r>
+            <a:r>
+              <a:rPr lang="zh-TW" altLang="en-US" sz="2000" spc="-1" dirty="0">
+                <a:solidFill>
+                  <a:srgbClr val="000000"/>
+                </a:solidFill>
+                <a:uFill>
+                  <a:solidFill>
+                    <a:srgbClr val="FFFFFF"/>
+                  </a:solidFill>
+                </a:uFill>
+                <a:ea typeface="Droid Sans Fallback"/>
+              </a:rPr>
+              <a:t> </a:t>
+            </a:r>
+            <a:r>
+              <a:rPr lang="en-US" altLang="zh-TW" sz="2000" spc="-1" dirty="0">
+                <a:solidFill>
+                  <a:srgbClr val="000000"/>
+                </a:solidFill>
+                <a:uFill>
+                  <a:solidFill>
+                    <a:srgbClr val="FFFFFF"/>
+                  </a:solidFill>
+                </a:uFill>
+                <a:ea typeface="Droid Sans Fallback"/>
+              </a:rPr>
+              <a:t>MST</a:t>
+            </a:r>
+          </a:p>
+          <a:p>
+            <a:pPr>
+              <a:lnSpc>
+                <a:spcPct val="125000"/>
+              </a:lnSpc>
+            </a:pPr>
+            <a:r>
+              <a:rPr lang="en-US" altLang="zh-TW" sz="2000" spc="-1" dirty="0">
+                <a:solidFill>
+                  <a:srgbClr val="000000"/>
+                </a:solidFill>
+                <a:uFill>
+                  <a:solidFill>
+                    <a:srgbClr val="FFFFFF"/>
+                  </a:solidFill>
+                </a:uFill>
+                <a:ea typeface="Droid Sans Fallback"/>
+              </a:rPr>
+              <a:t>Layer3:</a:t>
+            </a:r>
+            <a:r>
+              <a:rPr lang="zh-TW" altLang="en-US" sz="2000" spc="-1" dirty="0">
+                <a:solidFill>
+                  <a:srgbClr val="000000"/>
+                </a:solidFill>
+                <a:uFill>
+                  <a:solidFill>
+                    <a:srgbClr val="FFFFFF"/>
+                  </a:solidFill>
+                </a:uFill>
+                <a:ea typeface="Droid Sans Fallback"/>
+              </a:rPr>
+              <a:t> </a:t>
+            </a:r>
+            <a:r>
+              <a:rPr lang="en-US" altLang="zh-TW" sz="2000" spc="-1" dirty="0">
+                <a:solidFill>
+                  <a:srgbClr val="000000"/>
+                </a:solidFill>
+                <a:uFill>
+                  <a:solidFill>
+                    <a:srgbClr val="FFFFFF"/>
+                  </a:solidFill>
+                </a:uFill>
+                <a:ea typeface="Droid Sans Fallback"/>
+              </a:rPr>
+              <a:t>E</a:t>
+            </a:r>
+            <a:r>
+              <a:rPr lang="en-US" altLang="zh-TW" sz="2000" spc="-1" dirty="0" smtClean="0">
+                <a:solidFill>
+                  <a:srgbClr val="000000"/>
+                </a:solidFill>
+                <a:uFill>
+                  <a:solidFill>
+                    <a:srgbClr val="FFFFFF"/>
+                  </a:solidFill>
+                </a:uFill>
+                <a:ea typeface="Droid Sans Fallback"/>
+              </a:rPr>
+              <a:t>=</a:t>
+            </a:r>
+            <a:r>
+              <a:rPr lang="en-US" altLang="zh-TW" sz="2000" spc="-1" dirty="0" smtClean="0">
+                <a:solidFill>
+                  <a:srgbClr val="000000"/>
+                </a:solidFill>
+                <a:uFill>
+                  <a:solidFill>
+                    <a:srgbClr val="FFFFFF"/>
+                  </a:solidFill>
+                </a:uFill>
+                <a:ea typeface="Droid Sans Fallback"/>
+              </a:rPr>
+              <a:t>11831</a:t>
+            </a:r>
+            <a:r>
+              <a:rPr lang="en-US" altLang="zh-TW" sz="2000" spc="-1" dirty="0" smtClean="0">
+                <a:solidFill>
+                  <a:srgbClr val="000000"/>
+                </a:solidFill>
+                <a:uFill>
+                  <a:solidFill>
+                    <a:srgbClr val="FFFFFF"/>
+                  </a:solidFill>
+                </a:uFill>
+                <a:ea typeface="Droid Sans Fallback"/>
+              </a:rPr>
+              <a:t>,</a:t>
+            </a:r>
+            <a:r>
+              <a:rPr lang="zh-TW" altLang="en-US" sz="2000" spc="-1" dirty="0" smtClean="0">
+                <a:solidFill>
+                  <a:srgbClr val="000000"/>
+                </a:solidFill>
+                <a:uFill>
+                  <a:solidFill>
+                    <a:srgbClr val="FFFFFF"/>
+                  </a:solidFill>
+                </a:uFill>
+                <a:ea typeface="Droid Sans Fallback"/>
+              </a:rPr>
+              <a:t> </a:t>
+            </a:r>
+            <a:r>
+              <a:rPr lang="en-US" altLang="zh-TW" sz="2000" spc="-1" dirty="0">
+                <a:solidFill>
+                  <a:srgbClr val="000000"/>
+                </a:solidFill>
+                <a:uFill>
+                  <a:solidFill>
+                    <a:srgbClr val="FFFFFF"/>
+                  </a:solidFill>
+                </a:uFill>
+                <a:ea typeface="Droid Sans Fallback"/>
+              </a:rPr>
+              <a:t>V</a:t>
+            </a:r>
+            <a:r>
+              <a:rPr lang="en-US" altLang="zh-TW" sz="2000" spc="-1" dirty="0" smtClean="0">
+                <a:solidFill>
+                  <a:srgbClr val="000000"/>
+                </a:solidFill>
+                <a:uFill>
+                  <a:solidFill>
+                    <a:srgbClr val="FFFFFF"/>
+                  </a:solidFill>
+                </a:uFill>
+                <a:ea typeface="Droid Sans Fallback"/>
+              </a:rPr>
+              <a:t>=</a:t>
+            </a:r>
+            <a:r>
+              <a:rPr lang="en-US" altLang="zh-TW" sz="2000" spc="-1" dirty="0" smtClean="0">
+                <a:solidFill>
+                  <a:srgbClr val="000000"/>
+                </a:solidFill>
+                <a:uFill>
+                  <a:solidFill>
+                    <a:srgbClr val="FFFFFF"/>
+                  </a:solidFill>
+                </a:uFill>
+                <a:ea typeface="Droid Sans Fallback"/>
+              </a:rPr>
+              <a:t>917</a:t>
+            </a:r>
+            <a:r>
+              <a:rPr lang="en-US" altLang="zh-TW" sz="2000" spc="-1" dirty="0" smtClean="0">
+                <a:solidFill>
+                  <a:srgbClr val="000000"/>
+                </a:solidFill>
+                <a:uFill>
+                  <a:solidFill>
+                    <a:srgbClr val="FFFFFF"/>
+                  </a:solidFill>
+                </a:uFill>
+                <a:ea typeface="Droid Sans Fallback"/>
+              </a:rPr>
+              <a:t>,</a:t>
+            </a:r>
+            <a:r>
+              <a:rPr lang="zh-TW" altLang="en-US" sz="2000" spc="-1" dirty="0" smtClean="0">
+                <a:solidFill>
+                  <a:srgbClr val="000000"/>
+                </a:solidFill>
+                <a:uFill>
+                  <a:solidFill>
+                    <a:srgbClr val="FFFFFF"/>
+                  </a:solidFill>
+                </a:uFill>
+                <a:ea typeface="Droid Sans Fallback"/>
+              </a:rPr>
+              <a:t> </a:t>
+            </a:r>
+            <a:r>
+              <a:rPr lang="en-US" altLang="zh-TW" sz="2000" spc="-1" dirty="0">
+                <a:solidFill>
+                  <a:srgbClr val="000000"/>
+                </a:solidFill>
+                <a:uFill>
+                  <a:solidFill>
+                    <a:srgbClr val="FFFFFF"/>
+                  </a:solidFill>
+                </a:uFill>
+                <a:ea typeface="Droid Sans Fallback"/>
+              </a:rPr>
+              <a:t>one</a:t>
+            </a:r>
+            <a:r>
+              <a:rPr lang="zh-TW" altLang="en-US" sz="2000" spc="-1" dirty="0">
+                <a:solidFill>
+                  <a:srgbClr val="000000"/>
+                </a:solidFill>
+                <a:uFill>
+                  <a:solidFill>
+                    <a:srgbClr val="FFFFFF"/>
+                  </a:solidFill>
+                </a:uFill>
+                <a:ea typeface="Droid Sans Fallback"/>
+              </a:rPr>
+              <a:t> </a:t>
+            </a:r>
+            <a:r>
+              <a:rPr lang="en-US" altLang="zh-TW" sz="2000" spc="-1" dirty="0" smtClean="0">
+                <a:solidFill>
+                  <a:srgbClr val="000000"/>
+                </a:solidFill>
+                <a:uFill>
+                  <a:solidFill>
+                    <a:srgbClr val="FFFFFF"/>
+                  </a:solidFill>
+                </a:uFill>
+                <a:ea typeface="Droid Sans Fallback"/>
+              </a:rPr>
+              <a:t>MST</a:t>
+            </a:r>
+          </a:p>
+          <a:p>
+            <a:pPr>
+              <a:lnSpc>
+                <a:spcPct val="125000"/>
+              </a:lnSpc>
+            </a:pPr>
+            <a:r>
+              <a:rPr lang="en-US" altLang="zh-TW" sz="2000" spc="-1" dirty="0" smtClean="0">
+                <a:solidFill>
+                  <a:srgbClr val="000000"/>
+                </a:solidFill>
+                <a:uFill>
+                  <a:solidFill>
+                    <a:srgbClr val="FFFFFF"/>
+                  </a:solidFill>
+                </a:uFill>
+                <a:ea typeface="Droid Sans Fallback"/>
+              </a:rPr>
+              <a:t>Layer</a:t>
+            </a:r>
+            <a:r>
+              <a:rPr lang="en-US" altLang="zh-TW" sz="2000" spc="-1" dirty="0" smtClean="0">
+                <a:solidFill>
+                  <a:srgbClr val="000000"/>
+                </a:solidFill>
+                <a:uFill>
+                  <a:solidFill>
+                    <a:srgbClr val="FFFFFF"/>
+                  </a:solidFill>
+                </a:uFill>
+                <a:ea typeface="Droid Sans Fallback"/>
+              </a:rPr>
+              <a:t>4</a:t>
+            </a:r>
+            <a:r>
+              <a:rPr lang="en-US" altLang="zh-TW" sz="2000" spc="-1" dirty="0" smtClean="0">
+                <a:solidFill>
+                  <a:srgbClr val="000000"/>
+                </a:solidFill>
+                <a:uFill>
+                  <a:solidFill>
+                    <a:srgbClr val="FFFFFF"/>
+                  </a:solidFill>
+                </a:uFill>
+                <a:ea typeface="Droid Sans Fallback"/>
+              </a:rPr>
+              <a:t>:</a:t>
+            </a:r>
+            <a:r>
+              <a:rPr lang="zh-TW" altLang="en-US" sz="2000" spc="-1" dirty="0" smtClean="0">
+                <a:solidFill>
+                  <a:srgbClr val="000000"/>
+                </a:solidFill>
+                <a:uFill>
+                  <a:solidFill>
+                    <a:srgbClr val="FFFFFF"/>
+                  </a:solidFill>
+                </a:uFill>
+                <a:ea typeface="Droid Sans Fallback"/>
+              </a:rPr>
+              <a:t> </a:t>
+            </a:r>
+            <a:r>
+              <a:rPr lang="en-US" altLang="zh-TW" sz="2000" spc="-1" dirty="0">
+                <a:solidFill>
+                  <a:srgbClr val="000000"/>
+                </a:solidFill>
+                <a:uFill>
+                  <a:solidFill>
+                    <a:srgbClr val="FFFFFF"/>
+                  </a:solidFill>
+                </a:uFill>
+                <a:ea typeface="Droid Sans Fallback"/>
+              </a:rPr>
+              <a:t>E</a:t>
+            </a:r>
+            <a:r>
+              <a:rPr lang="en-US" altLang="zh-TW" sz="2000" spc="-1" dirty="0" smtClean="0">
+                <a:solidFill>
+                  <a:srgbClr val="000000"/>
+                </a:solidFill>
+                <a:uFill>
+                  <a:solidFill>
+                    <a:srgbClr val="FFFFFF"/>
+                  </a:solidFill>
+                </a:uFill>
+                <a:ea typeface="Droid Sans Fallback"/>
+              </a:rPr>
+              <a:t>=</a:t>
+            </a:r>
+            <a:r>
+              <a:rPr lang="en-US" altLang="zh-TW" sz="2000" spc="-1" dirty="0" smtClean="0">
+                <a:solidFill>
+                  <a:srgbClr val="000000"/>
+                </a:solidFill>
+                <a:uFill>
+                  <a:solidFill>
+                    <a:srgbClr val="FFFFFF"/>
+                  </a:solidFill>
+                </a:uFill>
+                <a:ea typeface="Droid Sans Fallback"/>
+              </a:rPr>
+              <a:t>12693</a:t>
+            </a:r>
+            <a:r>
+              <a:rPr lang="en-US" altLang="zh-TW" sz="2000" spc="-1" dirty="0" smtClean="0">
+                <a:solidFill>
+                  <a:srgbClr val="000000"/>
+                </a:solidFill>
+                <a:uFill>
+                  <a:solidFill>
+                    <a:srgbClr val="FFFFFF"/>
+                  </a:solidFill>
+                </a:uFill>
+                <a:ea typeface="Droid Sans Fallback"/>
+              </a:rPr>
+              <a:t>,</a:t>
+            </a:r>
+            <a:r>
+              <a:rPr lang="zh-TW" altLang="en-US" sz="2000" spc="-1" dirty="0" smtClean="0">
+                <a:solidFill>
+                  <a:srgbClr val="000000"/>
+                </a:solidFill>
+                <a:uFill>
+                  <a:solidFill>
+                    <a:srgbClr val="FFFFFF"/>
+                  </a:solidFill>
+                </a:uFill>
+                <a:ea typeface="Droid Sans Fallback"/>
+              </a:rPr>
+              <a:t> </a:t>
+            </a:r>
+            <a:r>
+              <a:rPr lang="en-US" altLang="zh-TW" sz="2000" spc="-1" dirty="0">
+                <a:solidFill>
+                  <a:srgbClr val="000000"/>
+                </a:solidFill>
+                <a:uFill>
+                  <a:solidFill>
+                    <a:srgbClr val="FFFFFF"/>
+                  </a:solidFill>
+                </a:uFill>
+                <a:ea typeface="Droid Sans Fallback"/>
+              </a:rPr>
+              <a:t>V</a:t>
+            </a:r>
+            <a:r>
+              <a:rPr lang="en-US" altLang="zh-TW" sz="2000" spc="-1" dirty="0" smtClean="0">
+                <a:solidFill>
+                  <a:srgbClr val="000000"/>
+                </a:solidFill>
+                <a:uFill>
+                  <a:solidFill>
+                    <a:srgbClr val="FFFFFF"/>
+                  </a:solidFill>
+                </a:uFill>
+                <a:ea typeface="Droid Sans Fallback"/>
+              </a:rPr>
+              <a:t>=</a:t>
+            </a:r>
+            <a:r>
+              <a:rPr lang="en-US" altLang="zh-TW" sz="2000" spc="-1" dirty="0" smtClean="0">
+                <a:solidFill>
+                  <a:srgbClr val="000000"/>
+                </a:solidFill>
+                <a:uFill>
+                  <a:solidFill>
+                    <a:srgbClr val="FFFFFF"/>
+                  </a:solidFill>
+                </a:uFill>
+                <a:ea typeface="Droid Sans Fallback"/>
+              </a:rPr>
+              <a:t>1019</a:t>
+            </a:r>
+            <a:r>
+              <a:rPr lang="en-US" altLang="zh-TW" sz="2000" spc="-1" dirty="0" smtClean="0">
+                <a:solidFill>
+                  <a:srgbClr val="000000"/>
+                </a:solidFill>
+                <a:uFill>
+                  <a:solidFill>
+                    <a:srgbClr val="FFFFFF"/>
+                  </a:solidFill>
+                </a:uFill>
+                <a:ea typeface="Droid Sans Fallback"/>
+              </a:rPr>
+              <a:t>,</a:t>
+            </a:r>
+            <a:r>
+              <a:rPr lang="zh-TW" altLang="en-US" sz="2000" spc="-1" dirty="0" smtClean="0">
+                <a:solidFill>
+                  <a:srgbClr val="000000"/>
+                </a:solidFill>
+                <a:uFill>
+                  <a:solidFill>
+                    <a:srgbClr val="FFFFFF"/>
+                  </a:solidFill>
+                </a:uFill>
+                <a:ea typeface="Droid Sans Fallback"/>
+              </a:rPr>
+              <a:t> </a:t>
+            </a:r>
+            <a:r>
+              <a:rPr lang="en-US" altLang="zh-TW" sz="2000" spc="-1" dirty="0">
+                <a:solidFill>
+                  <a:srgbClr val="000000"/>
+                </a:solidFill>
+                <a:uFill>
+                  <a:solidFill>
+                    <a:srgbClr val="FFFFFF"/>
+                  </a:solidFill>
+                </a:uFill>
+                <a:ea typeface="Droid Sans Fallback"/>
+              </a:rPr>
+              <a:t>one</a:t>
+            </a:r>
+            <a:r>
+              <a:rPr lang="zh-TW" altLang="en-US" sz="2000" spc="-1" dirty="0">
+                <a:solidFill>
+                  <a:srgbClr val="000000"/>
+                </a:solidFill>
+                <a:uFill>
+                  <a:solidFill>
+                    <a:srgbClr val="FFFFFF"/>
+                  </a:solidFill>
+                </a:uFill>
+                <a:ea typeface="Droid Sans Fallback"/>
+              </a:rPr>
+              <a:t> </a:t>
+            </a:r>
+            <a:r>
+              <a:rPr lang="en-US" altLang="zh-TW" sz="2000" spc="-1" dirty="0">
+                <a:solidFill>
+                  <a:srgbClr val="000000"/>
+                </a:solidFill>
+                <a:uFill>
+                  <a:solidFill>
+                    <a:srgbClr val="FFFFFF"/>
+                  </a:solidFill>
+                </a:uFill>
+                <a:ea typeface="Droid Sans Fallback"/>
+              </a:rPr>
+              <a:t>MST</a:t>
+            </a:r>
+          </a:p>
+          <a:p>
+            <a:pPr>
+              <a:lnSpc>
+                <a:spcPct val="125000"/>
+              </a:lnSpc>
+            </a:pPr>
+            <a:r>
+              <a:rPr lang="en-US" altLang="zh-TW" sz="2000" spc="-1" dirty="0" smtClean="0">
+                <a:solidFill>
+                  <a:srgbClr val="000000"/>
+                </a:solidFill>
+                <a:uFill>
+                  <a:solidFill>
+                    <a:srgbClr val="FFFFFF"/>
+                  </a:solidFill>
+                </a:uFill>
+                <a:ea typeface="Droid Sans Fallback"/>
+              </a:rPr>
+              <a:t>Layer</a:t>
+            </a:r>
+            <a:r>
+              <a:rPr lang="en-US" altLang="zh-TW" sz="2000" spc="-1" dirty="0" smtClean="0">
+                <a:solidFill>
+                  <a:srgbClr val="000000"/>
+                </a:solidFill>
+                <a:uFill>
+                  <a:solidFill>
+                    <a:srgbClr val="FFFFFF"/>
+                  </a:solidFill>
+                </a:uFill>
+                <a:ea typeface="Droid Sans Fallback"/>
+              </a:rPr>
+              <a:t>5</a:t>
+            </a:r>
+            <a:r>
+              <a:rPr lang="en-US" altLang="zh-TW" sz="2000" spc="-1" dirty="0" smtClean="0">
+                <a:solidFill>
+                  <a:srgbClr val="000000"/>
+                </a:solidFill>
+                <a:uFill>
+                  <a:solidFill>
+                    <a:srgbClr val="FFFFFF"/>
+                  </a:solidFill>
+                </a:uFill>
+                <a:ea typeface="Droid Sans Fallback"/>
+              </a:rPr>
+              <a:t>:</a:t>
+            </a:r>
+            <a:r>
+              <a:rPr lang="zh-TW" altLang="en-US" sz="2000" spc="-1" dirty="0" smtClean="0">
+                <a:solidFill>
+                  <a:srgbClr val="000000"/>
+                </a:solidFill>
+                <a:uFill>
+                  <a:solidFill>
+                    <a:srgbClr val="FFFFFF"/>
+                  </a:solidFill>
+                </a:uFill>
+                <a:ea typeface="Droid Sans Fallback"/>
+              </a:rPr>
+              <a:t> </a:t>
+            </a:r>
+            <a:r>
+              <a:rPr lang="en-US" altLang="zh-TW" sz="2000" spc="-1" dirty="0">
+                <a:solidFill>
+                  <a:srgbClr val="000000"/>
+                </a:solidFill>
+                <a:uFill>
+                  <a:solidFill>
+                    <a:srgbClr val="FFFFFF"/>
+                  </a:solidFill>
+                </a:uFill>
+                <a:ea typeface="Droid Sans Fallback"/>
+              </a:rPr>
+              <a:t>E</a:t>
+            </a:r>
+            <a:r>
+              <a:rPr lang="en-US" altLang="zh-TW" sz="2000" spc="-1" dirty="0" smtClean="0">
+                <a:solidFill>
+                  <a:srgbClr val="000000"/>
+                </a:solidFill>
+                <a:uFill>
+                  <a:solidFill>
+                    <a:srgbClr val="FFFFFF"/>
+                  </a:solidFill>
+                </a:uFill>
+                <a:ea typeface="Droid Sans Fallback"/>
+              </a:rPr>
+              <a:t>=</a:t>
+            </a:r>
+            <a:r>
+              <a:rPr lang="en-US" altLang="zh-TW" sz="2000" spc="-1" dirty="0" smtClean="0">
+                <a:solidFill>
+                  <a:srgbClr val="000000"/>
+                </a:solidFill>
+                <a:uFill>
+                  <a:solidFill>
+                    <a:srgbClr val="FFFFFF"/>
+                  </a:solidFill>
+                </a:uFill>
+                <a:ea typeface="Droid Sans Fallback"/>
+              </a:rPr>
+              <a:t>11122</a:t>
+            </a:r>
+            <a:r>
+              <a:rPr lang="en-US" altLang="zh-TW" sz="2000" spc="-1" dirty="0" smtClean="0">
+                <a:solidFill>
+                  <a:srgbClr val="000000"/>
+                </a:solidFill>
+                <a:uFill>
+                  <a:solidFill>
+                    <a:srgbClr val="FFFFFF"/>
+                  </a:solidFill>
+                </a:uFill>
+                <a:ea typeface="Droid Sans Fallback"/>
+              </a:rPr>
+              <a:t>,</a:t>
+            </a:r>
+            <a:r>
+              <a:rPr lang="zh-TW" altLang="en-US" sz="2000" spc="-1" dirty="0" smtClean="0">
+                <a:solidFill>
+                  <a:srgbClr val="000000"/>
+                </a:solidFill>
+                <a:uFill>
+                  <a:solidFill>
+                    <a:srgbClr val="FFFFFF"/>
+                  </a:solidFill>
+                </a:uFill>
+                <a:ea typeface="Droid Sans Fallback"/>
+              </a:rPr>
+              <a:t> </a:t>
+            </a:r>
+            <a:r>
+              <a:rPr lang="en-US" altLang="zh-TW" sz="2000" spc="-1" dirty="0">
+                <a:solidFill>
+                  <a:srgbClr val="000000"/>
+                </a:solidFill>
+                <a:uFill>
+                  <a:solidFill>
+                    <a:srgbClr val="FFFFFF"/>
+                  </a:solidFill>
+                </a:uFill>
+                <a:ea typeface="Droid Sans Fallback"/>
+              </a:rPr>
+              <a:t>V</a:t>
+            </a:r>
+            <a:r>
+              <a:rPr lang="en-US" altLang="zh-TW" sz="2000" spc="-1" dirty="0" smtClean="0">
+                <a:solidFill>
+                  <a:srgbClr val="000000"/>
+                </a:solidFill>
+                <a:uFill>
+                  <a:solidFill>
+                    <a:srgbClr val="FFFFFF"/>
+                  </a:solidFill>
+                </a:uFill>
+                <a:ea typeface="Droid Sans Fallback"/>
+              </a:rPr>
+              <a:t>=</a:t>
+            </a:r>
+            <a:r>
+              <a:rPr lang="en-US" altLang="zh-TW" sz="2000" spc="-1" dirty="0" smtClean="0">
+                <a:solidFill>
+                  <a:srgbClr val="000000"/>
+                </a:solidFill>
+                <a:uFill>
+                  <a:solidFill>
+                    <a:srgbClr val="FFFFFF"/>
+                  </a:solidFill>
+                </a:uFill>
+                <a:ea typeface="Droid Sans Fallback"/>
+              </a:rPr>
+              <a:t>875</a:t>
+            </a:r>
+            <a:r>
+              <a:rPr lang="en-US" altLang="zh-TW" sz="2000" spc="-1" dirty="0" smtClean="0">
+                <a:solidFill>
+                  <a:srgbClr val="000000"/>
+                </a:solidFill>
+                <a:uFill>
+                  <a:solidFill>
+                    <a:srgbClr val="FFFFFF"/>
+                  </a:solidFill>
+                </a:uFill>
+                <a:ea typeface="Droid Sans Fallback"/>
+              </a:rPr>
+              <a:t>,</a:t>
+            </a:r>
+            <a:r>
+              <a:rPr lang="zh-TW" altLang="en-US" sz="2000" spc="-1" dirty="0" smtClean="0">
+                <a:solidFill>
+                  <a:srgbClr val="000000"/>
+                </a:solidFill>
+                <a:uFill>
+                  <a:solidFill>
+                    <a:srgbClr val="FFFFFF"/>
+                  </a:solidFill>
+                </a:uFill>
+                <a:ea typeface="Droid Sans Fallback"/>
+              </a:rPr>
+              <a:t> </a:t>
+            </a:r>
+            <a:r>
+              <a:rPr lang="en-US" altLang="zh-TW" sz="2000" spc="-1" dirty="0">
+                <a:solidFill>
+                  <a:srgbClr val="000000"/>
+                </a:solidFill>
+                <a:uFill>
+                  <a:solidFill>
+                    <a:srgbClr val="FFFFFF"/>
+                  </a:solidFill>
+                </a:uFill>
+                <a:ea typeface="Droid Sans Fallback"/>
+              </a:rPr>
+              <a:t>one</a:t>
+            </a:r>
+            <a:r>
+              <a:rPr lang="zh-TW" altLang="en-US" sz="2000" spc="-1" dirty="0">
+                <a:solidFill>
+                  <a:srgbClr val="000000"/>
+                </a:solidFill>
+                <a:uFill>
+                  <a:solidFill>
+                    <a:srgbClr val="FFFFFF"/>
+                  </a:solidFill>
+                </a:uFill>
+                <a:ea typeface="Droid Sans Fallback"/>
+              </a:rPr>
+              <a:t> </a:t>
+            </a:r>
+            <a:r>
+              <a:rPr lang="en-US" altLang="zh-TW" sz="2000" spc="-1" dirty="0">
+                <a:solidFill>
+                  <a:srgbClr val="000000"/>
+                </a:solidFill>
+                <a:uFill>
+                  <a:solidFill>
+                    <a:srgbClr val="FFFFFF"/>
+                  </a:solidFill>
+                </a:uFill>
+                <a:ea typeface="Droid Sans Fallback"/>
+              </a:rPr>
+              <a:t>MST</a:t>
+            </a:r>
+          </a:p>
+          <a:p>
+            <a:pPr>
+              <a:lnSpc>
+                <a:spcPct val="125000"/>
+              </a:lnSpc>
+            </a:pPr>
+            <a:r>
+              <a:rPr lang="en-US" altLang="zh-TW" sz="2000" spc="-1" dirty="0">
+                <a:solidFill>
+                  <a:srgbClr val="000000"/>
+                </a:solidFill>
+                <a:uFill>
+                  <a:solidFill>
+                    <a:srgbClr val="FFFFFF"/>
+                  </a:solidFill>
+                </a:uFill>
+              </a:rPr>
+              <a:t>#Shape</a:t>
+            </a:r>
+            <a:r>
+              <a:rPr lang="zh-TW" altLang="en-US" sz="2000" spc="-1" dirty="0">
+                <a:solidFill>
+                  <a:srgbClr val="000000"/>
+                </a:solidFill>
+                <a:uFill>
+                  <a:solidFill>
+                    <a:srgbClr val="FFFFFF"/>
+                  </a:solidFill>
+                </a:uFill>
+              </a:rPr>
+              <a:t> </a:t>
+            </a:r>
+            <a:r>
+              <a:rPr lang="en-US" altLang="zh-TW" sz="2000" spc="-1" dirty="0">
+                <a:solidFill>
+                  <a:srgbClr val="000000"/>
+                </a:solidFill>
+                <a:uFill>
+                  <a:solidFill>
+                    <a:srgbClr val="FFFFFF"/>
+                  </a:solidFill>
+                </a:uFill>
+              </a:rPr>
+              <a:t>not</a:t>
+            </a:r>
+            <a:r>
+              <a:rPr lang="zh-TW" altLang="en-US" sz="2000" spc="-1" dirty="0">
+                <a:solidFill>
+                  <a:srgbClr val="000000"/>
+                </a:solidFill>
+                <a:uFill>
+                  <a:solidFill>
+                    <a:srgbClr val="FFFFFF"/>
+                  </a:solidFill>
+                </a:uFill>
+              </a:rPr>
+              <a:t> </a:t>
+            </a:r>
+            <a:r>
+              <a:rPr lang="en-US" altLang="zh-TW" sz="2000" spc="-1" dirty="0">
+                <a:solidFill>
+                  <a:srgbClr val="000000"/>
+                </a:solidFill>
+                <a:uFill>
+                  <a:solidFill>
+                    <a:srgbClr val="FFFFFF"/>
+                  </a:solidFill>
+                </a:uFill>
+              </a:rPr>
+              <a:t>in</a:t>
+            </a:r>
+            <a:r>
+              <a:rPr lang="zh-TW" altLang="en-US" sz="2000" spc="-1" dirty="0">
+                <a:solidFill>
+                  <a:srgbClr val="000000"/>
+                </a:solidFill>
+                <a:uFill>
+                  <a:solidFill>
+                    <a:srgbClr val="FFFFFF"/>
+                  </a:solidFill>
+                </a:uFill>
+              </a:rPr>
+              <a:t> </a:t>
+            </a:r>
+            <a:r>
+              <a:rPr lang="en-US" altLang="zh-TW" sz="2000" spc="-1" dirty="0">
+                <a:solidFill>
+                  <a:srgbClr val="000000"/>
+                </a:solidFill>
+                <a:uFill>
+                  <a:solidFill>
+                    <a:srgbClr val="FFFFFF"/>
+                  </a:solidFill>
+                </a:uFill>
+              </a:rPr>
+              <a:t>Graph</a:t>
+            </a:r>
+            <a:r>
+              <a:rPr lang="en-US" altLang="zh-TW" sz="2000" spc="-1" dirty="0" smtClean="0">
+                <a:solidFill>
+                  <a:srgbClr val="000000"/>
+                </a:solidFill>
+                <a:uFill>
+                  <a:solidFill>
+                    <a:srgbClr val="FFFFFF"/>
+                  </a:solidFill>
+                </a:uFill>
+              </a:rPr>
+              <a:t>=</a:t>
+            </a:r>
+            <a:r>
+              <a:rPr lang="en-US" altLang="zh-TW" sz="2000" spc="-1" dirty="0" smtClean="0">
+                <a:solidFill>
+                  <a:srgbClr val="000000"/>
+                </a:solidFill>
+                <a:uFill>
+                  <a:solidFill>
+                    <a:srgbClr val="FFFFFF"/>
+                  </a:solidFill>
+                </a:uFill>
+              </a:rPr>
+              <a:t>11</a:t>
+            </a:r>
+            <a:endParaRPr lang="en-US" altLang="zh-TW" sz="2000" spc="-1" dirty="0">
+              <a:solidFill>
+                <a:srgbClr val="000000"/>
+              </a:solidFill>
+              <a:uFill>
+                <a:solidFill>
+                  <a:srgbClr val="FFFFFF"/>
+                </a:solidFill>
+              </a:uFill>
+              <a:ea typeface="Droid Sans Fallback"/>
+            </a:endParaRPr>
+          </a:p>
+          <a:p>
+            <a:pPr>
+              <a:lnSpc>
+                <a:spcPct val="125000"/>
+              </a:lnSpc>
+            </a:pPr>
+            <a:endParaRPr lang="en-US" sz="2000" b="0" strike="noStrike" spc="-1" dirty="0">
+              <a:solidFill>
+                <a:srgbClr val="000000"/>
+              </a:solidFill>
+              <a:uFill>
+                <a:solidFill>
+                  <a:srgbClr val="FFFFFF"/>
                 </a:solidFill>
               </a:uFill>
               <a:latin typeface="Arial"/>
@@ -4594,11 +6909,14 @@
       </p:sp>
     </p:spTree>
   </p:cSld>
+  <p:clrMapOvr>
+    <a:masterClrMapping/>
+  </p:clrMapOvr>
 </p:sld>
 </file>
 
 <file path=ppt/slides/slide13.xml><?xml version="1.0" encoding="utf-8"?>
-<p:sld xmlns:a="http://schemas.openxmlformats.org/drawingml/2006/main" xmlns:p="http://schemas.openxmlformats.org/presentationml/2006/main" xmlns:r="http://schemas.openxmlformats.org/officeDocument/2006/relationships" xmlns:p14="http://schemas.microsoft.com/office/powerpoint/2010/main" xmlns:p15="http://schemas.microsoft.com/office/powerpoint/2012/main" xmlns:mc="http://schemas.openxmlformats.org/markup-compatibility/2006">
+<p:sld xmlns:a="http://schemas.openxmlformats.org/drawingml/2006/main" xmlns:r="http://schemas.openxmlformats.org/officeDocument/2006/relationships" xmlns:p="http://schemas.openxmlformats.org/presentationml/2006/main">
   <p:cSld>
     <p:spTree>
       <p:nvGrpSpPr>
@@ -4634,29 +6952,30 @@
           </a:ln>
         </p:spPr>
         <p:txBody>
-          <a:bodyPr lIns="0" rIns="0" tIns="0" bIns="0" anchor="ctr"/>
-          <a:p>
-            <a:r>
-              <a:rPr b="0" lang="en-US" sz="7200" spc="-1" strike="noStrike">
-                <a:solidFill>
-                  <a:srgbClr val="ffffff"/>
-                </a:solidFill>
-                <a:uFill>
-                  <a:solidFill>
-                    <a:srgbClr val="ffffff"/>
+          <a:bodyPr lIns="0" tIns="0" rIns="0" bIns="0" anchor="ctr"/>
+          <a:lstStyle/>
+          <a:p>
+            <a:r>
+              <a:rPr lang="en-US" sz="7200" b="0" strike="noStrike" spc="-1">
+                <a:solidFill>
+                  <a:srgbClr val="FFFFFF"/>
+                </a:solidFill>
+                <a:uFill>
+                  <a:solidFill>
+                    <a:srgbClr val="FFFFFF"/>
                   </a:solidFill>
                 </a:uFill>
                 <a:latin typeface="Arial"/>
               </a:rPr>
               <a:t>Discussion </a:t>
             </a:r>
-            <a:endParaRPr b="0" lang="en-US" sz="8450" spc="-1" strike="noStrike">
-              <a:solidFill>
-                <a:srgbClr val="ffffff"/>
-              </a:solidFill>
-              <a:uFill>
-                <a:solidFill>
-                  <a:srgbClr val="ffffff"/>
+            <a:endParaRPr lang="en-US" sz="8450" b="0" strike="noStrike" spc="-1">
+              <a:solidFill>
+                <a:srgbClr val="FFFFFF"/>
+              </a:solidFill>
+              <a:uFill>
+                <a:solidFill>
+                  <a:srgbClr val="FFFFFF"/>
                 </a:solidFill>
               </a:uFill>
               <a:latin typeface="Arial"/>
@@ -4684,15 +7003,16 @@
           </a:ln>
         </p:spPr>
         <p:txBody>
-          <a:bodyPr lIns="0" rIns="0" tIns="0" bIns="0" anchor="ctr"/>
-          <a:p>
-            <a:endParaRPr b="0" lang="en-US" sz="3200" spc="-1" strike="noStrike">
+          <a:bodyPr lIns="0" tIns="0" rIns="0" bIns="0" anchor="ctr"/>
+          <a:lstStyle/>
+          <a:p>
+            <a:endParaRPr lang="en-US" sz="3200" b="0" strike="noStrike" spc="-1">
               <a:solidFill>
                 <a:srgbClr val="000000"/>
               </a:solidFill>
               <a:uFill>
                 <a:solidFill>
-                  <a:srgbClr val="ffffff"/>
+                  <a:srgbClr val="FFFFFF"/>
                 </a:solidFill>
               </a:uFill>
               <a:latin typeface="Arial"/>
@@ -4702,11 +7022,14 @@
       </p:sp>
     </p:spTree>
   </p:cSld>
+  <p:clrMapOvr>
+    <a:masterClrMapping/>
+  </p:clrMapOvr>
 </p:sld>
 </file>
 
 <file path=ppt/slides/slide2.xml><?xml version="1.0" encoding="utf-8"?>
-<p:sld xmlns:a="http://schemas.openxmlformats.org/drawingml/2006/main" xmlns:p="http://schemas.openxmlformats.org/presentationml/2006/main" xmlns:r="http://schemas.openxmlformats.org/officeDocument/2006/relationships" xmlns:p14="http://schemas.microsoft.com/office/powerpoint/2010/main" xmlns:p15="http://schemas.microsoft.com/office/powerpoint/2012/main" xmlns:mc="http://schemas.openxmlformats.org/markup-compatibility/2006">
+<p:sld xmlns:a="http://schemas.openxmlformats.org/drawingml/2006/main" xmlns:r="http://schemas.openxmlformats.org/officeDocument/2006/relationships" xmlns:p="http://schemas.openxmlformats.org/presentationml/2006/main">
   <p:cSld>
     <p:spTree>
       <p:nvGrpSpPr>
@@ -4742,29 +7065,30 @@
           </a:ln>
         </p:spPr>
         <p:txBody>
-          <a:bodyPr lIns="0" rIns="0" tIns="0" bIns="0" anchor="ctr"/>
-          <a:p>
-            <a:r>
-              <a:rPr b="0" lang="en-US" sz="7200" spc="-1" strike="noStrike">
-                <a:solidFill>
-                  <a:srgbClr val="ffffff"/>
-                </a:solidFill>
-                <a:uFill>
-                  <a:solidFill>
-                    <a:srgbClr val="ffffff"/>
+          <a:bodyPr lIns="0" tIns="0" rIns="0" bIns="0" anchor="ctr"/>
+          <a:lstStyle/>
+          <a:p>
+            <a:r>
+              <a:rPr lang="en-US" sz="7200" b="0" strike="noStrike" spc="-1">
+                <a:solidFill>
+                  <a:srgbClr val="FFFFFF"/>
+                </a:solidFill>
+                <a:uFill>
+                  <a:solidFill>
+                    <a:srgbClr val="FFFFFF"/>
                   </a:solidFill>
                 </a:uFill>
                 <a:latin typeface="Arial"/>
               </a:rPr>
               <a:t>Goal</a:t>
             </a:r>
-            <a:endParaRPr b="0" lang="en-US" sz="8450" spc="-1" strike="noStrike">
-              <a:solidFill>
-                <a:srgbClr val="ffffff"/>
-              </a:solidFill>
-              <a:uFill>
-                <a:solidFill>
-                  <a:srgbClr val="ffffff"/>
+            <a:endParaRPr lang="en-US" sz="8450" b="0" strike="noStrike" spc="-1">
+              <a:solidFill>
+                <a:srgbClr val="FFFFFF"/>
+              </a:solidFill>
+              <a:uFill>
+                <a:solidFill>
+                  <a:srgbClr val="FFFFFF"/>
                 </a:solidFill>
               </a:uFill>
               <a:latin typeface="Arial"/>
@@ -4792,44 +7116,34 @@
           </a:ln>
         </p:spPr>
         <p:txBody>
-          <a:bodyPr lIns="0" rIns="0" tIns="0" bIns="0" anchor="ctr"/>
-          <a:p>
-            <a:r>
-              <a:rPr b="0" lang="en-US" sz="3200" spc="-1" strike="noStrike">
-                <a:solidFill>
-                  <a:srgbClr val="000000"/>
-                </a:solidFill>
-                <a:uFill>
-                  <a:solidFill>
-                    <a:srgbClr val="ffffff"/>
+          <a:bodyPr lIns="0" tIns="0" rIns="0" bIns="0" anchor="ctr"/>
+          <a:lstStyle/>
+          <a:p>
+            <a:r>
+              <a:rPr lang="en-US" sz="3200" b="0" strike="noStrike" spc="-1">
+                <a:solidFill>
+                  <a:srgbClr val="000000"/>
+                </a:solidFill>
+                <a:uFill>
+                  <a:solidFill>
+                    <a:srgbClr val="FFFFFF"/>
                   </a:solidFill>
                 </a:uFill>
                 <a:latin typeface="Arial"/>
               </a:rPr>
               <a:t>Connect all Shapes and Vias into one set with the minimum cost of the connections.</a:t>
             </a:r>
-            <a:endParaRPr b="0" lang="en-US" sz="3200" spc="-1" strike="noStrike">
-              <a:solidFill>
-                <a:srgbClr val="000000"/>
-              </a:solidFill>
-              <a:uFill>
-                <a:solidFill>
-                  <a:srgbClr val="ffffff"/>
-                </a:solidFill>
-              </a:uFill>
-              <a:latin typeface="Arial"/>
-            </a:endParaRPr>
           </a:p>
         </p:txBody>
       </p:sp>
       <p:pic>
         <p:nvPicPr>
-          <p:cNvPr id="83" name="" descr=""/>
+          <p:cNvPr id="83" name="圖片 82"/>
           <p:cNvPicPr/>
           <p:nvPr/>
         </p:nvPicPr>
         <p:blipFill>
-          <a:blip r:embed="rId1"/>
+          <a:blip r:embed="rId2"/>
           <a:srcRect l="9701" t="38537" r="45844" b="27081"/>
           <a:stretch/>
         </p:blipFill>
@@ -4848,11 +7162,14 @@
       </p:pic>
     </p:spTree>
   </p:cSld>
+  <p:clrMapOvr>
+    <a:masterClrMapping/>
+  </p:clrMapOvr>
 </p:sld>
 </file>
 
 <file path=ppt/slides/slide3.xml><?xml version="1.0" encoding="utf-8"?>
-<p:sld xmlns:a="http://schemas.openxmlformats.org/drawingml/2006/main" xmlns:p="http://schemas.openxmlformats.org/presentationml/2006/main" xmlns:r="http://schemas.openxmlformats.org/officeDocument/2006/relationships" xmlns:p14="http://schemas.microsoft.com/office/powerpoint/2010/main" xmlns:p15="http://schemas.microsoft.com/office/powerpoint/2012/main" xmlns:mc="http://schemas.openxmlformats.org/markup-compatibility/2006">
+<p:sld xmlns:a="http://schemas.openxmlformats.org/drawingml/2006/main" xmlns:r="http://schemas.openxmlformats.org/officeDocument/2006/relationships" xmlns:p="http://schemas.openxmlformats.org/presentationml/2006/main">
   <p:cSld>
     <p:spTree>
       <p:nvGrpSpPr>
@@ -4888,29 +7205,30 @@
           </a:ln>
         </p:spPr>
         <p:txBody>
-          <a:bodyPr lIns="0" rIns="0" tIns="0" bIns="0" anchor="ctr"/>
-          <a:p>
-            <a:r>
-              <a:rPr b="0" lang="en-US" sz="7200" spc="-1" strike="noStrike">
-                <a:solidFill>
-                  <a:srgbClr val="ffffff"/>
-                </a:solidFill>
-                <a:uFill>
-                  <a:solidFill>
-                    <a:srgbClr val="ffffff"/>
+          <a:bodyPr lIns="0" tIns="0" rIns="0" bIns="0" anchor="ctr"/>
+          <a:lstStyle/>
+          <a:p>
+            <a:r>
+              <a:rPr lang="en-US" sz="7200" b="0" strike="noStrike" spc="-1">
+                <a:solidFill>
+                  <a:srgbClr val="FFFFFF"/>
+                </a:solidFill>
+                <a:uFill>
+                  <a:solidFill>
+                    <a:srgbClr val="FFFFFF"/>
                   </a:solidFill>
                 </a:uFill>
                 <a:latin typeface="Arial"/>
               </a:rPr>
               <a:t>Main problems </a:t>
             </a:r>
-            <a:endParaRPr b="0" lang="en-US" sz="8450" spc="-1" strike="noStrike">
-              <a:solidFill>
-                <a:srgbClr val="ffffff"/>
-              </a:solidFill>
-              <a:uFill>
-                <a:solidFill>
-                  <a:srgbClr val="ffffff"/>
+            <a:endParaRPr lang="en-US" sz="8450" b="0" strike="noStrike" spc="-1">
+              <a:solidFill>
+                <a:srgbClr val="FFFFFF"/>
+              </a:solidFill>
+              <a:uFill>
+                <a:solidFill>
+                  <a:srgbClr val="FFFFFF"/>
                 </a:solidFill>
               </a:uFill>
               <a:latin typeface="Arial"/>
@@ -4938,151 +7256,100 @@
           </a:ln>
         </p:spPr>
         <p:txBody>
-          <a:bodyPr lIns="0" rIns="0" tIns="0" bIns="0" anchor="ctr"/>
-          <a:p>
-            <a:r>
-              <a:rPr b="0" lang="en-US" sz="3200" spc="-1" strike="noStrike">
-                <a:solidFill>
-                  <a:srgbClr val="000000"/>
-                </a:solidFill>
-                <a:uFill>
-                  <a:solidFill>
-                    <a:srgbClr val="ffffff"/>
+          <a:bodyPr lIns="0" tIns="0" rIns="0" bIns="0" anchor="ctr"/>
+          <a:lstStyle/>
+          <a:p>
+            <a:r>
+              <a:rPr lang="en-US" sz="3200" b="0" strike="noStrike" spc="-1">
+                <a:solidFill>
+                  <a:srgbClr val="000000"/>
+                </a:solidFill>
+                <a:uFill>
+                  <a:solidFill>
+                    <a:srgbClr val="FFFFFF"/>
                   </a:solidFill>
                 </a:uFill>
                 <a:latin typeface="Arial"/>
               </a:rPr>
               <a:t>* Finding shortest path for two distinguish points with or without obstacles between.</a:t>
             </a:r>
-            <a:endParaRPr b="0" lang="en-US" sz="3200" spc="-1" strike="noStrike">
-              <a:solidFill>
-                <a:srgbClr val="000000"/>
-              </a:solidFill>
-              <a:uFill>
-                <a:solidFill>
-                  <a:srgbClr val="ffffff"/>
-                </a:solidFill>
-              </a:uFill>
-              <a:latin typeface="Arial"/>
-            </a:endParaRPr>
-          </a:p>
-          <a:p>
-            <a:r>
-              <a:rPr b="0" lang="en-US" sz="3200" spc="-1" strike="noStrike">
-                <a:solidFill>
-                  <a:srgbClr val="000000"/>
-                </a:solidFill>
-                <a:uFill>
-                  <a:solidFill>
-                    <a:srgbClr val="ffffff"/>
+          </a:p>
+          <a:p>
+            <a:r>
+              <a:rPr lang="en-US" sz="3200" b="0" strike="noStrike" spc="-1">
+                <a:solidFill>
+                  <a:srgbClr val="000000"/>
+                </a:solidFill>
+                <a:uFill>
+                  <a:solidFill>
+                    <a:srgbClr val="FFFFFF"/>
                   </a:solidFill>
                 </a:uFill>
                 <a:latin typeface="Arial"/>
               </a:rPr>
               <a:t>* Check for disjoint sets.</a:t>
             </a:r>
-            <a:endParaRPr b="0" lang="en-US" sz="3200" spc="-1" strike="noStrike">
-              <a:solidFill>
-                <a:srgbClr val="000000"/>
-              </a:solidFill>
-              <a:uFill>
-                <a:solidFill>
-                  <a:srgbClr val="ffffff"/>
-                </a:solidFill>
-              </a:uFill>
-              <a:latin typeface="Arial"/>
-            </a:endParaRPr>
-          </a:p>
-          <a:p>
-            <a:r>
-              <a:rPr b="0" lang="en-US" sz="3200" spc="-1" strike="noStrike">
-                <a:solidFill>
-                  <a:srgbClr val="000000"/>
-                </a:solidFill>
-                <a:uFill>
-                  <a:solidFill>
-                    <a:srgbClr val="ffffff"/>
+          </a:p>
+          <a:p>
+            <a:r>
+              <a:rPr lang="en-US" sz="3200" b="0" strike="noStrike" spc="-1">
+                <a:solidFill>
+                  <a:srgbClr val="000000"/>
+                </a:solidFill>
+                <a:uFill>
+                  <a:solidFill>
+                    <a:srgbClr val="FFFFFF"/>
                   </a:solidFill>
                 </a:uFill>
                 <a:latin typeface="Arial"/>
               </a:rPr>
               <a:t>* Determine the closest point pair between two disjoint set.</a:t>
             </a:r>
-            <a:endParaRPr b="0" lang="en-US" sz="3200" spc="-1" strike="noStrike">
-              <a:solidFill>
-                <a:srgbClr val="000000"/>
-              </a:solidFill>
-              <a:uFill>
-                <a:solidFill>
-                  <a:srgbClr val="ffffff"/>
-                </a:solidFill>
-              </a:uFill>
-              <a:latin typeface="Arial"/>
-            </a:endParaRPr>
-          </a:p>
-          <a:p>
-            <a:r>
-              <a:rPr b="0" lang="en-US" sz="3200" spc="-1" strike="noStrike">
-                <a:solidFill>
-                  <a:srgbClr val="000000"/>
-                </a:solidFill>
-                <a:uFill>
-                  <a:solidFill>
-                    <a:srgbClr val="ffffff"/>
+          </a:p>
+          <a:p>
+            <a:r>
+              <a:rPr lang="en-US" sz="3200" b="0" strike="noStrike" spc="-1">
+                <a:solidFill>
+                  <a:srgbClr val="000000"/>
+                </a:solidFill>
+                <a:uFill>
+                  <a:solidFill>
+                    <a:srgbClr val="FFFFFF"/>
                   </a:solidFill>
                 </a:uFill>
                 <a:latin typeface="Arial"/>
               </a:rPr>
               <a:t>* Avoid duplicated connection.</a:t>
             </a:r>
-            <a:endParaRPr b="0" lang="en-US" sz="3200" spc="-1" strike="noStrike">
-              <a:solidFill>
-                <a:srgbClr val="000000"/>
-              </a:solidFill>
-              <a:uFill>
-                <a:solidFill>
-                  <a:srgbClr val="ffffff"/>
-                </a:solidFill>
-              </a:uFill>
-              <a:latin typeface="Arial"/>
-            </a:endParaRPr>
-          </a:p>
-          <a:p>
-            <a:r>
-              <a:rPr b="0" lang="en-US" sz="3200" spc="-1" strike="noStrike">
-                <a:solidFill>
-                  <a:srgbClr val="000000"/>
-                </a:solidFill>
-                <a:uFill>
-                  <a:solidFill>
-                    <a:srgbClr val="ffffff"/>
+          </a:p>
+          <a:p>
+            <a:r>
+              <a:rPr lang="en-US" sz="3200" b="0" strike="noStrike" spc="-1">
+                <a:solidFill>
+                  <a:srgbClr val="000000"/>
+                </a:solidFill>
+                <a:uFill>
+                  <a:solidFill>
+                    <a:srgbClr val="FFFFFF"/>
                   </a:solidFill>
                 </a:uFill>
                 <a:latin typeface="Arial"/>
               </a:rPr>
               <a:t>* Simplify the three-dimensional problem.</a:t>
             </a:r>
-            <a:endParaRPr b="0" lang="en-US" sz="3200" spc="-1" strike="noStrike">
-              <a:solidFill>
-                <a:srgbClr val="000000"/>
-              </a:solidFill>
-              <a:uFill>
-                <a:solidFill>
-                  <a:srgbClr val="ffffff"/>
-                </a:solidFill>
-              </a:uFill>
-              <a:latin typeface="Arial"/>
-            </a:endParaRPr>
           </a:p>
         </p:txBody>
       </p:sp>
     </p:spTree>
   </p:cSld>
+  <p:clrMapOvr>
+    <a:masterClrMapping/>
+  </p:clrMapOvr>
 </p:sld>
 </file>
 
 <file path=ppt/slides/slide4.xml><?xml version="1.0" encoding="utf-8"?>
-<p:sld xmlns:a="http://schemas.openxmlformats.org/drawingml/2006/main" xmlns:p="http://schemas.openxmlformats.org/presentationml/2006/main" xmlns:r="http://schemas.openxmlformats.org/officeDocument/2006/relationships" xmlns:p14="http://schemas.microsoft.com/office/powerpoint/2010/main" xmlns:p15="http://schemas.microsoft.com/office/powerpoint/2012/main" xmlns:mc="http://schemas.openxmlformats.org/markup-compatibility/2006">
+<p:sld xmlns:a="http://schemas.openxmlformats.org/drawingml/2006/main" xmlns:r="http://schemas.openxmlformats.org/officeDocument/2006/relationships" xmlns:p="http://schemas.openxmlformats.org/presentationml/2006/main">
   <p:cSld>
     <p:spTree>
       <p:nvGrpSpPr>
@@ -5118,29 +7385,30 @@
           </a:ln>
         </p:spPr>
         <p:txBody>
-          <a:bodyPr lIns="0" rIns="0" tIns="0" bIns="0" anchor="ctr"/>
-          <a:p>
-            <a:r>
-              <a:rPr b="0" lang="en-US" sz="7200" spc="-1" strike="noStrike">
-                <a:solidFill>
-                  <a:srgbClr val="ffffff"/>
-                </a:solidFill>
-                <a:uFill>
-                  <a:solidFill>
-                    <a:srgbClr val="ffffff"/>
+          <a:bodyPr lIns="0" tIns="0" rIns="0" bIns="0" anchor="ctr"/>
+          <a:lstStyle/>
+          <a:p>
+            <a:r>
+              <a:rPr lang="en-US" sz="7200" b="0" strike="noStrike" spc="-1">
+                <a:solidFill>
+                  <a:srgbClr val="FFFFFF"/>
+                </a:solidFill>
+                <a:uFill>
+                  <a:solidFill>
+                    <a:srgbClr val="FFFFFF"/>
                   </a:solidFill>
                 </a:uFill>
                 <a:latin typeface="Arial"/>
               </a:rPr>
               <a:t>Others’ solution </a:t>
             </a:r>
-            <a:endParaRPr b="0" lang="en-US" sz="8450" spc="-1" strike="noStrike">
-              <a:solidFill>
-                <a:srgbClr val="ffffff"/>
-              </a:solidFill>
-              <a:uFill>
-                <a:solidFill>
-                  <a:srgbClr val="ffffff"/>
+            <a:endParaRPr lang="en-US" sz="8450" b="0" strike="noStrike" spc="-1">
+              <a:solidFill>
+                <a:srgbClr val="FFFFFF"/>
+              </a:solidFill>
+              <a:uFill>
+                <a:solidFill>
+                  <a:srgbClr val="FFFFFF"/>
                 </a:solidFill>
               </a:uFill>
               <a:latin typeface="Arial"/>
@@ -5168,15 +7436,16 @@
           </a:ln>
         </p:spPr>
         <p:txBody>
-          <a:bodyPr lIns="0" rIns="0" tIns="0" bIns="0" anchor="ctr"/>
-          <a:p>
-            <a:endParaRPr b="0" lang="en-US" sz="3200" spc="-1" strike="noStrike">
+          <a:bodyPr lIns="0" tIns="0" rIns="0" bIns="0" anchor="ctr"/>
+          <a:lstStyle/>
+          <a:p>
+            <a:endParaRPr lang="en-US" sz="3200" b="0" strike="noStrike" spc="-1">
               <a:solidFill>
                 <a:srgbClr val="000000"/>
               </a:solidFill>
               <a:uFill>
                 <a:solidFill>
-                  <a:srgbClr val="ffffff"/>
+                  <a:srgbClr val="FFFFFF"/>
                 </a:solidFill>
               </a:uFill>
               <a:latin typeface="Arial"/>
@@ -5186,11 +7455,14 @@
       </p:sp>
     </p:spTree>
   </p:cSld>
+  <p:clrMapOvr>
+    <a:masterClrMapping/>
+  </p:clrMapOvr>
 </p:sld>
 </file>
 
 <file path=ppt/slides/slide5.xml><?xml version="1.0" encoding="utf-8"?>
-<p:sld xmlns:a="http://schemas.openxmlformats.org/drawingml/2006/main" xmlns:p="http://schemas.openxmlformats.org/presentationml/2006/main" xmlns:r="http://schemas.openxmlformats.org/officeDocument/2006/relationships" xmlns:p14="http://schemas.microsoft.com/office/powerpoint/2010/main" xmlns:p15="http://schemas.microsoft.com/office/powerpoint/2012/main" xmlns:mc="http://schemas.openxmlformats.org/markup-compatibility/2006">
+<p:sld xmlns:a="http://schemas.openxmlformats.org/drawingml/2006/main" xmlns:r="http://schemas.openxmlformats.org/officeDocument/2006/relationships" xmlns:p="http://schemas.openxmlformats.org/presentationml/2006/main">
   <p:cSld>
     <p:spTree>
       <p:nvGrpSpPr>
@@ -5226,29 +7498,30 @@
           </a:ln>
         </p:spPr>
         <p:txBody>
-          <a:bodyPr lIns="0" rIns="0" tIns="0" bIns="0" anchor="ctr"/>
-          <a:p>
-            <a:r>
-              <a:rPr b="0" lang="en-US" sz="7200" spc="-1" strike="noStrike">
-                <a:solidFill>
-                  <a:srgbClr val="ffffff"/>
-                </a:solidFill>
-                <a:uFill>
-                  <a:solidFill>
-                    <a:srgbClr val="ffffff"/>
+          <a:bodyPr lIns="0" tIns="0" rIns="0" bIns="0" anchor="ctr"/>
+          <a:lstStyle/>
+          <a:p>
+            <a:r>
+              <a:rPr lang="en-US" sz="7200" b="0" strike="noStrike" spc="-1">
+                <a:solidFill>
+                  <a:srgbClr val="FFFFFF"/>
+                </a:solidFill>
+                <a:uFill>
+                  <a:solidFill>
+                    <a:srgbClr val="FFFFFF"/>
                   </a:solidFill>
                 </a:uFill>
                 <a:latin typeface="Arial"/>
               </a:rPr>
               <a:t>Our solution </a:t>
             </a:r>
-            <a:endParaRPr b="0" lang="en-US" sz="8450" spc="-1" strike="noStrike">
-              <a:solidFill>
-                <a:srgbClr val="ffffff"/>
-              </a:solidFill>
-              <a:uFill>
-                <a:solidFill>
-                  <a:srgbClr val="ffffff"/>
+            <a:endParaRPr lang="en-US" sz="8450" b="0" strike="noStrike" spc="-1">
+              <a:solidFill>
+                <a:srgbClr val="FFFFFF"/>
+              </a:solidFill>
+              <a:uFill>
+                <a:solidFill>
+                  <a:srgbClr val="FFFFFF"/>
                 </a:solidFill>
               </a:uFill>
               <a:latin typeface="Arial"/>
@@ -5276,33 +7549,23 @@
           </a:ln>
         </p:spPr>
         <p:txBody>
-          <a:bodyPr lIns="0" rIns="0" tIns="0" bIns="0" anchor="ctr"/>
-          <a:p>
-            <a:r>
-              <a:rPr b="0" lang="en-US" sz="3200" spc="-1" strike="noStrike">
-                <a:solidFill>
-                  <a:srgbClr val="000000"/>
-                </a:solidFill>
-                <a:uFill>
-                  <a:solidFill>
-                    <a:srgbClr val="ffffff"/>
+          <a:bodyPr lIns="0" tIns="0" rIns="0" bIns="0" anchor="ctr"/>
+          <a:lstStyle/>
+          <a:p>
+            <a:r>
+              <a:rPr lang="en-US" sz="3200" b="0" strike="noStrike" spc="-1">
+                <a:solidFill>
+                  <a:srgbClr val="000000"/>
+                </a:solidFill>
+                <a:uFill>
+                  <a:solidFill>
+                    <a:srgbClr val="FFFFFF"/>
                   </a:solidFill>
                 </a:uFill>
                 <a:latin typeface="Arial"/>
               </a:rPr>
               <a:t>For each layer, sort all the shapes on x/y direction and check for all the overlapping, thus find all the trivial connections.</a:t>
             </a:r>
-            <a:endParaRPr b="0" lang="en-US" sz="3200" spc="-1" strike="noStrike">
-              <a:solidFill>
-                <a:srgbClr val="000000"/>
-              </a:solidFill>
-              <a:uFill>
-                <a:solidFill>
-                  <a:srgbClr val="ffffff"/>
-                </a:solidFill>
-              </a:uFill>
-              <a:latin typeface="Arial"/>
-            </a:endParaRPr>
           </a:p>
         </p:txBody>
       </p:sp>
@@ -5321,18 +7584,24 @@
             <a:avLst/>
           </a:prstGeom>
           <a:solidFill>
-            <a:srgbClr val="cfe7f5"/>
+            <a:srgbClr val="CFE7F5"/>
           </a:solidFill>
           <a:ln>
             <a:solidFill>
-              <a:srgbClr val="3465a4"/>
+              <a:srgbClr val="3465A4"/>
             </a:solidFill>
           </a:ln>
         </p:spPr>
         <p:style>
-          <a:lnRef idx="0"/>
-          <a:fillRef idx="0"/>
-          <a:effectRef idx="0"/>
+          <a:lnRef idx="0">
+            <a:scrgbClr r="0" g="0" b="0"/>
+          </a:lnRef>
+          <a:fillRef idx="0">
+            <a:scrgbClr r="0" g="0" b="0"/>
+          </a:fillRef>
+          <a:effectRef idx="0">
+            <a:scrgbClr r="0" g="0" b="0"/>
+          </a:effectRef>
           <a:fontRef idx="minor"/>
         </p:style>
       </p:sp>
@@ -5352,15 +7621,21 @@
           </a:prstGeom>
           <a:ln w="109800">
             <a:solidFill>
-              <a:srgbClr val="ff3333"/>
+              <a:srgbClr val="FF3333"/>
             </a:solidFill>
             <a:round/>
           </a:ln>
         </p:spPr>
         <p:style>
-          <a:lnRef idx="0"/>
-          <a:fillRef idx="0"/>
-          <a:effectRef idx="0"/>
+          <a:lnRef idx="0">
+            <a:scrgbClr r="0" g="0" b="0"/>
+          </a:lnRef>
+          <a:fillRef idx="0">
+            <a:scrgbClr r="0" g="0" b="0"/>
+          </a:fillRef>
+          <a:effectRef idx="0">
+            <a:scrgbClr r="0" g="0" b="0"/>
+          </a:effectRef>
           <a:fontRef idx="minor"/>
         </p:style>
       </p:sp>
@@ -5380,15 +7655,21 @@
           </a:prstGeom>
           <a:ln w="109800">
             <a:solidFill>
-              <a:srgbClr val="ff3333"/>
+              <a:srgbClr val="FF3333"/>
             </a:solidFill>
             <a:round/>
           </a:ln>
         </p:spPr>
         <p:style>
-          <a:lnRef idx="0"/>
-          <a:fillRef idx="0"/>
-          <a:effectRef idx="0"/>
+          <a:lnRef idx="0">
+            <a:scrgbClr r="0" g="0" b="0"/>
+          </a:lnRef>
+          <a:fillRef idx="0">
+            <a:scrgbClr r="0" g="0" b="0"/>
+          </a:fillRef>
+          <a:effectRef idx="0">
+            <a:scrgbClr r="0" g="0" b="0"/>
+          </a:effectRef>
           <a:fontRef idx="minor"/>
         </p:style>
       </p:sp>
@@ -5408,15 +7689,21 @@
           </a:prstGeom>
           <a:ln w="109800">
             <a:solidFill>
-              <a:srgbClr val="ff3333"/>
+              <a:srgbClr val="FF3333"/>
             </a:solidFill>
             <a:round/>
           </a:ln>
         </p:spPr>
         <p:style>
-          <a:lnRef idx="0"/>
-          <a:fillRef idx="0"/>
-          <a:effectRef idx="0"/>
+          <a:lnRef idx="0">
+            <a:scrgbClr r="0" g="0" b="0"/>
+          </a:lnRef>
+          <a:fillRef idx="0">
+            <a:scrgbClr r="0" g="0" b="0"/>
+          </a:fillRef>
+          <a:effectRef idx="0">
+            <a:scrgbClr r="0" g="0" b="0"/>
+          </a:effectRef>
           <a:fontRef idx="minor"/>
         </p:style>
       </p:sp>
@@ -5436,7 +7723,7 @@
           </a:prstGeom>
           <a:ln w="73080">
             <a:solidFill>
-              <a:srgbClr val="ff3333"/>
+              <a:srgbClr val="FF3333"/>
             </a:solidFill>
             <a:custDash>
               <a:ds d="0" sp="0"/>
@@ -5445,9 +7732,15 @@
           </a:ln>
         </p:spPr>
         <p:style>
-          <a:lnRef idx="0"/>
-          <a:fillRef idx="0"/>
-          <a:effectRef idx="0"/>
+          <a:lnRef idx="0">
+            <a:scrgbClr r="0" g="0" b="0"/>
+          </a:lnRef>
+          <a:fillRef idx="0">
+            <a:scrgbClr r="0" g="0" b="0"/>
+          </a:fillRef>
+          <a:effectRef idx="0">
+            <a:scrgbClr r="0" g="0" b="0"/>
+          </a:effectRef>
           <a:fontRef idx="minor"/>
         </p:style>
       </p:sp>
@@ -5467,15 +7760,21 @@
           </a:prstGeom>
           <a:ln w="109800">
             <a:solidFill>
-              <a:srgbClr val="ff3333"/>
+              <a:srgbClr val="FF3333"/>
             </a:solidFill>
             <a:round/>
           </a:ln>
         </p:spPr>
         <p:style>
-          <a:lnRef idx="0"/>
-          <a:fillRef idx="0"/>
-          <a:effectRef idx="0"/>
+          <a:lnRef idx="0">
+            <a:scrgbClr r="0" g="0" b="0"/>
+          </a:lnRef>
+          <a:fillRef idx="0">
+            <a:scrgbClr r="0" g="0" b="0"/>
+          </a:fillRef>
+          <a:effectRef idx="0">
+            <a:scrgbClr r="0" g="0" b="0"/>
+          </a:effectRef>
           <a:fontRef idx="minor"/>
         </p:style>
       </p:sp>
@@ -5495,7 +7794,7 @@
           </a:prstGeom>
           <a:ln w="73080">
             <a:solidFill>
-              <a:srgbClr val="ff3333"/>
+              <a:srgbClr val="FF3333"/>
             </a:solidFill>
             <a:custDash>
               <a:ds d="0" sp="0"/>
@@ -5504,19 +7803,28 @@
           </a:ln>
         </p:spPr>
         <p:style>
-          <a:lnRef idx="0"/>
-          <a:fillRef idx="0"/>
-          <a:effectRef idx="0"/>
+          <a:lnRef idx="0">
+            <a:scrgbClr r="0" g="0" b="0"/>
+          </a:lnRef>
+          <a:fillRef idx="0">
+            <a:scrgbClr r="0" g="0" b="0"/>
+          </a:fillRef>
+          <a:effectRef idx="0">
+            <a:scrgbClr r="0" g="0" b="0"/>
+          </a:effectRef>
           <a:fontRef idx="minor"/>
         </p:style>
       </p:sp>
     </p:spTree>
   </p:cSld>
+  <p:clrMapOvr>
+    <a:masterClrMapping/>
+  </p:clrMapOvr>
 </p:sld>
 </file>
 
 <file path=ppt/slides/slide6.xml><?xml version="1.0" encoding="utf-8"?>
-<p:sld xmlns:a="http://schemas.openxmlformats.org/drawingml/2006/main" xmlns:p="http://schemas.openxmlformats.org/presentationml/2006/main" xmlns:r="http://schemas.openxmlformats.org/officeDocument/2006/relationships" xmlns:p14="http://schemas.microsoft.com/office/powerpoint/2010/main" xmlns:p15="http://schemas.microsoft.com/office/powerpoint/2012/main" xmlns:mc="http://schemas.openxmlformats.org/markup-compatibility/2006">
+<p:sld xmlns:a="http://schemas.openxmlformats.org/drawingml/2006/main" xmlns:r="http://schemas.openxmlformats.org/officeDocument/2006/relationships" xmlns:p="http://schemas.openxmlformats.org/presentationml/2006/main">
   <p:cSld>
     <p:spTree>
       <p:nvGrpSpPr>
@@ -5552,29 +7860,30 @@
           </a:ln>
         </p:spPr>
         <p:txBody>
-          <a:bodyPr lIns="0" rIns="0" tIns="0" bIns="0" anchor="ctr"/>
-          <a:p>
-            <a:r>
-              <a:rPr b="0" lang="en-US" sz="7200" spc="-1" strike="noStrike">
-                <a:solidFill>
-                  <a:srgbClr val="ffffff"/>
-                </a:solidFill>
-                <a:uFill>
-                  <a:solidFill>
-                    <a:srgbClr val="ffffff"/>
+          <a:bodyPr lIns="0" tIns="0" rIns="0" bIns="0" anchor="ctr"/>
+          <a:lstStyle/>
+          <a:p>
+            <a:r>
+              <a:rPr lang="en-US" sz="7200" b="0" strike="noStrike" spc="-1">
+                <a:solidFill>
+                  <a:srgbClr val="FFFFFF"/>
+                </a:solidFill>
+                <a:uFill>
+                  <a:solidFill>
+                    <a:srgbClr val="FFFFFF"/>
                   </a:solidFill>
                 </a:uFill>
                 <a:latin typeface="Arial"/>
               </a:rPr>
               <a:t>Our solution </a:t>
             </a:r>
-            <a:endParaRPr b="0" lang="en-US" sz="8450" spc="-1" strike="noStrike">
-              <a:solidFill>
-                <a:srgbClr val="ffffff"/>
-              </a:solidFill>
-              <a:uFill>
-                <a:solidFill>
-                  <a:srgbClr val="ffffff"/>
+            <a:endParaRPr lang="en-US" sz="8450" b="0" strike="noStrike" spc="-1">
+              <a:solidFill>
+                <a:srgbClr val="FFFFFF"/>
+              </a:solidFill>
+              <a:uFill>
+                <a:solidFill>
+                  <a:srgbClr val="FFFFFF"/>
                 </a:solidFill>
               </a:uFill>
               <a:latin typeface="Arial"/>
@@ -5602,44 +7911,34 @@
           </a:ln>
         </p:spPr>
         <p:txBody>
-          <a:bodyPr lIns="0" rIns="0" tIns="0" bIns="0" anchor="ctr"/>
-          <a:p>
-            <a:r>
-              <a:rPr b="0" lang="en-US" sz="3200" spc="-1" strike="noStrike">
-                <a:solidFill>
-                  <a:srgbClr val="000000"/>
-                </a:solidFill>
-                <a:uFill>
-                  <a:solidFill>
-                    <a:srgbClr val="ffffff"/>
+          <a:bodyPr lIns="0" tIns="0" rIns="0" bIns="0" anchor="ctr"/>
+          <a:lstStyle/>
+          <a:p>
+            <a:r>
+              <a:rPr lang="en-US" sz="3200" b="0" strike="noStrike" spc="-1">
+                <a:solidFill>
+                  <a:srgbClr val="000000"/>
+                </a:solidFill>
+                <a:uFill>
+                  <a:solidFill>
+                    <a:srgbClr val="FFFFFF"/>
                   </a:solidFill>
                 </a:uFill>
                 <a:latin typeface="Arial"/>
               </a:rPr>
               <a:t>Build a graph with nodes representing all the shapes and edges representing all the trvial connections. Then build a minimum spanning tree to find the necessary edges.</a:t>
             </a:r>
-            <a:endParaRPr b="0" lang="en-US" sz="3200" spc="-1" strike="noStrike">
-              <a:solidFill>
-                <a:srgbClr val="000000"/>
-              </a:solidFill>
-              <a:uFill>
-                <a:solidFill>
-                  <a:srgbClr val="ffffff"/>
-                </a:solidFill>
-              </a:uFill>
-              <a:latin typeface="Arial"/>
-            </a:endParaRPr>
           </a:p>
         </p:txBody>
       </p:sp>
       <p:pic>
         <p:nvPicPr>
-          <p:cNvPr id="99" name="" descr=""/>
+          <p:cNvPr id="99" name="圖片 98"/>
           <p:cNvPicPr/>
           <p:nvPr/>
         </p:nvPicPr>
         <p:blipFill>
-          <a:blip r:embed="rId1"/>
+          <a:blip r:embed="rId2"/>
           <a:srcRect l="29994" t="41792" r="28450" b="25545"/>
           <a:stretch/>
         </p:blipFill>
@@ -5658,11 +7957,14 @@
       </p:pic>
     </p:spTree>
   </p:cSld>
+  <p:clrMapOvr>
+    <a:masterClrMapping/>
+  </p:clrMapOvr>
 </p:sld>
 </file>
 
 <file path=ppt/slides/slide7.xml><?xml version="1.0" encoding="utf-8"?>
-<p:sld xmlns:a="http://schemas.openxmlformats.org/drawingml/2006/main" xmlns:p="http://schemas.openxmlformats.org/presentationml/2006/main" xmlns:r="http://schemas.openxmlformats.org/officeDocument/2006/relationships" xmlns:p14="http://schemas.microsoft.com/office/powerpoint/2010/main" xmlns:p15="http://schemas.microsoft.com/office/powerpoint/2012/main" xmlns:mc="http://schemas.openxmlformats.org/markup-compatibility/2006">
+<p:sld xmlns:a="http://schemas.openxmlformats.org/drawingml/2006/main" xmlns:r="http://schemas.openxmlformats.org/officeDocument/2006/relationships" xmlns:p="http://schemas.openxmlformats.org/presentationml/2006/main">
   <p:cSld>
     <p:spTree>
       <p:nvGrpSpPr>
@@ -5698,29 +8000,30 @@
           </a:ln>
         </p:spPr>
         <p:txBody>
-          <a:bodyPr lIns="0" rIns="0" tIns="0" bIns="0" anchor="ctr"/>
-          <a:p>
-            <a:r>
-              <a:rPr b="0" lang="en-US" sz="7200" spc="-1" strike="noStrike">
-                <a:solidFill>
-                  <a:srgbClr val="ffffff"/>
-                </a:solidFill>
-                <a:uFill>
-                  <a:solidFill>
-                    <a:srgbClr val="ffffff"/>
+          <a:bodyPr lIns="0" tIns="0" rIns="0" bIns="0" anchor="ctr"/>
+          <a:lstStyle/>
+          <a:p>
+            <a:r>
+              <a:rPr lang="en-US" sz="7200" b="0" strike="noStrike" spc="-1">
+                <a:solidFill>
+                  <a:srgbClr val="FFFFFF"/>
+                </a:solidFill>
+                <a:uFill>
+                  <a:solidFill>
+                    <a:srgbClr val="FFFFFF"/>
                   </a:solidFill>
                 </a:uFill>
                 <a:latin typeface="Arial"/>
               </a:rPr>
               <a:t>Our solution </a:t>
             </a:r>
-            <a:endParaRPr b="0" lang="en-US" sz="8450" spc="-1" strike="noStrike">
-              <a:solidFill>
-                <a:srgbClr val="ffffff"/>
-              </a:solidFill>
-              <a:uFill>
-                <a:solidFill>
-                  <a:srgbClr val="ffffff"/>
+            <a:endParaRPr lang="en-US" sz="8450" b="0" strike="noStrike" spc="-1">
+              <a:solidFill>
+                <a:srgbClr val="FFFFFF"/>
+              </a:solidFill>
+              <a:uFill>
+                <a:solidFill>
+                  <a:srgbClr val="FFFFFF"/>
                 </a:solidFill>
               </a:uFill>
               <a:latin typeface="Arial"/>
@@ -5748,44 +8051,34 @@
           </a:ln>
         </p:spPr>
         <p:txBody>
-          <a:bodyPr lIns="0" rIns="0" tIns="0" bIns="0" anchor="ctr"/>
-          <a:p>
-            <a:r>
-              <a:rPr b="0" lang="en-US" sz="3200" spc="-1" strike="noStrike">
-                <a:solidFill>
-                  <a:srgbClr val="000000"/>
-                </a:solidFill>
-                <a:uFill>
-                  <a:solidFill>
-                    <a:srgbClr val="ffffff"/>
+          <a:bodyPr lIns="0" tIns="0" rIns="0" bIns="0" anchor="ctr"/>
+          <a:lstStyle/>
+          <a:p>
+            <a:r>
+              <a:rPr lang="en-US" sz="3200" b="0" strike="noStrike" spc="-1">
+                <a:solidFill>
+                  <a:srgbClr val="000000"/>
+                </a:solidFill>
+                <a:uFill>
+                  <a:solidFill>
+                    <a:srgbClr val="FFFFFF"/>
                   </a:solidFill>
                 </a:uFill>
                 <a:latin typeface="Arial"/>
               </a:rPr>
               <a:t>For the remained disjoint set, use Hadlock’s Algorithm to find the shortest path for the chosen point pairs.</a:t>
             </a:r>
-            <a:endParaRPr b="0" lang="en-US" sz="3200" spc="-1" strike="noStrike">
-              <a:solidFill>
-                <a:srgbClr val="000000"/>
-              </a:solidFill>
-              <a:uFill>
-                <a:solidFill>
-                  <a:srgbClr val="ffffff"/>
-                </a:solidFill>
-              </a:uFill>
-              <a:latin typeface="Arial"/>
-            </a:endParaRPr>
           </a:p>
         </p:txBody>
       </p:sp>
       <p:pic>
         <p:nvPicPr>
-          <p:cNvPr id="102" name="" descr=""/>
+          <p:cNvPr id="102" name="圖片 101"/>
           <p:cNvPicPr/>
           <p:nvPr/>
         </p:nvPicPr>
         <p:blipFill>
-          <a:blip r:embed="rId1"/>
+          <a:blip r:embed="rId2"/>
           <a:srcRect l="46422" t="48667" r="29416" b="10076"/>
           <a:stretch/>
         </p:blipFill>
@@ -5804,11 +8097,14 @@
       </p:pic>
     </p:spTree>
   </p:cSld>
+  <p:clrMapOvr>
+    <a:masterClrMapping/>
+  </p:clrMapOvr>
 </p:sld>
 </file>
 
 <file path=ppt/slides/slide8.xml><?xml version="1.0" encoding="utf-8"?>
-<p:sld xmlns:a="http://schemas.openxmlformats.org/drawingml/2006/main" xmlns:p="http://schemas.openxmlformats.org/presentationml/2006/main" xmlns:r="http://schemas.openxmlformats.org/officeDocument/2006/relationships" xmlns:p14="http://schemas.microsoft.com/office/powerpoint/2010/main" xmlns:p15="http://schemas.microsoft.com/office/powerpoint/2012/main" xmlns:mc="http://schemas.openxmlformats.org/markup-compatibility/2006">
+<p:sld xmlns:a="http://schemas.openxmlformats.org/drawingml/2006/main" xmlns:r="http://schemas.openxmlformats.org/officeDocument/2006/relationships" xmlns:p="http://schemas.openxmlformats.org/presentationml/2006/main">
   <p:cSld>
     <p:spTree>
       <p:nvGrpSpPr>
@@ -5844,29 +8140,30 @@
           </a:ln>
         </p:spPr>
         <p:txBody>
-          <a:bodyPr lIns="0" rIns="0" tIns="0" bIns="0" anchor="ctr"/>
-          <a:p>
-            <a:r>
-              <a:rPr b="0" lang="en-US" sz="7200" spc="-1" strike="noStrike">
-                <a:solidFill>
-                  <a:srgbClr val="ffffff"/>
-                </a:solidFill>
-                <a:uFill>
-                  <a:solidFill>
-                    <a:srgbClr val="ffffff"/>
+          <a:bodyPr lIns="0" tIns="0" rIns="0" bIns="0" anchor="ctr"/>
+          <a:lstStyle/>
+          <a:p>
+            <a:r>
+              <a:rPr lang="en-US" sz="7200" b="0" strike="noStrike" spc="-1">
+                <a:solidFill>
+                  <a:srgbClr val="FFFFFF"/>
+                </a:solidFill>
+                <a:uFill>
+                  <a:solidFill>
+                    <a:srgbClr val="FFFFFF"/>
                   </a:solidFill>
                 </a:uFill>
                 <a:latin typeface="Arial"/>
               </a:rPr>
               <a:t>Our solution </a:t>
             </a:r>
-            <a:endParaRPr b="0" lang="en-US" sz="8450" spc="-1" strike="noStrike">
-              <a:solidFill>
-                <a:srgbClr val="ffffff"/>
-              </a:solidFill>
-              <a:uFill>
-                <a:solidFill>
-                  <a:srgbClr val="ffffff"/>
+            <a:endParaRPr lang="en-US" sz="8450" b="0" strike="noStrike" spc="-1">
+              <a:solidFill>
+                <a:srgbClr val="FFFFFF"/>
+              </a:solidFill>
+              <a:uFill>
+                <a:solidFill>
+                  <a:srgbClr val="FFFFFF"/>
                 </a:solidFill>
               </a:uFill>
               <a:latin typeface="Arial"/>
@@ -5894,44 +8191,34 @@
           </a:ln>
         </p:spPr>
         <p:txBody>
-          <a:bodyPr lIns="0" rIns="0" tIns="0" bIns="0" anchor="ctr"/>
-          <a:p>
-            <a:r>
-              <a:rPr b="0" lang="en-US" sz="3200" spc="-1" strike="noStrike">
-                <a:solidFill>
-                  <a:srgbClr val="000000"/>
-                </a:solidFill>
-                <a:uFill>
-                  <a:solidFill>
-                    <a:srgbClr val="ffffff"/>
+          <a:bodyPr lIns="0" tIns="0" rIns="0" bIns="0" anchor="ctr"/>
+          <a:lstStyle/>
+          <a:p>
+            <a:r>
+              <a:rPr lang="en-US" sz="3200" b="0" strike="noStrike" spc="-1">
+                <a:solidFill>
+                  <a:srgbClr val="000000"/>
+                </a:solidFill>
+                <a:uFill>
+                  <a:solidFill>
+                    <a:srgbClr val="FFFFFF"/>
                   </a:solidFill>
                 </a:uFill>
                 <a:latin typeface="Arial"/>
               </a:rPr>
               <a:t>Use OpenMP library to perform parallel  for loop. This method is effective for this problem can be easily parellized.</a:t>
             </a:r>
-            <a:endParaRPr b="0" lang="en-US" sz="3200" spc="-1" strike="noStrike">
-              <a:solidFill>
-                <a:srgbClr val="000000"/>
-              </a:solidFill>
-              <a:uFill>
-                <a:solidFill>
-                  <a:srgbClr val="ffffff"/>
-                </a:solidFill>
-              </a:uFill>
-              <a:latin typeface="Arial"/>
-            </a:endParaRPr>
           </a:p>
         </p:txBody>
       </p:sp>
       <p:pic>
         <p:nvPicPr>
-          <p:cNvPr id="105" name="" descr=""/>
+          <p:cNvPr id="105" name="圖片 104"/>
           <p:cNvPicPr/>
           <p:nvPr/>
         </p:nvPicPr>
         <p:blipFill>
-          <a:blip r:embed="rId1"/>
+          <a:blip r:embed="rId2"/>
           <a:srcRect l="6730" t="73251" r="77677" b="23112"/>
           <a:stretch/>
         </p:blipFill>
@@ -5950,11 +8237,14 @@
       </p:pic>
     </p:spTree>
   </p:cSld>
+  <p:clrMapOvr>
+    <a:masterClrMapping/>
+  </p:clrMapOvr>
 </p:sld>
 </file>
 
 <file path=ppt/slides/slide9.xml><?xml version="1.0" encoding="utf-8"?>
-<p:sld xmlns:a="http://schemas.openxmlformats.org/drawingml/2006/main" xmlns:p="http://schemas.openxmlformats.org/presentationml/2006/main" xmlns:r="http://schemas.openxmlformats.org/officeDocument/2006/relationships" xmlns:p14="http://schemas.microsoft.com/office/powerpoint/2010/main" xmlns:p15="http://schemas.microsoft.com/office/powerpoint/2012/main" xmlns:mc="http://schemas.openxmlformats.org/markup-compatibility/2006">
+<p:sld xmlns:a="http://schemas.openxmlformats.org/drawingml/2006/main" xmlns:r="http://schemas.openxmlformats.org/officeDocument/2006/relationships" xmlns:p="http://schemas.openxmlformats.org/presentationml/2006/main">
   <p:cSld>
     <p:spTree>
       <p:nvGrpSpPr>
@@ -5990,29 +8280,30 @@
           </a:ln>
         </p:spPr>
         <p:txBody>
-          <a:bodyPr lIns="0" rIns="0" tIns="0" bIns="0" anchor="ctr"/>
-          <a:p>
-            <a:r>
-              <a:rPr b="0" lang="en-US" sz="7200" spc="-1" strike="noStrike">
-                <a:solidFill>
-                  <a:srgbClr val="ffffff"/>
-                </a:solidFill>
-                <a:uFill>
-                  <a:solidFill>
-                    <a:srgbClr val="ffffff"/>
+          <a:bodyPr lIns="0" tIns="0" rIns="0" bIns="0" anchor="ctr"/>
+          <a:lstStyle/>
+          <a:p>
+            <a:r>
+              <a:rPr lang="en-US" sz="7200" b="0" strike="noStrike" spc="-1">
+                <a:solidFill>
+                  <a:srgbClr val="FFFFFF"/>
+                </a:solidFill>
+                <a:uFill>
+                  <a:solidFill>
+                    <a:srgbClr val="FFFFFF"/>
                   </a:solidFill>
                 </a:uFill>
                 <a:latin typeface="Arial"/>
               </a:rPr>
               <a:t>Complexity </a:t>
             </a:r>
-            <a:endParaRPr b="0" lang="en-US" sz="8450" spc="-1" strike="noStrike">
-              <a:solidFill>
-                <a:srgbClr val="ffffff"/>
-              </a:solidFill>
-              <a:uFill>
-                <a:solidFill>
-                  <a:srgbClr val="ffffff"/>
+            <a:endParaRPr lang="en-US" sz="8450" b="0" strike="noStrike" spc="-1">
+              <a:solidFill>
+                <a:srgbClr val="FFFFFF"/>
+              </a:solidFill>
+              <a:uFill>
+                <a:solidFill>
+                  <a:srgbClr val="FFFFFF"/>
                 </a:solidFill>
               </a:uFill>
               <a:latin typeface="Arial"/>
@@ -6040,123 +8331,80 @@
           </a:ln>
         </p:spPr>
         <p:txBody>
-          <a:bodyPr lIns="0" rIns="0" tIns="0" bIns="0" anchor="ctr"/>
-          <a:p>
-            <a:r>
-              <a:rPr b="0" lang="en-US" sz="3200" spc="-1" strike="noStrike">
-                <a:solidFill>
-                  <a:srgbClr val="000000"/>
-                </a:solidFill>
-                <a:uFill>
-                  <a:solidFill>
-                    <a:srgbClr val="ffffff"/>
+          <a:bodyPr lIns="0" tIns="0" rIns="0" bIns="0" anchor="ctr"/>
+          <a:lstStyle/>
+          <a:p>
+            <a:r>
+              <a:rPr lang="en-US" sz="3200" b="0" strike="noStrike" spc="-1">
+                <a:solidFill>
+                  <a:srgbClr val="000000"/>
+                </a:solidFill>
+                <a:uFill>
+                  <a:solidFill>
+                    <a:srgbClr val="FFFFFF"/>
                   </a:solidFill>
                 </a:uFill>
                 <a:latin typeface="Arial"/>
               </a:rPr>
               <a:t>N: number of shapes on each layer</a:t>
             </a:r>
-            <a:endParaRPr b="0" lang="en-US" sz="3200" spc="-1" strike="noStrike">
+          </a:p>
+          <a:p>
+            <a:r>
+              <a:rPr lang="en-US" sz="3200" b="0" strike="noStrike" spc="-1">
+                <a:solidFill>
+                  <a:srgbClr val="000000"/>
+                </a:solidFill>
+                <a:uFill>
+                  <a:solidFill>
+                    <a:srgbClr val="FFFFFF"/>
+                  </a:solidFill>
+                </a:uFill>
+                <a:latin typeface="Arial"/>
+              </a:rPr>
+              <a:t>O: number of obstacles</a:t>
+            </a:r>
+          </a:p>
+          <a:p>
+            <a:r>
+              <a:rPr lang="en-US" sz="3200" b="0" strike="noStrike" spc="-1">
+                <a:solidFill>
+                  <a:srgbClr val="000000"/>
+                </a:solidFill>
+                <a:uFill>
+                  <a:solidFill>
+                    <a:srgbClr val="FFFFFF"/>
+                  </a:solidFill>
+                </a:uFill>
+                <a:latin typeface="Arial"/>
+              </a:rPr>
+              <a:t>E: number of edges (all trivial connection) (usually an order larger than the number of nodes)</a:t>
+            </a:r>
+          </a:p>
+          <a:p>
+            <a:r>
+              <a:rPr lang="en-US" sz="3200" b="0" strike="noStrike" spc="-1">
+                <a:solidFill>
+                  <a:srgbClr val="000000"/>
+                </a:solidFill>
+                <a:uFill>
+                  <a:solidFill>
+                    <a:srgbClr val="FFFFFF"/>
+                  </a:solidFill>
+                </a:uFill>
+                <a:latin typeface="Arial"/>
+              </a:rPr>
+              <a:t>X,Y: distance between two points</a:t>
+            </a:r>
+          </a:p>
+          <a:p>
+            <a:endParaRPr lang="en-US" sz="3200" b="0" strike="noStrike" spc="-1">
               <a:solidFill>
                 <a:srgbClr val="000000"/>
               </a:solidFill>
               <a:uFill>
                 <a:solidFill>
-                  <a:srgbClr val="ffffff"/>
-                </a:solidFill>
-              </a:uFill>
-              <a:latin typeface="Arial"/>
-            </a:endParaRPr>
-          </a:p>
-          <a:p>
-            <a:r>
-              <a:rPr b="0" lang="en-US" sz="3200" spc="-1" strike="noStrike">
-                <a:solidFill>
-                  <a:srgbClr val="000000"/>
-                </a:solidFill>
-                <a:uFill>
-                  <a:solidFill>
-                    <a:srgbClr val="ffffff"/>
-                  </a:solidFill>
-                </a:uFill>
-                <a:latin typeface="Arial"/>
-              </a:rPr>
-              <a:t>O: number of obstacles</a:t>
-            </a:r>
-            <a:endParaRPr b="0" lang="en-US" sz="3200" spc="-1" strike="noStrike">
-              <a:solidFill>
-                <a:srgbClr val="000000"/>
-              </a:solidFill>
-              <a:uFill>
-                <a:solidFill>
-                  <a:srgbClr val="ffffff"/>
-                </a:solidFill>
-              </a:uFill>
-              <a:latin typeface="Arial"/>
-            </a:endParaRPr>
-          </a:p>
-          <a:p>
-            <a:r>
-              <a:rPr b="0" lang="en-US" sz="3200" spc="-1" strike="noStrike">
-                <a:solidFill>
-                  <a:srgbClr val="000000"/>
-                </a:solidFill>
-                <a:uFill>
-                  <a:solidFill>
-                    <a:srgbClr val="ffffff"/>
-                  </a:solidFill>
-                </a:uFill>
-                <a:latin typeface="Arial"/>
-              </a:rPr>
-              <a:t>E: number of edges (all trivial connection) (usually an order larger than the number of nodes)</a:t>
-            </a:r>
-            <a:endParaRPr b="0" lang="en-US" sz="3200" spc="-1" strike="noStrike">
-              <a:solidFill>
-                <a:srgbClr val="000000"/>
-              </a:solidFill>
-              <a:uFill>
-                <a:solidFill>
-                  <a:srgbClr val="ffffff"/>
-                </a:solidFill>
-              </a:uFill>
-              <a:latin typeface="Arial"/>
-            </a:endParaRPr>
-          </a:p>
-          <a:p>
-            <a:r>
-              <a:rPr b="0" lang="en-US" sz="3200" spc="-1" strike="noStrike">
-                <a:solidFill>
-                  <a:srgbClr val="000000"/>
-                </a:solidFill>
-                <a:uFill>
-                  <a:solidFill>
-                    <a:srgbClr val="ffffff"/>
-                  </a:solidFill>
-                </a:uFill>
-                <a:latin typeface="Arial"/>
-              </a:rPr>
-              <a:t>X,Y: distance between two points</a:t>
-            </a:r>
-            <a:endParaRPr b="0" lang="en-US" sz="3200" spc="-1" strike="noStrike">
-              <a:solidFill>
-                <a:srgbClr val="000000"/>
-              </a:solidFill>
-              <a:uFill>
-                <a:solidFill>
-                  <a:srgbClr val="ffffff"/>
-                </a:solidFill>
-              </a:uFill>
-              <a:latin typeface="Arial"/>
-            </a:endParaRPr>
-          </a:p>
-          <a:p>
-            <a:endParaRPr b="0" lang="en-US" sz="3200" spc="-1" strike="noStrike">
-              <a:solidFill>
-                <a:srgbClr val="000000"/>
-              </a:solidFill>
-              <a:uFill>
-                <a:solidFill>
-                  <a:srgbClr val="ffffff"/>
+                  <a:srgbClr val="FFFFFF"/>
                 </a:solidFill>
               </a:uFill>
               <a:latin typeface="Arial"/>
@@ -6166,6 +8414,9 @@
       </p:sp>
     </p:spTree>
   </p:cSld>
+  <p:clrMapOvr>
+    <a:masterClrMapping/>
+  </p:clrMapOvr>
 </p:sld>
 </file>
 
@@ -6389,6 +8640,8 @@
       </a:bgFillStyleLst>
     </a:fmtScheme>
   </a:themeElements>
+  <a:objectDefaults/>
+  <a:extraClrSchemeLst/>
 </a:theme>
 </file>
 
@@ -6612,5 +8865,7 @@
       </a:bgFillStyleLst>
     </a:fmtScheme>
   </a:themeElements>
+  <a:objectDefaults/>
+  <a:extraClrSchemeLst/>
 </a:theme>
 </file>
--- a/class presentation.pptx
+++ b/class presentation.pptx
@@ -4878,7 +4878,52 @@
                 <a:latin typeface="Arial"/>
                 <a:ea typeface="Droid Sans Fallback"/>
               </a:rPr>
-              <a:t>E=7300,</a:t>
+              <a:t>E</a:t>
+            </a:r>
+            <a:r>
+              <a:rPr lang="en-US" altLang="zh-TW" sz="2400" b="0" strike="noStrike" spc="-1" dirty="0" smtClean="0">
+                <a:solidFill>
+                  <a:srgbClr val="000000"/>
+                </a:solidFill>
+                <a:uFill>
+                  <a:solidFill>
+                    <a:srgbClr val="FFFFFF"/>
+                  </a:solidFill>
+                </a:uFill>
+                <a:latin typeface="Arial"/>
+                <a:ea typeface="Droid Sans Fallback"/>
+              </a:rPr>
+              <a:t>=</a:t>
+            </a:r>
+            <a:r>
+              <a:rPr lang="en-US" altLang="zh-TW" sz="2400" spc="-1" dirty="0" smtClean="0">
+                <a:solidFill>
+                  <a:srgbClr val="000000"/>
+                </a:solidFill>
+                <a:uFill>
+                  <a:solidFill>
+                    <a:srgbClr val="FFFFFF"/>
+                  </a:solidFill>
+                </a:uFill>
+                <a:latin typeface="Arial"/>
+                <a:ea typeface="Droid Sans Fallback"/>
+              </a:rPr>
+              <a:t>2005</a:t>
+            </a:r>
+            <a:r>
+              <a:rPr lang="en-US" altLang="zh-TW" sz="2400" b="0" strike="noStrike" spc="-1" dirty="0" smtClean="0">
+                <a:solidFill>
+                  <a:srgbClr val="000000"/>
+                </a:solidFill>
+                <a:uFill>
+                  <a:solidFill>
+                    <a:srgbClr val="FFFFFF"/>
+                  </a:solidFill>
+                </a:uFill>
+                <a:latin typeface="Arial"/>
+                <a:ea typeface="Droid Sans Fallback"/>
+              </a:rPr>
+              <a:t>,</a:t>
             </a:r>
             <a:r>
               <a:rPr lang="zh-TW" altLang="en-US" sz="2400" b="0" strike="noStrike" spc="-1" dirty="0" smtClean="0">
@@ -5020,7 +5065,52 @@
                 <a:latin typeface="Arial"/>
                 <a:ea typeface="Droid Sans Fallback"/>
               </a:rPr>
-              <a:t>E=2723,</a:t>
+              <a:t>E</a:t>
+            </a:r>
+            <a:r>
+              <a:rPr lang="en-US" altLang="zh-TW" sz="2400" b="0" strike="noStrike" spc="-1" dirty="0" smtClean="0">
+                <a:solidFill>
+                  <a:srgbClr val="000000"/>
+                </a:solidFill>
+                <a:uFill>
+                  <a:solidFill>
+                    <a:srgbClr val="FFFFFF"/>
+                  </a:solidFill>
+                </a:uFill>
+                <a:latin typeface="Arial"/>
+                <a:ea typeface="Droid Sans Fallback"/>
+              </a:rPr>
+              <a:t>=</a:t>
+            </a:r>
+            <a:r>
+              <a:rPr lang="en-US" altLang="zh-TW" sz="2400" spc="-1" dirty="0" smtClean="0">
+                <a:solidFill>
+                  <a:srgbClr val="000000"/>
+                </a:solidFill>
+                <a:uFill>
+                  <a:solidFill>
+                    <a:srgbClr val="FFFFFF"/>
+                  </a:solidFill>
+                </a:uFill>
+                <a:latin typeface="Arial"/>
+                <a:ea typeface="Droid Sans Fallback"/>
+              </a:rPr>
+              <a:t>1095</a:t>
+            </a:r>
+            <a:r>
+              <a:rPr lang="en-US" altLang="zh-TW" sz="2400" b="0" strike="noStrike" spc="-1" dirty="0" smtClean="0">
+                <a:solidFill>
+                  <a:srgbClr val="000000"/>
+                </a:solidFill>
+                <a:uFill>
+                  <a:solidFill>
+                    <a:srgbClr val="FFFFFF"/>
+                  </a:solidFill>
+                </a:uFill>
+                <a:latin typeface="Arial"/>
+                <a:ea typeface="Droid Sans Fallback"/>
+              </a:rPr>
+              <a:t>,</a:t>
             </a:r>
             <a:r>
               <a:rPr lang="zh-TW" altLang="en-US" sz="2400" b="0" strike="noStrike" spc="-1" dirty="0" smtClean="0">
@@ -5174,7 +5264,52 @@
                 <a:latin typeface="Arial"/>
                 <a:ea typeface="Droid Sans Fallback"/>
               </a:rPr>
-              <a:t>E=9951,</a:t>
+              <a:t>E</a:t>
+            </a:r>
+            <a:r>
+              <a:rPr lang="en-US" altLang="zh-TW" sz="2400" spc="-1" dirty="0" smtClean="0">
+                <a:solidFill>
+                  <a:srgbClr val="000000"/>
+                </a:solidFill>
+                <a:uFill>
+                  <a:solidFill>
+                    <a:srgbClr val="FFFFFF"/>
+                  </a:solidFill>
+                </a:uFill>
+                <a:latin typeface="Arial"/>
+                <a:ea typeface="Droid Sans Fallback"/>
+              </a:rPr>
+              <a:t>=</a:t>
+            </a:r>
+            <a:r>
+              <a:rPr lang="en-US" altLang="zh-TW" sz="2400" spc="-1" dirty="0" smtClean="0">
+                <a:solidFill>
+                  <a:srgbClr val="000000"/>
+                </a:solidFill>
+                <a:uFill>
+                  <a:solidFill>
+                    <a:srgbClr val="FFFFFF"/>
+                  </a:solidFill>
+                </a:uFill>
+                <a:latin typeface="Arial"/>
+                <a:ea typeface="Droid Sans Fallback"/>
+              </a:rPr>
+              <a:t>2459</a:t>
+            </a:r>
+            <a:r>
+              <a:rPr lang="en-US" altLang="zh-TW" sz="2400" spc="-1" dirty="0" smtClean="0">
+                <a:solidFill>
+                  <a:srgbClr val="000000"/>
+                </a:solidFill>
+                <a:uFill>
+                  <a:solidFill>
+                    <a:srgbClr val="FFFFFF"/>
+                  </a:solidFill>
+                </a:uFill>
+                <a:latin typeface="Arial"/>
+                <a:ea typeface="Droid Sans Fallback"/>
+              </a:rPr>
+              <a:t>,</a:t>
             </a:r>
             <a:r>
               <a:rPr lang="zh-TW" altLang="en-US" sz="2400" spc="-1" dirty="0" smtClean="0">
@@ -5266,7 +5401,43 @@
               </a:rPr>
               <a:t>MST</a:t>
             </a:r>
-          </a:p>
+            <a:endParaRPr lang="en-US" altLang="zh-TW" sz="2400" spc="-1" dirty="0" smtClean="0">
+              <a:solidFill>
+                <a:srgbClr val="000000"/>
+              </a:solidFill>
+              <a:uFill>
+                <a:solidFill>
+                  <a:srgbClr val="FFFFFF"/>
+                </a:solidFill>
+              </a:uFill>
+              <a:latin typeface="Arial"/>
+              <a:ea typeface="Droid Sans Fallback"/>
+            </a:endParaRPr>
+          </a:p>
+        </p:txBody>
+      </p:sp>
+      <p:sp>
+        <p:nvSpPr>
+          <p:cNvPr id="5" name="TextShape 2"/>
+          <p:cNvSpPr txBox="1"/>
+          <p:nvPr/>
+        </p:nvSpPr>
+        <p:spPr>
+          <a:xfrm>
+            <a:off x="5391120" y="2460480"/>
+            <a:ext cx="4545772" cy="4384440"/>
+          </a:xfrm>
+          <a:prstGeom prst="rect">
+            <a:avLst/>
+          </a:prstGeom>
+          <a:noFill/>
+          <a:ln>
+            <a:noFill/>
+          </a:ln>
+        </p:spPr>
+        <p:txBody>
+          <a:bodyPr lIns="0" tIns="0" rIns="0" bIns="0" anchor="ctr"/>
+          <a:lstStyle/>
           <a:p>
             <a:pPr>
               <a:lnSpc>
@@ -5274,104 +5445,48 @@
               </a:lnSpc>
             </a:pPr>
             <a:r>
-              <a:rPr lang="en-US" altLang="zh-TW" sz="2400" b="0" strike="noStrike" spc="-1" dirty="0" smtClean="0">
-                <a:solidFill>
-                  <a:srgbClr val="000000"/>
-                </a:solidFill>
-                <a:uFill>
-                  <a:solidFill>
-                    <a:srgbClr val="FFFFFF"/>
-                  </a:solidFill>
-                </a:uFill>
-                <a:latin typeface="Arial"/>
-              </a:rPr>
-              <a:t>#Shape</a:t>
-            </a:r>
-            <a:r>
-              <a:rPr lang="zh-TW" altLang="en-US" sz="2400" b="0" strike="noStrike" spc="-1" dirty="0" smtClean="0">
-                <a:solidFill>
-                  <a:srgbClr val="000000"/>
-                </a:solidFill>
-                <a:uFill>
-                  <a:solidFill>
-                    <a:srgbClr val="FFFFFF"/>
-                  </a:solidFill>
-                </a:uFill>
-                <a:latin typeface="Arial"/>
-              </a:rPr>
-              <a:t> </a:t>
-            </a:r>
-            <a:r>
-              <a:rPr lang="en-US" altLang="zh-TW" sz="2400" b="0" strike="noStrike" spc="-1" dirty="0" smtClean="0">
-                <a:solidFill>
-                  <a:srgbClr val="000000"/>
-                </a:solidFill>
-                <a:uFill>
-                  <a:solidFill>
-                    <a:srgbClr val="FFFFFF"/>
-                  </a:solidFill>
-                </a:uFill>
-                <a:latin typeface="Arial"/>
-              </a:rPr>
-              <a:t>not</a:t>
-            </a:r>
-            <a:r>
-              <a:rPr lang="zh-TW" altLang="en-US" sz="2400" b="0" strike="noStrike" spc="-1" dirty="0" smtClean="0">
-                <a:solidFill>
-                  <a:srgbClr val="000000"/>
-                </a:solidFill>
-                <a:uFill>
-                  <a:solidFill>
-                    <a:srgbClr val="FFFFFF"/>
-                  </a:solidFill>
-                </a:uFill>
-                <a:latin typeface="Arial"/>
-              </a:rPr>
-              <a:t> </a:t>
-            </a:r>
-            <a:r>
-              <a:rPr lang="en-US" altLang="zh-TW" sz="2400" b="0" strike="noStrike" spc="-1" dirty="0" smtClean="0">
-                <a:solidFill>
-                  <a:srgbClr val="000000"/>
-                </a:solidFill>
-                <a:uFill>
-                  <a:solidFill>
-                    <a:srgbClr val="FFFFFF"/>
-                  </a:solidFill>
-                </a:uFill>
-                <a:latin typeface="Arial"/>
-              </a:rPr>
-              <a:t>in</a:t>
-            </a:r>
-            <a:r>
-              <a:rPr lang="zh-TW" altLang="en-US" sz="2400" b="0" strike="noStrike" spc="-1" dirty="0" smtClean="0">
-                <a:solidFill>
-                  <a:srgbClr val="000000"/>
-                </a:solidFill>
-                <a:uFill>
-                  <a:solidFill>
-                    <a:srgbClr val="FFFFFF"/>
-                  </a:solidFill>
-                </a:uFill>
-                <a:latin typeface="Arial"/>
-              </a:rPr>
-              <a:t> </a:t>
-            </a:r>
-            <a:r>
-              <a:rPr lang="en-US" altLang="zh-TW" sz="2400" spc="-1" dirty="0" smtClean="0">
-                <a:solidFill>
-                  <a:srgbClr val="000000"/>
-                </a:solidFill>
-                <a:uFill>
-                  <a:solidFill>
-                    <a:srgbClr val="FFFFFF"/>
-                  </a:solidFill>
-                </a:uFill>
-                <a:latin typeface="Arial"/>
-              </a:rPr>
-              <a:t>Graph=0</a:t>
-            </a:r>
-            <a:endParaRPr lang="en-US" sz="2400" b="0" strike="noStrike" spc="-1" dirty="0" smtClean="0">
+              <a:rPr lang="en-US" altLang="zh-TW" sz="2000" spc="-1" dirty="0" smtClean="0">
+                <a:solidFill>
+                  <a:srgbClr val="000000"/>
+                </a:solidFill>
+                <a:uFill>
+                  <a:solidFill>
+                    <a:srgbClr val="FFFFFF"/>
+                  </a:solidFill>
+                </a:uFill>
+                <a:ea typeface="Droid Sans Fallback"/>
+              </a:rPr>
+              <a:t>Benchmark</a:t>
+            </a:r>
+            <a:r>
+              <a:rPr lang="en-US" altLang="zh-TW" sz="2000" spc="-1" dirty="0">
+                <a:solidFill>
+                  <a:srgbClr val="000000"/>
+                </a:solidFill>
+                <a:uFill>
+                  <a:solidFill>
+                    <a:srgbClr val="FFFFFF"/>
+                  </a:solidFill>
+                </a:uFill>
+                <a:ea typeface="Droid Sans Fallback"/>
+              </a:rPr>
+              <a:t>/</a:t>
+            </a:r>
+            <a:r>
+              <a:rPr lang="en-US" altLang="zh-TW" sz="2000" spc="-1" dirty="0" smtClean="0">
+                <a:solidFill>
+                  <a:srgbClr val="000000"/>
+                </a:solidFill>
+                <a:uFill>
+                  <a:solidFill>
+                    <a:srgbClr val="FFFFFF"/>
+                  </a:solidFill>
+                </a:uFill>
+                <a:ea typeface="Droid Sans Fallback"/>
+              </a:rPr>
+              <a:t>case2</a:t>
+            </a:r>
+            <a:endParaRPr lang="en-US" altLang="zh-TW" sz="2000" spc="-1" dirty="0">
               <a:solidFill>
                 <a:srgbClr val="000000"/>
               </a:solidFill>
@@ -5380,33 +5495,9 @@
                   <a:srgbClr val="FFFFFF"/>
                 </a:solidFill>
               </a:uFill>
-              <a:latin typeface="Arial"/>
-            </a:endParaRPr>
-          </a:p>
-        </p:txBody>
-      </p:sp>
-      <p:sp>
-        <p:nvSpPr>
-          <p:cNvPr id="5" name="TextShape 2"/>
-          <p:cNvSpPr txBox="1"/>
-          <p:nvPr/>
-        </p:nvSpPr>
-        <p:spPr>
-          <a:xfrm>
-            <a:off x="5391120" y="2460480"/>
-            <a:ext cx="4545772" cy="4384440"/>
-          </a:xfrm>
-          <a:prstGeom prst="rect">
-            <a:avLst/>
-          </a:prstGeom>
-          <a:noFill/>
-          <a:ln>
-            <a:noFill/>
-          </a:ln>
-        </p:spPr>
-        <p:txBody>
-          <a:bodyPr lIns="0" tIns="0" rIns="0" bIns="0" anchor="ctr"/>
-          <a:lstStyle/>
+              <a:ea typeface="Droid Sans Fallback"/>
+            </a:endParaRPr>
+          </a:p>
           <a:p>
             <a:pPr>
               <a:lnSpc>
@@ -5414,6 +5505,20 @@
               </a:lnSpc>
             </a:pPr>
             <a:r>
+              <a:rPr lang="en-US" altLang="zh-TW" sz="2000" spc="-1" dirty="0">
+                <a:solidFill>
+                  <a:srgbClr val="000000"/>
+                </a:solidFill>
+                <a:uFill>
+                  <a:solidFill>
+                    <a:srgbClr val="FFFFFF"/>
+                  </a:solidFill>
+                </a:uFill>
+                <a:ea typeface="Droid Sans Fallback"/>
+              </a:rPr>
+              <a:t>#Shape</a:t>
+            </a:r>
+            <a:r>
               <a:rPr lang="en-US" altLang="zh-TW" sz="2000" spc="-1" dirty="0" smtClean="0">
                 <a:solidFill>
                   <a:srgbClr val="000000"/>
@@ -5425,7 +5530,21 @@
                 </a:uFill>
                 <a:ea typeface="Droid Sans Fallback"/>
               </a:rPr>
-              <a:t>Benchmark</a:t>
+              <a:t>=4518,</a:t>
+            </a:r>
+            <a:r>
+              <a:rPr lang="zh-TW" altLang="en-US" sz="2000" spc="-1" dirty="0" smtClean="0">
+                <a:solidFill>
+                  <a:srgbClr val="000000"/>
+                </a:solidFill>
+                <a:uFill>
+                  <a:solidFill>
+                    <a:srgbClr val="FFFFFF"/>
+                  </a:solidFill>
+                </a:uFill>
+                <a:ea typeface="Droid Sans Fallback"/>
+              </a:rPr>
+              <a:t> </a:t>
             </a:r>
             <a:r>
               <a:rPr lang="en-US" altLang="zh-TW" sz="2000" spc="-1" dirty="0">
@@ -5439,7 +5558,7 @@
                 </a:uFill>
                 <a:ea typeface="Droid Sans Fallback"/>
               </a:rPr>
-              <a:t>/</a:t>
+              <a:t>#Obstacle</a:t>
             </a:r>
             <a:r>
               <a:rPr lang="en-US" altLang="zh-TW" sz="2000" spc="-1" dirty="0" smtClean="0">
@@ -5453,21 +5572,7 @@
                 </a:uFill>
                 <a:ea typeface="Droid Sans Fallback"/>
               </a:rPr>
-              <a:t>case</a:t>
-            </a:r>
-            <a:r>
-              <a:rPr lang="en-US" altLang="zh-TW" sz="2000" spc="-1" dirty="0" smtClean="0">
-                <a:solidFill>
-                  <a:srgbClr val="000000"/>
-                </a:solidFill>
-                <a:uFill>
-                  <a:solidFill>
-                    <a:srgbClr val="FFFFFF"/>
-                  </a:solidFill>
-                </a:uFill>
-                <a:ea typeface="Droid Sans Fallback"/>
-              </a:rPr>
-              <a:t>2</a:t>
+              <a:t>=4773</a:t>
             </a:r>
             <a:endParaRPr lang="en-US" altLang="zh-TW" sz="2000" spc="-1" dirty="0">
               <a:solidFill>
@@ -5499,7 +5604,35 @@
                 </a:uFill>
                 <a:ea typeface="Droid Sans Fallback"/>
               </a:rPr>
-              <a:t>#Shape</a:t>
+              <a:t>Layer1:</a:t>
+            </a:r>
+            <a:r>
+              <a:rPr lang="zh-TW" altLang="en-US" sz="2000" spc="-1" dirty="0">
+                <a:solidFill>
+                  <a:srgbClr val="000000"/>
+                </a:solidFill>
+                <a:uFill>
+                  <a:solidFill>
+                    <a:srgbClr val="FFFFFF"/>
+                  </a:solidFill>
+                </a:uFill>
+                <a:ea typeface="Droid Sans Fallback"/>
+              </a:rPr>
+              <a:t> </a:t>
+            </a:r>
+            <a:r>
+              <a:rPr lang="en-US" altLang="zh-TW" sz="2000" spc="-1" dirty="0">
+                <a:solidFill>
+                  <a:srgbClr val="000000"/>
+                </a:solidFill>
+                <a:uFill>
+                  <a:solidFill>
+                    <a:srgbClr val="FFFFFF"/>
+                  </a:solidFill>
+                </a:uFill>
+                <a:ea typeface="Droid Sans Fallback"/>
+              </a:rPr>
+              <a:t>E</a:t>
             </a:r>
             <a:r>
               <a:rPr lang="en-US" altLang="zh-TW" sz="2000" spc="-1" dirty="0" smtClean="0">
@@ -5527,7 +5660,7 @@
                 </a:uFill>
                 <a:ea typeface="Droid Sans Fallback"/>
               </a:rPr>
-              <a:t>4518</a:t>
+              <a:t>1478</a:t>
             </a:r>
             <a:r>
               <a:rPr lang="en-US" altLang="zh-TW" sz="2000" spc="-1" dirty="0" smtClean="0">
@@ -5569,7 +5702,7 @@
                 </a:uFill>
                 <a:ea typeface="Droid Sans Fallback"/>
               </a:rPr>
-              <a:t>#Obstacle</a:t>
+              <a:t>V</a:t>
             </a:r>
             <a:r>
               <a:rPr lang="en-US" altLang="zh-TW" sz="2000" spc="-1" dirty="0" smtClean="0">
@@ -5583,33 +5716,64 @@
                 </a:uFill>
                 <a:ea typeface="Droid Sans Fallback"/>
               </a:rPr>
-              <a:t>=</a:t>
-            </a:r>
-            <a:r>
-              <a:rPr lang="en-US" altLang="zh-TW" sz="2000" spc="-1" dirty="0" smtClean="0">
-                <a:solidFill>
-                  <a:srgbClr val="000000"/>
-                </a:solidFill>
-                <a:uFill>
-                  <a:solidFill>
-                    <a:srgbClr val="FFFFFF"/>
-                  </a:solidFill>
-                </a:uFill>
-                <a:ea typeface="Droid Sans Fallback"/>
-              </a:rPr>
-              <a:t>4773</a:t>
-            </a:r>
-            <a:endParaRPr lang="en-US" altLang="zh-TW" sz="2000" spc="-1" dirty="0">
-              <a:solidFill>
-                <a:srgbClr val="000000"/>
-              </a:solidFill>
-              <a:uFill>
-                <a:solidFill>
-                  <a:srgbClr val="FFFFFF"/>
-                </a:solidFill>
-              </a:uFill>
-              <a:ea typeface="Droid Sans Fallback"/>
-            </a:endParaRPr>
+              <a:t>=767,</a:t>
+            </a:r>
+            <a:r>
+              <a:rPr lang="zh-TW" altLang="en-US" sz="2000" spc="-1" dirty="0" smtClean="0">
+                <a:solidFill>
+                  <a:srgbClr val="000000"/>
+                </a:solidFill>
+                <a:uFill>
+                  <a:solidFill>
+                    <a:srgbClr val="FFFFFF"/>
+                  </a:solidFill>
+                </a:uFill>
+                <a:ea typeface="Droid Sans Fallback"/>
+              </a:rPr>
+              <a:t> </a:t>
+            </a:r>
+            <a:r>
+              <a:rPr lang="en-US" altLang="zh-TW" sz="2000" spc="-1" dirty="0">
+                <a:solidFill>
+                  <a:srgbClr val="000000"/>
+                </a:solidFill>
+                <a:uFill>
+                  <a:solidFill>
+                    <a:srgbClr val="FFFFFF"/>
+                  </a:solidFill>
+                </a:uFill>
+                <a:ea typeface="Droid Sans Fallback"/>
+              </a:rPr>
+              <a:t>one</a:t>
+            </a:r>
+            <a:r>
+              <a:rPr lang="zh-TW" altLang="en-US" sz="2000" spc="-1" dirty="0">
+                <a:solidFill>
+                  <a:srgbClr val="000000"/>
+                </a:solidFill>
+                <a:uFill>
+                  <a:solidFill>
+                    <a:srgbClr val="FFFFFF"/>
+                  </a:solidFill>
+                </a:uFill>
+                <a:ea typeface="Droid Sans Fallback"/>
+              </a:rPr>
+              <a:t> </a:t>
+            </a:r>
+            <a:r>
+              <a:rPr lang="en-US" altLang="zh-TW" sz="2000" spc="-1" dirty="0">
+                <a:solidFill>
+                  <a:srgbClr val="000000"/>
+                </a:solidFill>
+                <a:uFill>
+                  <a:solidFill>
+                    <a:srgbClr val="FFFFFF"/>
+                  </a:solidFill>
+                </a:uFill>
+                <a:ea typeface="Droid Sans Fallback"/>
+              </a:rPr>
+              <a:t>MST</a:t>
+            </a:r>
           </a:p>
           <a:p>
             <a:pPr>
@@ -5629,7 +5793,7 @@
                 </a:uFill>
                 <a:ea typeface="Droid Sans Fallback"/>
               </a:rPr>
-              <a:t>Layer1:</a:t>
+              <a:t>Layer2:</a:t>
             </a:r>
             <a:r>
               <a:rPr lang="zh-TW" altLang="en-US" sz="2000" spc="-1" dirty="0">
@@ -5685,7 +5849,7 @@
                 </a:uFill>
                 <a:ea typeface="Droid Sans Fallback"/>
               </a:rPr>
-              <a:t>10589</a:t>
+              <a:t>1772</a:t>
             </a:r>
             <a:r>
               <a:rPr lang="en-US" altLang="zh-TW" sz="2000" spc="-1" dirty="0" smtClean="0">
@@ -5755,7 +5919,21 @@
                 </a:uFill>
                 <a:ea typeface="Droid Sans Fallback"/>
               </a:rPr>
-              <a:t>767</a:t>
+              <a:t>9</a:t>
+            </a:r>
+            <a:r>
+              <a:rPr lang="en-US" altLang="zh-TW" sz="2000" spc="-1" dirty="0" smtClean="0">
+                <a:solidFill>
+                  <a:srgbClr val="000000"/>
+                </a:solidFill>
+                <a:uFill>
+                  <a:solidFill>
+                    <a:srgbClr val="FFFFFF"/>
+                  </a:solidFill>
+                </a:uFill>
+                <a:ea typeface="Droid Sans Fallback"/>
+              </a:rPr>
+              <a:t>32</a:t>
             </a:r>
             <a:r>
               <a:rPr lang="en-US" altLang="zh-TW" sz="2000" spc="-1" dirty="0" smtClean="0">
@@ -5846,7 +6024,7 @@
                 </a:uFill>
                 <a:ea typeface="Droid Sans Fallback"/>
               </a:rPr>
-              <a:t>Layer2:</a:t>
+              <a:t>Layer3:</a:t>
             </a:r>
             <a:r>
               <a:rPr lang="zh-TW" altLang="en-US" sz="2000" spc="-1" dirty="0">
@@ -5902,7 +6080,7 @@
                 </a:uFill>
                 <a:ea typeface="Droid Sans Fallback"/>
               </a:rPr>
-              <a:t>11082</a:t>
+              <a:t>1</a:t>
             </a:r>
             <a:r>
               <a:rPr lang="en-US" altLang="zh-TW" sz="2000" spc="-1" dirty="0" smtClean="0">
@@ -5916,6 +6094,20 @@
                 </a:uFill>
                 <a:ea typeface="Droid Sans Fallback"/>
               </a:rPr>
+              <a:t>632</a:t>
+            </a:r>
+            <a:r>
+              <a:rPr lang="en-US" altLang="zh-TW" sz="2000" spc="-1" dirty="0" smtClean="0">
+                <a:solidFill>
+                  <a:srgbClr val="000000"/>
+                </a:solidFill>
+                <a:uFill>
+                  <a:solidFill>
+                    <a:srgbClr val="FFFFFF"/>
+                  </a:solidFill>
+                </a:uFill>
+                <a:ea typeface="Droid Sans Fallback"/>
+              </a:rPr>
               <a:t>,</a:t>
             </a:r>
             <a:r>
@@ -5972,7 +6164,7 @@
                 </a:uFill>
                 <a:ea typeface="Droid Sans Fallback"/>
               </a:rPr>
-              <a:t>929</a:t>
+              <a:t>9</a:t>
             </a:r>
             <a:r>
               <a:rPr lang="en-US" altLang="zh-TW" sz="2000" spc="-1" dirty="0" smtClean="0">
@@ -5986,6 +6178,20 @@
                 </a:uFill>
                 <a:ea typeface="Droid Sans Fallback"/>
               </a:rPr>
+              <a:t>20</a:t>
+            </a:r>
+            <a:r>
+              <a:rPr lang="en-US" altLang="zh-TW" sz="2000" spc="-1" dirty="0" smtClean="0">
+                <a:solidFill>
+                  <a:srgbClr val="000000"/>
+                </a:solidFill>
+                <a:uFill>
+                  <a:solidFill>
+                    <a:srgbClr val="FFFFFF"/>
+                  </a:solidFill>
+                </a:uFill>
+                <a:ea typeface="Droid Sans Fallback"/>
+              </a:rPr>
               <a:t>,</a:t>
             </a:r>
             <a:r>
@@ -6031,7 +6237,7 @@
               <a:t> </a:t>
             </a:r>
             <a:r>
-              <a:rPr lang="en-US" altLang="zh-TW" sz="2000" spc="-1" dirty="0">
+              <a:rPr lang="en-US" altLang="zh-TW" sz="2000" spc="-1" dirty="0" smtClean="0">
                 <a:solidFill>
                   <a:srgbClr val="000000"/>
                 </a:solidFill>
@@ -6052,6 +6258,34 @@
               </a:lnSpc>
             </a:pPr>
             <a:r>
+              <a:rPr lang="en-US" altLang="zh-TW" sz="2000" spc="-1" dirty="0" smtClean="0">
+                <a:solidFill>
+                  <a:srgbClr val="000000"/>
+                </a:solidFill>
+                <a:uFill>
+                  <a:solidFill>
+                    <a:srgbClr val="FFFFFF"/>
+                  </a:solidFill>
+                </a:uFill>
+                <a:ea typeface="Droid Sans Fallback"/>
+              </a:rPr>
+              <a:t>Layer4:</a:t>
+            </a:r>
+            <a:r>
+              <a:rPr lang="zh-TW" altLang="en-US" sz="2000" spc="-1" dirty="0" smtClean="0">
+                <a:solidFill>
+                  <a:srgbClr val="000000"/>
+                </a:solidFill>
+                <a:uFill>
+                  <a:solidFill>
+                    <a:srgbClr val="FFFFFF"/>
+                  </a:solidFill>
+                </a:uFill>
+                <a:ea typeface="Droid Sans Fallback"/>
+              </a:rPr>
+              <a:t> </a:t>
+            </a:r>
+            <a:r>
               <a:rPr lang="en-US" altLang="zh-TW" sz="2000" spc="-1" dirty="0">
                 <a:solidFill>
                   <a:srgbClr val="000000"/>
@@ -6063,7 +6297,175 @@
                 </a:uFill>
                 <a:ea typeface="Droid Sans Fallback"/>
               </a:rPr>
-              <a:t>Layer3:</a:t>
+              <a:t>E</a:t>
+            </a:r>
+            <a:r>
+              <a:rPr lang="en-US" altLang="zh-TW" sz="2000" spc="-1" dirty="0" smtClean="0">
+                <a:solidFill>
+                  <a:srgbClr val="000000"/>
+                </a:solidFill>
+                <a:uFill>
+                  <a:solidFill>
+                    <a:srgbClr val="FFFFFF"/>
+                  </a:solidFill>
+                </a:uFill>
+                <a:ea typeface="Droid Sans Fallback"/>
+              </a:rPr>
+              <a:t>=</a:t>
+            </a:r>
+            <a:r>
+              <a:rPr lang="en-US" altLang="zh-TW" sz="2000" spc="-1" dirty="0" smtClean="0">
+                <a:solidFill>
+                  <a:srgbClr val="000000"/>
+                </a:solidFill>
+                <a:uFill>
+                  <a:solidFill>
+                    <a:srgbClr val="FFFFFF"/>
+                  </a:solidFill>
+                </a:uFill>
+                <a:ea typeface="Droid Sans Fallback"/>
+              </a:rPr>
+              <a:t>1</a:t>
+            </a:r>
+            <a:r>
+              <a:rPr lang="en-US" altLang="zh-TW" sz="2000" spc="-1" dirty="0" smtClean="0">
+                <a:solidFill>
+                  <a:srgbClr val="000000"/>
+                </a:solidFill>
+                <a:uFill>
+                  <a:solidFill>
+                    <a:srgbClr val="FFFFFF"/>
+                  </a:solidFill>
+                </a:uFill>
+                <a:ea typeface="Droid Sans Fallback"/>
+              </a:rPr>
+              <a:t>776</a:t>
+            </a:r>
+            <a:r>
+              <a:rPr lang="en-US" altLang="zh-TW" sz="2000" spc="-1" dirty="0" smtClean="0">
+                <a:solidFill>
+                  <a:srgbClr val="000000"/>
+                </a:solidFill>
+                <a:uFill>
+                  <a:solidFill>
+                    <a:srgbClr val="FFFFFF"/>
+                  </a:solidFill>
+                </a:uFill>
+                <a:ea typeface="Droid Sans Fallback"/>
+              </a:rPr>
+              <a:t>,</a:t>
+            </a:r>
+            <a:r>
+              <a:rPr lang="zh-TW" altLang="en-US" sz="2000" spc="-1" dirty="0" smtClean="0">
+                <a:solidFill>
+                  <a:srgbClr val="000000"/>
+                </a:solidFill>
+                <a:uFill>
+                  <a:solidFill>
+                    <a:srgbClr val="FFFFFF"/>
+                  </a:solidFill>
+                </a:uFill>
+                <a:ea typeface="Droid Sans Fallback"/>
+              </a:rPr>
+              <a:t> </a:t>
+            </a:r>
+            <a:r>
+              <a:rPr lang="en-US" altLang="zh-TW" sz="2000" spc="-1" dirty="0">
+                <a:solidFill>
+                  <a:srgbClr val="000000"/>
+                </a:solidFill>
+                <a:uFill>
+                  <a:solidFill>
+                    <a:srgbClr val="FFFFFF"/>
+                  </a:solidFill>
+                </a:uFill>
+                <a:ea typeface="Droid Sans Fallback"/>
+              </a:rPr>
+              <a:t>V</a:t>
+            </a:r>
+            <a:r>
+              <a:rPr lang="en-US" altLang="zh-TW" sz="2000" spc="-1" dirty="0" smtClean="0">
+                <a:solidFill>
+                  <a:srgbClr val="000000"/>
+                </a:solidFill>
+                <a:uFill>
+                  <a:solidFill>
+                    <a:srgbClr val="FFFFFF"/>
+                  </a:solidFill>
+                </a:uFill>
+                <a:ea typeface="Droid Sans Fallback"/>
+              </a:rPr>
+              <a:t>=</a:t>
+            </a:r>
+            <a:r>
+              <a:rPr lang="en-US" altLang="zh-TW" sz="2000" spc="-1" dirty="0" smtClean="0">
+                <a:solidFill>
+                  <a:srgbClr val="000000"/>
+                </a:solidFill>
+                <a:uFill>
+                  <a:solidFill>
+                    <a:srgbClr val="FFFFFF"/>
+                  </a:solidFill>
+                </a:uFill>
+                <a:ea typeface="Droid Sans Fallback"/>
+              </a:rPr>
+              <a:t>10</a:t>
+            </a:r>
+            <a:r>
+              <a:rPr lang="en-US" altLang="zh-TW" sz="2000" spc="-1" dirty="0" smtClean="0">
+                <a:solidFill>
+                  <a:srgbClr val="000000"/>
+                </a:solidFill>
+                <a:uFill>
+                  <a:solidFill>
+                    <a:srgbClr val="FFFFFF"/>
+                  </a:solidFill>
+                </a:uFill>
+                <a:ea typeface="Droid Sans Fallback"/>
+              </a:rPr>
+              <a:t>21</a:t>
+            </a:r>
+            <a:r>
+              <a:rPr lang="en-US" altLang="zh-TW" sz="2000" spc="-1" dirty="0" smtClean="0">
+                <a:solidFill>
+                  <a:srgbClr val="000000"/>
+                </a:solidFill>
+                <a:uFill>
+                  <a:solidFill>
+                    <a:srgbClr val="FFFFFF"/>
+                  </a:solidFill>
+                </a:uFill>
+                <a:ea typeface="Droid Sans Fallback"/>
+              </a:rPr>
+              <a:t>,</a:t>
+            </a:r>
+            <a:r>
+              <a:rPr lang="zh-TW" altLang="en-US" sz="2000" spc="-1" dirty="0" smtClean="0">
+                <a:solidFill>
+                  <a:srgbClr val="000000"/>
+                </a:solidFill>
+                <a:uFill>
+                  <a:solidFill>
+                    <a:srgbClr val="FFFFFF"/>
+                  </a:solidFill>
+                </a:uFill>
+                <a:ea typeface="Droid Sans Fallback"/>
+              </a:rPr>
+              <a:t> </a:t>
+            </a:r>
+            <a:r>
+              <a:rPr lang="en-US" altLang="zh-TW" sz="2000" spc="-1" dirty="0">
+                <a:solidFill>
+                  <a:srgbClr val="000000"/>
+                </a:solidFill>
+                <a:uFill>
+                  <a:solidFill>
+                    <a:srgbClr val="FFFFFF"/>
+                  </a:solidFill>
+                </a:uFill>
+                <a:ea typeface="Droid Sans Fallback"/>
+              </a:rPr>
+              <a:t>one</a:t>
             </a:r>
             <a:r>
               <a:rPr lang="zh-TW" altLang="en-US" sz="2000" spc="-1" dirty="0">
@@ -6081,174 +6483,6 @@
             </a:r>
             <a:r>
               <a:rPr lang="en-US" altLang="zh-TW" sz="2000" spc="-1" dirty="0">
-                <a:solidFill>
-                  <a:srgbClr val="000000"/>
-                </a:solidFill>
-                <a:uFill>
-                  <a:solidFill>
-                    <a:srgbClr val="FFFFFF"/>
-                  </a:solidFill>
-                </a:uFill>
-                <a:ea typeface="Droid Sans Fallback"/>
-              </a:rPr>
-              <a:t>E</a:t>
-            </a:r>
-            <a:r>
-              <a:rPr lang="en-US" altLang="zh-TW" sz="2000" spc="-1" dirty="0" smtClean="0">
-                <a:solidFill>
-                  <a:srgbClr val="000000"/>
-                </a:solidFill>
-                <a:uFill>
-                  <a:solidFill>
-                    <a:srgbClr val="FFFFFF"/>
-                  </a:solidFill>
-                </a:uFill>
-                <a:ea typeface="Droid Sans Fallback"/>
-              </a:rPr>
-              <a:t>=</a:t>
-            </a:r>
-            <a:r>
-              <a:rPr lang="en-US" altLang="zh-TW" sz="2000" spc="-1" dirty="0" smtClean="0">
-                <a:solidFill>
-                  <a:srgbClr val="000000"/>
-                </a:solidFill>
-                <a:uFill>
-                  <a:solidFill>
-                    <a:srgbClr val="FFFFFF"/>
-                  </a:solidFill>
-                </a:uFill>
-                <a:ea typeface="Droid Sans Fallback"/>
-              </a:rPr>
-              <a:t>11831</a:t>
-            </a:r>
-            <a:r>
-              <a:rPr lang="en-US" altLang="zh-TW" sz="2000" spc="-1" dirty="0" smtClean="0">
-                <a:solidFill>
-                  <a:srgbClr val="000000"/>
-                </a:solidFill>
-                <a:uFill>
-                  <a:solidFill>
-                    <a:srgbClr val="FFFFFF"/>
-                  </a:solidFill>
-                </a:uFill>
-                <a:ea typeface="Droid Sans Fallback"/>
-              </a:rPr>
-              <a:t>,</a:t>
-            </a:r>
-            <a:r>
-              <a:rPr lang="zh-TW" altLang="en-US" sz="2000" spc="-1" dirty="0" smtClean="0">
-                <a:solidFill>
-                  <a:srgbClr val="000000"/>
-                </a:solidFill>
-                <a:uFill>
-                  <a:solidFill>
-                    <a:srgbClr val="FFFFFF"/>
-                  </a:solidFill>
-                </a:uFill>
-                <a:ea typeface="Droid Sans Fallback"/>
-              </a:rPr>
-              <a:t> </a:t>
-            </a:r>
-            <a:r>
-              <a:rPr lang="en-US" altLang="zh-TW" sz="2000" spc="-1" dirty="0">
-                <a:solidFill>
-                  <a:srgbClr val="000000"/>
-                </a:solidFill>
-                <a:uFill>
-                  <a:solidFill>
-                    <a:srgbClr val="FFFFFF"/>
-                  </a:solidFill>
-                </a:uFill>
-                <a:ea typeface="Droid Sans Fallback"/>
-              </a:rPr>
-              <a:t>V</a:t>
-            </a:r>
-            <a:r>
-              <a:rPr lang="en-US" altLang="zh-TW" sz="2000" spc="-1" dirty="0" smtClean="0">
-                <a:solidFill>
-                  <a:srgbClr val="000000"/>
-                </a:solidFill>
-                <a:uFill>
-                  <a:solidFill>
-                    <a:srgbClr val="FFFFFF"/>
-                  </a:solidFill>
-                </a:uFill>
-                <a:ea typeface="Droid Sans Fallback"/>
-              </a:rPr>
-              <a:t>=</a:t>
-            </a:r>
-            <a:r>
-              <a:rPr lang="en-US" altLang="zh-TW" sz="2000" spc="-1" dirty="0" smtClean="0">
-                <a:solidFill>
-                  <a:srgbClr val="000000"/>
-                </a:solidFill>
-                <a:uFill>
-                  <a:solidFill>
-                    <a:srgbClr val="FFFFFF"/>
-                  </a:solidFill>
-                </a:uFill>
-                <a:ea typeface="Droid Sans Fallback"/>
-              </a:rPr>
-              <a:t>917</a:t>
-            </a:r>
-            <a:r>
-              <a:rPr lang="en-US" altLang="zh-TW" sz="2000" spc="-1" dirty="0" smtClean="0">
-                <a:solidFill>
-                  <a:srgbClr val="000000"/>
-                </a:solidFill>
-                <a:uFill>
-                  <a:solidFill>
-                    <a:srgbClr val="FFFFFF"/>
-                  </a:solidFill>
-                </a:uFill>
-                <a:ea typeface="Droid Sans Fallback"/>
-              </a:rPr>
-              <a:t>,</a:t>
-            </a:r>
-            <a:r>
-              <a:rPr lang="zh-TW" altLang="en-US" sz="2000" spc="-1" dirty="0" smtClean="0">
-                <a:solidFill>
-                  <a:srgbClr val="000000"/>
-                </a:solidFill>
-                <a:uFill>
-                  <a:solidFill>
-                    <a:srgbClr val="FFFFFF"/>
-                  </a:solidFill>
-                </a:uFill>
-                <a:ea typeface="Droid Sans Fallback"/>
-              </a:rPr>
-              <a:t> </a:t>
-            </a:r>
-            <a:r>
-              <a:rPr lang="en-US" altLang="zh-TW" sz="2000" spc="-1" dirty="0">
-                <a:solidFill>
-                  <a:srgbClr val="000000"/>
-                </a:solidFill>
-                <a:uFill>
-                  <a:solidFill>
-                    <a:srgbClr val="FFFFFF"/>
-                  </a:solidFill>
-                </a:uFill>
-                <a:ea typeface="Droid Sans Fallback"/>
-              </a:rPr>
-              <a:t>one</a:t>
-            </a:r>
-            <a:r>
-              <a:rPr lang="zh-TW" altLang="en-US" sz="2000" spc="-1" dirty="0">
-                <a:solidFill>
-                  <a:srgbClr val="000000"/>
-                </a:solidFill>
-                <a:uFill>
-                  <a:solidFill>
-                    <a:srgbClr val="FFFFFF"/>
-                  </a:solidFill>
-                </a:uFill>
-                <a:ea typeface="Droid Sans Fallback"/>
-              </a:rPr>
-              <a:t> </a:t>
-            </a:r>
-            <a:r>
-              <a:rPr lang="en-US" altLang="zh-TW" sz="2000" spc="-1" dirty="0" smtClean="0">
                 <a:solidFill>
                   <a:srgbClr val="000000"/>
                 </a:solidFill>
@@ -6280,7 +6514,35 @@
                 </a:uFill>
                 <a:ea typeface="Droid Sans Fallback"/>
               </a:rPr>
-              <a:t>Layer</a:t>
+              <a:t>Layer5:</a:t>
+            </a:r>
+            <a:r>
+              <a:rPr lang="zh-TW" altLang="en-US" sz="2000" spc="-1" dirty="0" smtClean="0">
+                <a:solidFill>
+                  <a:srgbClr val="000000"/>
+                </a:solidFill>
+                <a:uFill>
+                  <a:solidFill>
+                    <a:srgbClr val="FFFFFF"/>
+                  </a:solidFill>
+                </a:uFill>
+                <a:ea typeface="Droid Sans Fallback"/>
+              </a:rPr>
+              <a:t> </a:t>
+            </a:r>
+            <a:r>
+              <a:rPr lang="en-US" altLang="zh-TW" sz="2000" spc="-1" dirty="0">
+                <a:solidFill>
+                  <a:srgbClr val="000000"/>
+                </a:solidFill>
+                <a:uFill>
+                  <a:solidFill>
+                    <a:srgbClr val="FFFFFF"/>
+                  </a:solidFill>
+                </a:uFill>
+                <a:ea typeface="Droid Sans Fallback"/>
+              </a:rPr>
+              <a:t>E</a:t>
             </a:r>
             <a:r>
               <a:rPr lang="en-US" altLang="zh-TW" sz="2000" spc="-1" dirty="0" smtClean="0">
@@ -6294,7 +6556,7 @@
                 </a:uFill>
                 <a:ea typeface="Droid Sans Fallback"/>
               </a:rPr>
-              <a:t>4</a:t>
+              <a:t>=</a:t>
             </a:r>
             <a:r>
               <a:rPr lang="en-US" altLang="zh-TW" sz="2000" spc="-1" dirty="0" smtClean="0">
@@ -6308,7 +6570,35 @@
                 </a:uFill>
                 <a:ea typeface="Droid Sans Fallback"/>
               </a:rPr>
-              <a:t>:</a:t>
+              <a:t>1</a:t>
+            </a:r>
+            <a:r>
+              <a:rPr lang="en-US" altLang="zh-TW" sz="2000" spc="-1" dirty="0" smtClean="0">
+                <a:solidFill>
+                  <a:srgbClr val="000000"/>
+                </a:solidFill>
+                <a:uFill>
+                  <a:solidFill>
+                    <a:srgbClr val="FFFFFF"/>
+                  </a:solidFill>
+                </a:uFill>
+                <a:ea typeface="Droid Sans Fallback"/>
+              </a:rPr>
+              <a:t>556</a:t>
+            </a:r>
+            <a:r>
+              <a:rPr lang="en-US" altLang="zh-TW" sz="2000" spc="-1" dirty="0" smtClean="0">
+                <a:solidFill>
+                  <a:srgbClr val="000000"/>
+                </a:solidFill>
+                <a:uFill>
+                  <a:solidFill>
+                    <a:srgbClr val="FFFFFF"/>
+                  </a:solidFill>
+                </a:uFill>
+                <a:ea typeface="Droid Sans Fallback"/>
+              </a:rPr>
+              <a:t>,</a:t>
             </a:r>
             <a:r>
               <a:rPr lang="zh-TW" altLang="en-US" sz="2000" spc="-1" dirty="0" smtClean="0">
@@ -6336,7 +6626,7 @@
                 </a:uFill>
                 <a:ea typeface="Droid Sans Fallback"/>
               </a:rPr>
-              <a:t>E</a:t>
+              <a:t>V</a:t>
             </a:r>
             <a:r>
               <a:rPr lang="en-US" altLang="zh-TW" sz="2000" spc="-1" dirty="0" smtClean="0">
@@ -6364,7 +6654,7 @@
                 </a:uFill>
                 <a:ea typeface="Droid Sans Fallback"/>
               </a:rPr>
-              <a:t>12693</a:t>
+              <a:t>87</a:t>
             </a:r>
             <a:r>
               <a:rPr lang="en-US" altLang="zh-TW" sz="2000" spc="-1" dirty="0" smtClean="0">
@@ -6378,6 +6668,20 @@
                 </a:uFill>
                 <a:ea typeface="Droid Sans Fallback"/>
               </a:rPr>
+              <a:t>8</a:t>
+            </a:r>
+            <a:r>
+              <a:rPr lang="en-US" altLang="zh-TW" sz="2000" spc="-1" dirty="0" smtClean="0">
+                <a:solidFill>
+                  <a:srgbClr val="000000"/>
+                </a:solidFill>
+                <a:uFill>
+                  <a:solidFill>
+                    <a:srgbClr val="FFFFFF"/>
+                  </a:solidFill>
+                </a:uFill>
+                <a:ea typeface="Droid Sans Fallback"/>
+              </a:rPr>
               <a:t>,</a:t>
             </a:r>
             <a:r>
@@ -6406,7 +6710,21 @@
                 </a:uFill>
                 <a:ea typeface="Droid Sans Fallback"/>
               </a:rPr>
-              <a:t>V</a:t>
+              <a:t>one</a:t>
+            </a:r>
+            <a:r>
+              <a:rPr lang="zh-TW" altLang="en-US" sz="2000" spc="-1" dirty="0">
+                <a:solidFill>
+                  <a:srgbClr val="000000"/>
+                </a:solidFill>
+                <a:uFill>
+                  <a:solidFill>
+                    <a:srgbClr val="FFFFFF"/>
+                  </a:solidFill>
+                </a:uFill>
+                <a:ea typeface="Droid Sans Fallback"/>
+              </a:rPr>
+              <a:t> </a:t>
             </a:r>
             <a:r>
               <a:rPr lang="en-US" altLang="zh-TW" sz="2000" spc="-1" dirty="0" smtClean="0">
@@ -6420,461 +6738,8 @@
                 </a:uFill>
                 <a:ea typeface="Droid Sans Fallback"/>
               </a:rPr>
-              <a:t>=</a:t>
-            </a:r>
-            <a:r>
-              <a:rPr lang="en-US" altLang="zh-TW" sz="2000" spc="-1" dirty="0" smtClean="0">
-                <a:solidFill>
-                  <a:srgbClr val="000000"/>
-                </a:solidFill>
-                <a:uFill>
-                  <a:solidFill>
-                    <a:srgbClr val="FFFFFF"/>
-                  </a:solidFill>
-                </a:uFill>
-                <a:ea typeface="Droid Sans Fallback"/>
-              </a:rPr>
-              <a:t>1019</a:t>
-            </a:r>
-            <a:r>
-              <a:rPr lang="en-US" altLang="zh-TW" sz="2000" spc="-1" dirty="0" smtClean="0">
-                <a:solidFill>
-                  <a:srgbClr val="000000"/>
-                </a:solidFill>
-                <a:uFill>
-                  <a:solidFill>
-                    <a:srgbClr val="FFFFFF"/>
-                  </a:solidFill>
-                </a:uFill>
-                <a:ea typeface="Droid Sans Fallback"/>
-              </a:rPr>
-              <a:t>,</a:t>
-            </a:r>
-            <a:r>
-              <a:rPr lang="zh-TW" altLang="en-US" sz="2000" spc="-1" dirty="0" smtClean="0">
-                <a:solidFill>
-                  <a:srgbClr val="000000"/>
-                </a:solidFill>
-                <a:uFill>
-                  <a:solidFill>
-                    <a:srgbClr val="FFFFFF"/>
-                  </a:solidFill>
-                </a:uFill>
-                <a:ea typeface="Droid Sans Fallback"/>
-              </a:rPr>
-              <a:t> </a:t>
-            </a:r>
-            <a:r>
-              <a:rPr lang="en-US" altLang="zh-TW" sz="2000" spc="-1" dirty="0">
-                <a:solidFill>
-                  <a:srgbClr val="000000"/>
-                </a:solidFill>
-                <a:uFill>
-                  <a:solidFill>
-                    <a:srgbClr val="FFFFFF"/>
-                  </a:solidFill>
-                </a:uFill>
-                <a:ea typeface="Droid Sans Fallback"/>
-              </a:rPr>
-              <a:t>one</a:t>
-            </a:r>
-            <a:r>
-              <a:rPr lang="zh-TW" altLang="en-US" sz="2000" spc="-1" dirty="0">
-                <a:solidFill>
-                  <a:srgbClr val="000000"/>
-                </a:solidFill>
-                <a:uFill>
-                  <a:solidFill>
-                    <a:srgbClr val="FFFFFF"/>
-                  </a:solidFill>
-                </a:uFill>
-                <a:ea typeface="Droid Sans Fallback"/>
-              </a:rPr>
-              <a:t> </a:t>
-            </a:r>
-            <a:r>
-              <a:rPr lang="en-US" altLang="zh-TW" sz="2000" spc="-1" dirty="0">
-                <a:solidFill>
-                  <a:srgbClr val="000000"/>
-                </a:solidFill>
-                <a:uFill>
-                  <a:solidFill>
-                    <a:srgbClr val="FFFFFF"/>
-                  </a:solidFill>
-                </a:uFill>
-                <a:ea typeface="Droid Sans Fallback"/>
-              </a:rPr>
               <a:t>MST</a:t>
             </a:r>
-          </a:p>
-          <a:p>
-            <a:pPr>
-              <a:lnSpc>
-                <a:spcPct val="125000"/>
-              </a:lnSpc>
-            </a:pPr>
-            <a:r>
-              <a:rPr lang="en-US" altLang="zh-TW" sz="2000" spc="-1" dirty="0" smtClean="0">
-                <a:solidFill>
-                  <a:srgbClr val="000000"/>
-                </a:solidFill>
-                <a:uFill>
-                  <a:solidFill>
-                    <a:srgbClr val="FFFFFF"/>
-                  </a:solidFill>
-                </a:uFill>
-                <a:ea typeface="Droid Sans Fallback"/>
-              </a:rPr>
-              <a:t>Layer</a:t>
-            </a:r>
-            <a:r>
-              <a:rPr lang="en-US" altLang="zh-TW" sz="2000" spc="-1" dirty="0" smtClean="0">
-                <a:solidFill>
-                  <a:srgbClr val="000000"/>
-                </a:solidFill>
-                <a:uFill>
-                  <a:solidFill>
-                    <a:srgbClr val="FFFFFF"/>
-                  </a:solidFill>
-                </a:uFill>
-                <a:ea typeface="Droid Sans Fallback"/>
-              </a:rPr>
-              <a:t>5</a:t>
-            </a:r>
-            <a:r>
-              <a:rPr lang="en-US" altLang="zh-TW" sz="2000" spc="-1" dirty="0" smtClean="0">
-                <a:solidFill>
-                  <a:srgbClr val="000000"/>
-                </a:solidFill>
-                <a:uFill>
-                  <a:solidFill>
-                    <a:srgbClr val="FFFFFF"/>
-                  </a:solidFill>
-                </a:uFill>
-                <a:ea typeface="Droid Sans Fallback"/>
-              </a:rPr>
-              <a:t>:</a:t>
-            </a:r>
-            <a:r>
-              <a:rPr lang="zh-TW" altLang="en-US" sz="2000" spc="-1" dirty="0" smtClean="0">
-                <a:solidFill>
-                  <a:srgbClr val="000000"/>
-                </a:solidFill>
-                <a:uFill>
-                  <a:solidFill>
-                    <a:srgbClr val="FFFFFF"/>
-                  </a:solidFill>
-                </a:uFill>
-                <a:ea typeface="Droid Sans Fallback"/>
-              </a:rPr>
-              <a:t> </a:t>
-            </a:r>
-            <a:r>
-              <a:rPr lang="en-US" altLang="zh-TW" sz="2000" spc="-1" dirty="0">
-                <a:solidFill>
-                  <a:srgbClr val="000000"/>
-                </a:solidFill>
-                <a:uFill>
-                  <a:solidFill>
-                    <a:srgbClr val="FFFFFF"/>
-                  </a:solidFill>
-                </a:uFill>
-                <a:ea typeface="Droid Sans Fallback"/>
-              </a:rPr>
-              <a:t>E</a:t>
-            </a:r>
-            <a:r>
-              <a:rPr lang="en-US" altLang="zh-TW" sz="2000" spc="-1" dirty="0" smtClean="0">
-                <a:solidFill>
-                  <a:srgbClr val="000000"/>
-                </a:solidFill>
-                <a:uFill>
-                  <a:solidFill>
-                    <a:srgbClr val="FFFFFF"/>
-                  </a:solidFill>
-                </a:uFill>
-                <a:ea typeface="Droid Sans Fallback"/>
-              </a:rPr>
-              <a:t>=</a:t>
-            </a:r>
-            <a:r>
-              <a:rPr lang="en-US" altLang="zh-TW" sz="2000" spc="-1" dirty="0" smtClean="0">
-                <a:solidFill>
-                  <a:srgbClr val="000000"/>
-                </a:solidFill>
-                <a:uFill>
-                  <a:solidFill>
-                    <a:srgbClr val="FFFFFF"/>
-                  </a:solidFill>
-                </a:uFill>
-                <a:ea typeface="Droid Sans Fallback"/>
-              </a:rPr>
-              <a:t>11122</a:t>
-            </a:r>
-            <a:r>
-              <a:rPr lang="en-US" altLang="zh-TW" sz="2000" spc="-1" dirty="0" smtClean="0">
-                <a:solidFill>
-                  <a:srgbClr val="000000"/>
-                </a:solidFill>
-                <a:uFill>
-                  <a:solidFill>
-                    <a:srgbClr val="FFFFFF"/>
-                  </a:solidFill>
-                </a:uFill>
-                <a:ea typeface="Droid Sans Fallback"/>
-              </a:rPr>
-              <a:t>,</a:t>
-            </a:r>
-            <a:r>
-              <a:rPr lang="zh-TW" altLang="en-US" sz="2000" spc="-1" dirty="0" smtClean="0">
-                <a:solidFill>
-                  <a:srgbClr val="000000"/>
-                </a:solidFill>
-                <a:uFill>
-                  <a:solidFill>
-                    <a:srgbClr val="FFFFFF"/>
-                  </a:solidFill>
-                </a:uFill>
-                <a:ea typeface="Droid Sans Fallback"/>
-              </a:rPr>
-              <a:t> </a:t>
-            </a:r>
-            <a:r>
-              <a:rPr lang="en-US" altLang="zh-TW" sz="2000" spc="-1" dirty="0">
-                <a:solidFill>
-                  <a:srgbClr val="000000"/>
-                </a:solidFill>
-                <a:uFill>
-                  <a:solidFill>
-                    <a:srgbClr val="FFFFFF"/>
-                  </a:solidFill>
-                </a:uFill>
-                <a:ea typeface="Droid Sans Fallback"/>
-              </a:rPr>
-              <a:t>V</a:t>
-            </a:r>
-            <a:r>
-              <a:rPr lang="en-US" altLang="zh-TW" sz="2000" spc="-1" dirty="0" smtClean="0">
-                <a:solidFill>
-                  <a:srgbClr val="000000"/>
-                </a:solidFill>
-                <a:uFill>
-                  <a:solidFill>
-                    <a:srgbClr val="FFFFFF"/>
-                  </a:solidFill>
-                </a:uFill>
-                <a:ea typeface="Droid Sans Fallback"/>
-              </a:rPr>
-              <a:t>=</a:t>
-            </a:r>
-            <a:r>
-              <a:rPr lang="en-US" altLang="zh-TW" sz="2000" spc="-1" dirty="0" smtClean="0">
-                <a:solidFill>
-                  <a:srgbClr val="000000"/>
-                </a:solidFill>
-                <a:uFill>
-                  <a:solidFill>
-                    <a:srgbClr val="FFFFFF"/>
-                  </a:solidFill>
-                </a:uFill>
-                <a:ea typeface="Droid Sans Fallback"/>
-              </a:rPr>
-              <a:t>875</a:t>
-            </a:r>
-            <a:r>
-              <a:rPr lang="en-US" altLang="zh-TW" sz="2000" spc="-1" dirty="0" smtClean="0">
-                <a:solidFill>
-                  <a:srgbClr val="000000"/>
-                </a:solidFill>
-                <a:uFill>
-                  <a:solidFill>
-                    <a:srgbClr val="FFFFFF"/>
-                  </a:solidFill>
-                </a:uFill>
-                <a:ea typeface="Droid Sans Fallback"/>
-              </a:rPr>
-              <a:t>,</a:t>
-            </a:r>
-            <a:r>
-              <a:rPr lang="zh-TW" altLang="en-US" sz="2000" spc="-1" dirty="0" smtClean="0">
-                <a:solidFill>
-                  <a:srgbClr val="000000"/>
-                </a:solidFill>
-                <a:uFill>
-                  <a:solidFill>
-                    <a:srgbClr val="FFFFFF"/>
-                  </a:solidFill>
-                </a:uFill>
-                <a:ea typeface="Droid Sans Fallback"/>
-              </a:rPr>
-              <a:t> </a:t>
-            </a:r>
-            <a:r>
-              <a:rPr lang="en-US" altLang="zh-TW" sz="2000" spc="-1" dirty="0">
-                <a:solidFill>
-                  <a:srgbClr val="000000"/>
-                </a:solidFill>
-                <a:uFill>
-                  <a:solidFill>
-                    <a:srgbClr val="FFFFFF"/>
-                  </a:solidFill>
-                </a:uFill>
-                <a:ea typeface="Droid Sans Fallback"/>
-              </a:rPr>
-              <a:t>one</a:t>
-            </a:r>
-            <a:r>
-              <a:rPr lang="zh-TW" altLang="en-US" sz="2000" spc="-1" dirty="0">
-                <a:solidFill>
-                  <a:srgbClr val="000000"/>
-                </a:solidFill>
-                <a:uFill>
-                  <a:solidFill>
-                    <a:srgbClr val="FFFFFF"/>
-                  </a:solidFill>
-                </a:uFill>
-                <a:ea typeface="Droid Sans Fallback"/>
-              </a:rPr>
-              <a:t> </a:t>
-            </a:r>
-            <a:r>
-              <a:rPr lang="en-US" altLang="zh-TW" sz="2000" spc="-1" dirty="0">
-                <a:solidFill>
-                  <a:srgbClr val="000000"/>
-                </a:solidFill>
-                <a:uFill>
-                  <a:solidFill>
-                    <a:srgbClr val="FFFFFF"/>
-                  </a:solidFill>
-                </a:uFill>
-                <a:ea typeface="Droid Sans Fallback"/>
-              </a:rPr>
-              <a:t>MST</a:t>
-            </a:r>
-          </a:p>
-          <a:p>
-            <a:pPr>
-              <a:lnSpc>
-                <a:spcPct val="125000"/>
-              </a:lnSpc>
-            </a:pPr>
-            <a:r>
-              <a:rPr lang="en-US" altLang="zh-TW" sz="2000" spc="-1" dirty="0">
-                <a:solidFill>
-                  <a:srgbClr val="000000"/>
-                </a:solidFill>
-                <a:uFill>
-                  <a:solidFill>
-                    <a:srgbClr val="FFFFFF"/>
-                  </a:solidFill>
-                </a:uFill>
-              </a:rPr>
-              <a:t>#Shape</a:t>
-            </a:r>
-            <a:r>
-              <a:rPr lang="zh-TW" altLang="en-US" sz="2000" spc="-1" dirty="0">
-                <a:solidFill>
-                  <a:srgbClr val="000000"/>
-                </a:solidFill>
-                <a:uFill>
-                  <a:solidFill>
-                    <a:srgbClr val="FFFFFF"/>
-                  </a:solidFill>
-                </a:uFill>
-              </a:rPr>
-              <a:t> </a:t>
-            </a:r>
-            <a:r>
-              <a:rPr lang="en-US" altLang="zh-TW" sz="2000" spc="-1" dirty="0">
-                <a:solidFill>
-                  <a:srgbClr val="000000"/>
-                </a:solidFill>
-                <a:uFill>
-                  <a:solidFill>
-                    <a:srgbClr val="FFFFFF"/>
-                  </a:solidFill>
-                </a:uFill>
-              </a:rPr>
-              <a:t>not</a:t>
-            </a:r>
-            <a:r>
-              <a:rPr lang="zh-TW" altLang="en-US" sz="2000" spc="-1" dirty="0">
-                <a:solidFill>
-                  <a:srgbClr val="000000"/>
-                </a:solidFill>
-                <a:uFill>
-                  <a:solidFill>
-                    <a:srgbClr val="FFFFFF"/>
-                  </a:solidFill>
-                </a:uFill>
-              </a:rPr>
-              <a:t> </a:t>
-            </a:r>
-            <a:r>
-              <a:rPr lang="en-US" altLang="zh-TW" sz="2000" spc="-1" dirty="0">
-                <a:solidFill>
-                  <a:srgbClr val="000000"/>
-                </a:solidFill>
-                <a:uFill>
-                  <a:solidFill>
-                    <a:srgbClr val="FFFFFF"/>
-                  </a:solidFill>
-                </a:uFill>
-              </a:rPr>
-              <a:t>in</a:t>
-            </a:r>
-            <a:r>
-              <a:rPr lang="zh-TW" altLang="en-US" sz="2000" spc="-1" dirty="0">
-                <a:solidFill>
-                  <a:srgbClr val="000000"/>
-                </a:solidFill>
-                <a:uFill>
-                  <a:solidFill>
-                    <a:srgbClr val="FFFFFF"/>
-                  </a:solidFill>
-                </a:uFill>
-              </a:rPr>
-              <a:t> </a:t>
-            </a:r>
-            <a:r>
-              <a:rPr lang="en-US" altLang="zh-TW" sz="2000" spc="-1" dirty="0">
-                <a:solidFill>
-                  <a:srgbClr val="000000"/>
-                </a:solidFill>
-                <a:uFill>
-                  <a:solidFill>
-                    <a:srgbClr val="FFFFFF"/>
-                  </a:solidFill>
-                </a:uFill>
-              </a:rPr>
-              <a:t>Graph</a:t>
-            </a:r>
-            <a:r>
-              <a:rPr lang="en-US" altLang="zh-TW" sz="2000" spc="-1" dirty="0" smtClean="0">
-                <a:solidFill>
-                  <a:srgbClr val="000000"/>
-                </a:solidFill>
-                <a:uFill>
-                  <a:solidFill>
-                    <a:srgbClr val="FFFFFF"/>
-                  </a:solidFill>
-                </a:uFill>
-              </a:rPr>
-              <a:t>=</a:t>
-            </a:r>
-            <a:r>
-              <a:rPr lang="en-US" altLang="zh-TW" sz="2000" spc="-1" dirty="0" smtClean="0">
-                <a:solidFill>
-                  <a:srgbClr val="000000"/>
-                </a:solidFill>
-                <a:uFill>
-                  <a:solidFill>
-                    <a:srgbClr val="FFFFFF"/>
-                  </a:solidFill>
-                </a:uFill>
-              </a:rPr>
-              <a:t>11</a:t>
-            </a:r>
             <a:endParaRPr lang="en-US" altLang="zh-TW" sz="2000" spc="-1" dirty="0">
               <a:solidFill>
                 <a:srgbClr val="000000"/>
@@ -6885,24 +6750,6 @@
                 </a:solidFill>
               </a:uFill>
               <a:ea typeface="Droid Sans Fallback"/>
-            </a:endParaRPr>
-          </a:p>
-          <a:p>
-            <a:pPr>
-              <a:lnSpc>
-                <a:spcPct val="125000"/>
-              </a:lnSpc>
-            </a:pPr>
-            <a:endParaRPr lang="en-US" sz="2000" b="0" strike="noStrike" spc="-1" dirty="0">
-              <a:solidFill>
-                <a:srgbClr val="000000"/>
-              </a:solidFill>
-              <a:uFill>
-                <a:solidFill>
-                  <a:srgbClr val="FFFFFF"/>
-                </a:solidFill>
-              </a:uFill>
-              <a:latin typeface="Arial"/>
             </a:endParaRPr>
           </a:p>
         </p:txBody>

--- a/class presentation.pptx
+++ b/class presentation.pptx
@@ -3957,7 +3957,7 @@
         </p:nvSpPr>
         <p:spPr>
           <a:xfrm>
-            <a:off x="328680" y="3174480"/>
+            <a:off x="640080" y="3174480"/>
             <a:ext cx="5454720" cy="2651040"/>
           </a:xfrm>
           <a:prstGeom prst="rect">
@@ -4061,7 +4061,7 @@
                 <a:latin typeface="Arial"/>
                 <a:ea typeface="Arial"/>
               </a:rPr>
-              <a:t>Layer1: E=7300, V=550, one MST</a:t>
+              <a:t>Layer1: E=2005, V=550, S=30</a:t>
             </a:r>
             <a:endParaRPr b="0" lang="en-US" sz="1800" spc="-1" strike="noStrike">
               <a:solidFill>
@@ -4094,7 +4094,7 @@
                 <a:latin typeface="Arial"/>
                 <a:ea typeface="Arial"/>
               </a:rPr>
-              <a:t>Layer2: E=2723, V=241, one MST</a:t>
+              <a:t>Layer2: E=1095, V=241, S=10</a:t>
             </a:r>
             <a:endParaRPr b="0" lang="en-US" sz="1800" spc="-1" strike="noStrike">
               <a:solidFill>
@@ -4127,7 +4127,7 @@
                 <a:latin typeface="Arial"/>
                 <a:ea typeface="Arial"/>
               </a:rPr>
-              <a:t>Layer3: E=9951, V=712, one MST</a:t>
+              <a:t>Layer3: E=2459, V=712, S=52</a:t>
             </a:r>
             <a:endParaRPr b="0" lang="en-US" sz="1800" spc="-1" strike="noStrike">
               <a:solidFill>
@@ -4141,6 +4141,53 @@
               <a:latin typeface="Arial"/>
             </a:endParaRPr>
           </a:p>
+          <a:p>
+            <a:pPr>
+              <a:lnSpc>
+                <a:spcPct val="125000"/>
+              </a:lnSpc>
+            </a:pPr>
+            <a:endParaRPr b="0" lang="en-US" sz="1800" spc="-1" strike="noStrike">
+              <a:solidFill>
+                <a:srgbClr val="000000"/>
+              </a:solidFill>
+              <a:uFill>
+                <a:solidFill>
+                  <a:srgbClr val="ffffff"/>
+                </a:solidFill>
+              </a:uFill>
+              <a:latin typeface="Arial"/>
+            </a:endParaRPr>
+          </a:p>
+        </p:txBody>
+      </p:sp>
+      <p:sp>
+        <p:nvSpPr>
+          <p:cNvPr id="142" name="CustomShape 3"/>
+          <p:cNvSpPr/>
+          <p:nvPr/>
+        </p:nvSpPr>
+        <p:spPr>
+          <a:xfrm>
+            <a:off x="5238720" y="3073680"/>
+            <a:ext cx="4545360" cy="2846520"/>
+          </a:xfrm>
+          <a:prstGeom prst="rect">
+            <a:avLst/>
+          </a:prstGeom>
+          <a:noFill/>
+          <a:ln w="12600">
+            <a:noFill/>
+          </a:ln>
+        </p:spPr>
+        <p:style>
+          <a:lnRef idx="0"/>
+          <a:fillRef idx="0"/>
+          <a:effectRef idx="0"/>
+          <a:fontRef idx="minor"/>
+        </p:style>
+        <p:txBody>
+          <a:bodyPr lIns="0" rIns="0" tIns="0" bIns="0" anchor="ctr"/>
           <a:p>
             <a:pPr>
               <a:lnSpc>
@@ -4148,69 +4195,7 @@
               </a:lnSpc>
             </a:pPr>
             <a:r>
-              <a:rPr b="0" lang="en-US" sz="2400" spc="-1" strike="noStrike">
-                <a:solidFill>
-                  <a:srgbClr val="000000"/>
-                </a:solidFill>
-                <a:uFill>
-                  <a:solidFill>
-                    <a:srgbClr val="ffffff"/>
-                  </a:solidFill>
-                </a:uFill>
-                <a:latin typeface="Arial"/>
-                <a:ea typeface="Arial"/>
-              </a:rPr>
-              <a:t>#Shape not in Graph=0</a:t>
-            </a:r>
-            <a:endParaRPr b="0" lang="en-US" sz="1800" spc="-1" strike="noStrike">
-              <a:solidFill>
-                <a:srgbClr val="000000"/>
-              </a:solidFill>
-              <a:uFill>
-                <a:solidFill>
-                  <a:srgbClr val="ffffff"/>
-                </a:solidFill>
-              </a:uFill>
-              <a:latin typeface="Arial"/>
-            </a:endParaRPr>
-          </a:p>
-        </p:txBody>
-      </p:sp>
-      <p:sp>
-        <p:nvSpPr>
-          <p:cNvPr id="142" name="CustomShape 3"/>
-          <p:cNvSpPr/>
-          <p:nvPr/>
-        </p:nvSpPr>
-        <p:spPr>
-          <a:xfrm>
-            <a:off x="5391000" y="3166560"/>
-            <a:ext cx="4545360" cy="2971800"/>
-          </a:xfrm>
-          <a:prstGeom prst="rect">
-            <a:avLst/>
-          </a:prstGeom>
-          <a:noFill/>
-          <a:ln w="12600">
-            <a:noFill/>
-          </a:ln>
-        </p:spPr>
-        <p:style>
-          <a:lnRef idx="0"/>
-          <a:fillRef idx="0"/>
-          <a:effectRef idx="0"/>
-          <a:fontRef idx="minor"/>
-        </p:style>
-        <p:txBody>
-          <a:bodyPr lIns="0" rIns="0" tIns="0" bIns="0" anchor="ctr"/>
-          <a:p>
-            <a:pPr>
-              <a:lnSpc>
-                <a:spcPct val="125000"/>
-              </a:lnSpc>
-            </a:pPr>
-            <a:r>
-              <a:rPr b="0" lang="en-US" sz="2000" spc="-1" strike="noStrike">
+              <a:rPr b="0" lang="en-US" sz="2200" spc="-1" strike="noStrike">
                 <a:solidFill>
                   <a:srgbClr val="000000"/>
                 </a:solidFill>
@@ -4243,7 +4228,7 @@
               </a:lnSpc>
             </a:pPr>
             <a:r>
-              <a:rPr b="0" lang="en-US" sz="2000" spc="-1" strike="noStrike">
+              <a:rPr b="0" lang="en-US" sz="2200" spc="-1" strike="noStrike">
                 <a:solidFill>
                   <a:srgbClr val="000000"/>
                 </a:solidFill>
@@ -4276,7 +4261,7 @@
               </a:lnSpc>
             </a:pPr>
             <a:r>
-              <a:rPr b="0" lang="en-US" sz="2000" spc="-1" strike="noStrike">
+              <a:rPr b="0" lang="en-US" sz="2200" spc="-1" strike="noStrike">
                 <a:solidFill>
                   <a:srgbClr val="000000"/>
                 </a:solidFill>
@@ -4288,7 +4273,7 @@
                 <a:latin typeface="Arial"/>
                 <a:ea typeface="Arial"/>
               </a:rPr>
-              <a:t>Layer1: E=10589, V=767, one MST</a:t>
+              <a:t>Layer1: E=1478, V=767, S=254</a:t>
             </a:r>
             <a:endParaRPr b="0" lang="en-US" sz="1800" spc="-1" strike="noStrike">
               <a:solidFill>
@@ -4309,7 +4294,7 @@
               </a:lnSpc>
             </a:pPr>
             <a:r>
-              <a:rPr b="0" lang="en-US" sz="2000" spc="-1" strike="noStrike">
+              <a:rPr b="0" lang="en-US" sz="2200" spc="-1" strike="noStrike">
                 <a:solidFill>
                   <a:srgbClr val="000000"/>
                 </a:solidFill>
@@ -4321,7 +4306,7 @@
                 <a:latin typeface="Arial"/>
                 <a:ea typeface="Arial"/>
               </a:rPr>
-              <a:t>Layer2: E=11082, V=929, one MST</a:t>
+              <a:t>Layer2: E=1772, V=932, S=316</a:t>
             </a:r>
             <a:endParaRPr b="0" lang="en-US" sz="1800" spc="-1" strike="noStrike">
               <a:solidFill>
@@ -4342,7 +4327,7 @@
               </a:lnSpc>
             </a:pPr>
             <a:r>
-              <a:rPr b="0" lang="en-US" sz="2000" spc="-1" strike="noStrike">
+              <a:rPr b="0" lang="en-US" sz="2200" spc="-1" strike="noStrike">
                 <a:solidFill>
                   <a:srgbClr val="000000"/>
                 </a:solidFill>
@@ -4354,7 +4339,7 @@
                 <a:latin typeface="Arial"/>
                 <a:ea typeface="Arial"/>
               </a:rPr>
-              <a:t>Layer3: E=11831, V=917, one MST</a:t>
+              <a:t>Layer3: E=1632, V=920, S=338</a:t>
             </a:r>
             <a:endParaRPr b="0" lang="en-US" sz="1800" spc="-1" strike="noStrike">
               <a:solidFill>
@@ -4375,7 +4360,7 @@
               </a:lnSpc>
             </a:pPr>
             <a:r>
-              <a:rPr b="0" lang="en-US" sz="2000" spc="-1" strike="noStrike">
+              <a:rPr b="0" lang="en-US" sz="2200" spc="-1" strike="noStrike">
                 <a:solidFill>
                   <a:srgbClr val="000000"/>
                 </a:solidFill>
@@ -4387,7 +4372,7 @@
                 <a:latin typeface="Arial"/>
                 <a:ea typeface="Arial"/>
               </a:rPr>
-              <a:t>Layer4: E=12693, V=1019, one MST</a:t>
+              <a:t>Layer4: E=1776, V=1021, S=394</a:t>
             </a:r>
             <a:endParaRPr b="0" lang="en-US" sz="1800" spc="-1" strike="noStrike">
               <a:solidFill>
@@ -4408,7 +4393,7 @@
               </a:lnSpc>
             </a:pPr>
             <a:r>
-              <a:rPr b="0" lang="en-US" sz="2000" spc="-1" strike="noStrike">
+              <a:rPr b="0" lang="en-US" sz="2200" spc="-1" strike="noStrike">
                 <a:solidFill>
                   <a:srgbClr val="000000"/>
                 </a:solidFill>
@@ -4420,40 +4405,7 @@
                 <a:latin typeface="Arial"/>
                 <a:ea typeface="Arial"/>
               </a:rPr>
-              <a:t>Layer5: E=11122, V=875, one MST</a:t>
-            </a:r>
-            <a:endParaRPr b="0" lang="en-US" sz="1800" spc="-1" strike="noStrike">
-              <a:solidFill>
-                <a:srgbClr val="000000"/>
-              </a:solidFill>
-              <a:uFill>
-                <a:solidFill>
-                  <a:srgbClr val="ffffff"/>
-                </a:solidFill>
-              </a:uFill>
-              <a:latin typeface="Arial"/>
-            </a:endParaRPr>
-          </a:p>
-          <a:p>
-            <a:pPr>
-              <a:lnSpc>
-                <a:spcPct val="125000"/>
-              </a:lnSpc>
-            </a:pPr>
-            <a:r>
-              <a:rPr b="0" lang="en-US" sz="2000" spc="-1" strike="noStrike">
-                <a:solidFill>
-                  <a:srgbClr val="000000"/>
-                </a:solidFill>
-                <a:uFill>
-                  <a:solidFill>
-                    <a:srgbClr val="ffffff"/>
-                  </a:solidFill>
-                </a:uFill>
-                <a:latin typeface="Arial"/>
-                <a:ea typeface="Arial"/>
-              </a:rPr>
-              <a:t>#Shape not in Graph=11</a:t>
+              <a:t>Layer5: E=1556, V=878, S=333</a:t>
             </a:r>
             <a:endParaRPr b="0" lang="en-US" sz="1800" spc="-1" strike="noStrike">
               <a:solidFill>
